--- a/Organisation/PR Software Engineering.pptx
+++ b/Organisation/PR Software Engineering.pptx
@@ -108,6 +108,11 @@
       </a:defRPr>
     </a:lvl9pPr>
   </p:defaultTextStyle>
+  <p:extLst>
+    <p:ext uri="{EFAFB233-063F-42B5-8137-9DF3F51BA10A}">
+      <p15:sldGuideLst xmlns:p15="http://schemas.microsoft.com/office/powerpoint/2012/main"/>
+    </p:ext>
+  </p:extLst>
 </p:presentation>
 </file>
 
@@ -3995,11 +4000,11 @@
           <a:p>
             <a:r>
               <a:rPr lang="de-AT" dirty="0" err="1"/>
-              <a:t>IssueManagement</a:t>
-            </a:r>
-            <a:r>
-              <a:rPr lang="de-AT" dirty="0"/>
-              <a:t> für Testen </a:t>
+              <a:t>Issue</a:t>
+            </a:r>
+            <a:r>
+              <a:rPr lang="de-AT" dirty="0"/>
+              <a:t> Management für Testen </a:t>
             </a:r>
           </a:p>
           <a:p>

--- a/Organisation/PR Software Engineering.pptx
+++ b/Organisation/PR Software Engineering.pptx
@@ -3481,10 +3481,15 @@
             <p:ph idx="1"/>
           </p:nvPr>
         </p:nvSpPr>
-        <p:spPr/>
+        <p:spPr>
+          <a:xfrm>
+            <a:off x="362338" y="1454344"/>
+            <a:ext cx="11467323" cy="5226373"/>
+          </a:xfrm>
+        </p:spPr>
         <p:txBody>
           <a:bodyPr>
-            <a:normAutofit fontScale="40000" lnSpcReduction="20000"/>
+            <a:normAutofit fontScale="32500" lnSpcReduction="20000"/>
           </a:bodyPr>
           <a:lstStyle/>
           <a:p>
@@ -3492,21 +3497,21 @@
               <a:buNone/>
             </a:pPr>
             <a:r>
-              <a:rPr lang="de-AT" dirty="0"/>
+              <a:rPr lang="de-AT" sz="4400" dirty="0"/>
               <a:t>Andrea </a:t>
             </a:r>
             <a:r>
-              <a:rPr lang="de-AT" dirty="0" err="1"/>
+              <a:rPr lang="de-AT" sz="4400" dirty="0" err="1"/>
               <a:t>Aistleithner</a:t>
             </a:r>
-            <a:endParaRPr lang="de-AT" dirty="0"/>
+            <a:endParaRPr lang="de-AT" sz="4400" dirty="0"/>
           </a:p>
           <a:p>
             <a:pPr marL="0" indent="0">
               <a:buNone/>
             </a:pPr>
             <a:r>
-              <a:rPr lang="de-AT" dirty="0"/>
+              <a:rPr lang="de-AT" sz="4400" dirty="0"/>
               <a:t>K01607605</a:t>
             </a:r>
           </a:p>
@@ -3515,7 +3520,7 @@
               <a:buNone/>
             </a:pPr>
             <a:r>
-              <a:rPr lang="de-AT" dirty="0"/>
+              <a:rPr lang="de-AT" sz="4400" dirty="0"/>
               <a:t>aistleithner.andrea97@gmx.at</a:t>
             </a:r>
           </a:p>
@@ -3523,22 +3528,22 @@
             <a:pPr marL="0" indent="0">
               <a:buNone/>
             </a:pPr>
-            <a:endParaRPr lang="de-AT" dirty="0"/>
+            <a:endParaRPr lang="de-AT" sz="4400" dirty="0"/>
           </a:p>
           <a:p>
             <a:pPr marL="0" indent="0">
               <a:buNone/>
             </a:pPr>
             <a:r>
-              <a:rPr lang="de-AT" dirty="0"/>
+              <a:rPr lang="de-AT" sz="4400" dirty="0"/>
               <a:t>Alexander </a:t>
             </a:r>
             <a:r>
-              <a:rPr lang="de-AT" dirty="0" err="1"/>
+              <a:rPr lang="de-AT" sz="4400" dirty="0" err="1"/>
               <a:t>Teuchtmann</a:t>
             </a:r>
             <a:r>
-              <a:rPr lang="de-AT" dirty="0"/>
+              <a:rPr lang="de-AT" sz="4400" dirty="0"/>
               <a:t> </a:t>
             </a:r>
           </a:p>
@@ -3547,7 +3552,7 @@
               <a:buNone/>
             </a:pPr>
             <a:r>
-              <a:rPr lang="de-AT" dirty="0"/>
+              <a:rPr lang="de-AT" sz="4400" dirty="0"/>
               <a:t>K01356577</a:t>
             </a:r>
           </a:p>
@@ -3556,7 +3561,7 @@
               <a:buNone/>
             </a:pPr>
             <a:r>
-              <a:rPr lang="de-AT" dirty="0"/>
+              <a:rPr lang="de-AT" sz="4400" dirty="0"/>
               <a:t>a.teuchtmann@alteutech.at</a:t>
             </a:r>
           </a:p>
@@ -3564,14 +3569,14 @@
             <a:pPr marL="0" indent="0">
               <a:buNone/>
             </a:pPr>
-            <a:endParaRPr lang="de-AT" dirty="0"/>
+            <a:endParaRPr lang="de-AT" sz="4400" dirty="0"/>
           </a:p>
           <a:p>
             <a:pPr marL="0" indent="0">
               <a:buNone/>
             </a:pPr>
             <a:r>
-              <a:rPr lang="de-AT" dirty="0"/>
+              <a:rPr lang="de-AT" sz="4400" dirty="0"/>
               <a:t>Christoph Huber </a:t>
             </a:r>
           </a:p>
@@ -3580,7 +3585,7 @@
               <a:buNone/>
             </a:pPr>
             <a:r>
-              <a:rPr lang="de-AT" dirty="0"/>
+              <a:rPr lang="de-AT" sz="4400" dirty="0"/>
               <a:t>K</a:t>
             </a:r>
           </a:p>
@@ -3589,7 +3594,7 @@
               <a:buNone/>
             </a:pPr>
             <a:r>
-              <a:rPr lang="de-AT" dirty="0"/>
+              <a:rPr lang="de-AT" sz="4400" dirty="0"/>
               <a:t>christoph.huber91@gmail.com</a:t>
             </a:r>
           </a:p>
@@ -3597,14 +3602,14 @@
             <a:pPr marL="0" indent="0">
               <a:buNone/>
             </a:pPr>
-            <a:endParaRPr lang="de-AT" dirty="0"/>
+            <a:endParaRPr lang="de-AT" sz="4400" dirty="0"/>
           </a:p>
           <a:p>
             <a:pPr marL="0" indent="0">
               <a:buNone/>
             </a:pPr>
             <a:r>
-              <a:rPr lang="de-AT" dirty="0"/>
+              <a:rPr lang="de-AT" sz="4400" dirty="0"/>
               <a:t>Milos Tomic </a:t>
             </a:r>
           </a:p>
@@ -3613,30 +3618,39 @@
               <a:buNone/>
             </a:pPr>
             <a:r>
-              <a:rPr lang="de-AT" dirty="0"/>
-              <a:t>K</a:t>
+              <a:rPr lang="de-AT" sz="4400" dirty="0"/>
+              <a:t>K01356229</a:t>
             </a:r>
           </a:p>
           <a:p>
             <a:pPr marL="0" indent="0">
               <a:buNone/>
             </a:pPr>
-            <a:endParaRPr lang="de-AT" dirty="0"/>
+            <a:r>
+              <a:rPr lang="de-AT" sz="4400" dirty="0"/>
+              <a:t>tomicmilos94@yahoo.at</a:t>
+            </a:r>
           </a:p>
           <a:p>
             <a:pPr marL="0" indent="0">
               <a:buNone/>
             </a:pPr>
-            <a:r>
-              <a:rPr lang="de-AT" dirty="0"/>
+            <a:endParaRPr lang="de-AT" sz="4400" dirty="0"/>
+          </a:p>
+          <a:p>
+            <a:pPr marL="0" indent="0">
+              <a:buNone/>
+            </a:pPr>
+            <a:r>
+              <a:rPr lang="de-AT" sz="4400" dirty="0"/>
               <a:t>Maja </a:t>
             </a:r>
             <a:r>
-              <a:rPr lang="de-AT" dirty="0" err="1"/>
+              <a:rPr lang="de-AT" sz="4400" dirty="0" err="1"/>
               <a:t>Dusanic</a:t>
             </a:r>
             <a:r>
-              <a:rPr lang="de-AT" dirty="0"/>
+              <a:rPr lang="de-AT" sz="4400" dirty="0"/>
               <a:t> </a:t>
             </a:r>
           </a:p>
@@ -3645,7 +3659,7 @@
               <a:buNone/>
             </a:pPr>
             <a:r>
-              <a:rPr lang="de-AT" dirty="0"/>
+              <a:rPr lang="de-AT" sz="4400" dirty="0"/>
               <a:t>K</a:t>
             </a:r>
           </a:p>
@@ -3796,7 +3810,7 @@
           <a:p>
             <a:r>
               <a:rPr lang="de-AT" dirty="0"/>
-              <a:t>x</a:t>
+              <a:t>Milos Tomic</a:t>
             </a:r>
           </a:p>
           <a:p>

--- a/Organisation/PR Software Engineering.pptx
+++ b/Organisation/PR Software Engineering.pptx
@@ -138,7 +138,7 @@
           <p:cNvPr id="2" name="Titel 1">
             <a:extLst>
               <a:ext uri="{FF2B5EF4-FFF2-40B4-BE49-F238E27FC236}">
-                <a16:creationId xmlns:a16="http://schemas.microsoft.com/office/drawing/2014/main" id="{58FFCFBF-2736-4162-A439-5D67CC23BF40}"/>
+                <a16:creationId xmlns:a16="http://schemas.microsoft.com/office/drawing/2014/main" xmlns="" id="{58FFCFBF-2736-4162-A439-5D67CC23BF40}"/>
               </a:ext>
             </a:extLst>
           </p:cNvPr>
@@ -176,7 +176,7 @@
           <p:cNvPr id="3" name="Untertitel 2">
             <a:extLst>
               <a:ext uri="{FF2B5EF4-FFF2-40B4-BE49-F238E27FC236}">
-                <a16:creationId xmlns:a16="http://schemas.microsoft.com/office/drawing/2014/main" id="{8FE12771-FAAE-43A1-B562-6C020AE89433}"/>
+                <a16:creationId xmlns:a16="http://schemas.microsoft.com/office/drawing/2014/main" xmlns="" id="{8FE12771-FAAE-43A1-B562-6C020AE89433}"/>
               </a:ext>
             </a:extLst>
           </p:cNvPr>
@@ -247,7 +247,7 @@
           <p:cNvPr id="4" name="Datumsplatzhalter 3">
             <a:extLst>
               <a:ext uri="{FF2B5EF4-FFF2-40B4-BE49-F238E27FC236}">
-                <a16:creationId xmlns:a16="http://schemas.microsoft.com/office/drawing/2014/main" id="{89BC7551-6348-4445-B907-0A91871FCACF}"/>
+                <a16:creationId xmlns:a16="http://schemas.microsoft.com/office/drawing/2014/main" xmlns="" id="{89BC7551-6348-4445-B907-0A91871FCACF}"/>
               </a:ext>
             </a:extLst>
           </p:cNvPr>
@@ -265,7 +265,7 @@
           <a:p>
             <a:fld id="{E2BD4820-1E01-44FF-A182-83AD28D6F370}" type="datetimeFigureOut">
               <a:rPr lang="de-AT" smtClean="0"/>
-              <a:t>12.03.2018</a:t>
+              <a:t>14.03.2018</a:t>
             </a:fld>
             <a:endParaRPr lang="de-AT"/>
           </a:p>
@@ -276,7 +276,7 @@
           <p:cNvPr id="5" name="Fußzeilenplatzhalter 4">
             <a:extLst>
               <a:ext uri="{FF2B5EF4-FFF2-40B4-BE49-F238E27FC236}">
-                <a16:creationId xmlns:a16="http://schemas.microsoft.com/office/drawing/2014/main" id="{D7E7FCF8-27FB-4D15-99AF-D3D95F619352}"/>
+                <a16:creationId xmlns:a16="http://schemas.microsoft.com/office/drawing/2014/main" xmlns="" id="{D7E7FCF8-27FB-4D15-99AF-D3D95F619352}"/>
               </a:ext>
             </a:extLst>
           </p:cNvPr>
@@ -301,7 +301,7 @@
           <p:cNvPr id="6" name="Foliennummernplatzhalter 5">
             <a:extLst>
               <a:ext uri="{FF2B5EF4-FFF2-40B4-BE49-F238E27FC236}">
-                <a16:creationId xmlns:a16="http://schemas.microsoft.com/office/drawing/2014/main" id="{0F98B023-4E24-4E2F-B287-15D071D08941}"/>
+                <a16:creationId xmlns:a16="http://schemas.microsoft.com/office/drawing/2014/main" xmlns="" id="{0F98B023-4E24-4E2F-B287-15D071D08941}"/>
               </a:ext>
             </a:extLst>
           </p:cNvPr>
@@ -319,7 +319,7 @@
           <a:p>
             <a:fld id="{91EBFDBB-CDD8-4536-ACD2-18859987DC58}" type="slidenum">
               <a:rPr lang="de-AT" smtClean="0"/>
-              <a:t>‹Nr.›</a:t>
+              <a:t>‹#›</a:t>
             </a:fld>
             <a:endParaRPr lang="de-AT"/>
           </a:p>
@@ -360,7 +360,7 @@
           <p:cNvPr id="2" name="Titel 1">
             <a:extLst>
               <a:ext uri="{FF2B5EF4-FFF2-40B4-BE49-F238E27FC236}">
-                <a16:creationId xmlns:a16="http://schemas.microsoft.com/office/drawing/2014/main" id="{E7EEC211-1A09-4D56-AD84-06561CC3F047}"/>
+                <a16:creationId xmlns:a16="http://schemas.microsoft.com/office/drawing/2014/main" xmlns="" id="{E7EEC211-1A09-4D56-AD84-06561CC3F047}"/>
               </a:ext>
             </a:extLst>
           </p:cNvPr>
@@ -389,7 +389,7 @@
           <p:cNvPr id="3" name="Vertikaler Textplatzhalter 2">
             <a:extLst>
               <a:ext uri="{FF2B5EF4-FFF2-40B4-BE49-F238E27FC236}">
-                <a16:creationId xmlns:a16="http://schemas.microsoft.com/office/drawing/2014/main" id="{171C2F9C-7962-4844-9B94-D1A0324E3DB2}"/>
+                <a16:creationId xmlns:a16="http://schemas.microsoft.com/office/drawing/2014/main" xmlns="" id="{171C2F9C-7962-4844-9B94-D1A0324E3DB2}"/>
               </a:ext>
             </a:extLst>
           </p:cNvPr>
@@ -447,7 +447,7 @@
           <p:cNvPr id="4" name="Datumsplatzhalter 3">
             <a:extLst>
               <a:ext uri="{FF2B5EF4-FFF2-40B4-BE49-F238E27FC236}">
-                <a16:creationId xmlns:a16="http://schemas.microsoft.com/office/drawing/2014/main" id="{DC79A189-7359-4F92-9E5E-4AF4E9099105}"/>
+                <a16:creationId xmlns:a16="http://schemas.microsoft.com/office/drawing/2014/main" xmlns="" id="{DC79A189-7359-4F92-9E5E-4AF4E9099105}"/>
               </a:ext>
             </a:extLst>
           </p:cNvPr>
@@ -465,7 +465,7 @@
           <a:p>
             <a:fld id="{E2BD4820-1E01-44FF-A182-83AD28D6F370}" type="datetimeFigureOut">
               <a:rPr lang="de-AT" smtClean="0"/>
-              <a:t>12.03.2018</a:t>
+              <a:t>14.03.2018</a:t>
             </a:fld>
             <a:endParaRPr lang="de-AT"/>
           </a:p>
@@ -476,7 +476,7 @@
           <p:cNvPr id="5" name="Fußzeilenplatzhalter 4">
             <a:extLst>
               <a:ext uri="{FF2B5EF4-FFF2-40B4-BE49-F238E27FC236}">
-                <a16:creationId xmlns:a16="http://schemas.microsoft.com/office/drawing/2014/main" id="{90FBF03C-3E9F-4C81-8413-8527DC08B50A}"/>
+                <a16:creationId xmlns:a16="http://schemas.microsoft.com/office/drawing/2014/main" xmlns="" id="{90FBF03C-3E9F-4C81-8413-8527DC08B50A}"/>
               </a:ext>
             </a:extLst>
           </p:cNvPr>
@@ -501,7 +501,7 @@
           <p:cNvPr id="6" name="Foliennummernplatzhalter 5">
             <a:extLst>
               <a:ext uri="{FF2B5EF4-FFF2-40B4-BE49-F238E27FC236}">
-                <a16:creationId xmlns:a16="http://schemas.microsoft.com/office/drawing/2014/main" id="{BEC7D1F2-B38A-4E43-8BD4-C6FCCE5F8316}"/>
+                <a16:creationId xmlns:a16="http://schemas.microsoft.com/office/drawing/2014/main" xmlns="" id="{BEC7D1F2-B38A-4E43-8BD4-C6FCCE5F8316}"/>
               </a:ext>
             </a:extLst>
           </p:cNvPr>
@@ -519,7 +519,7 @@
           <a:p>
             <a:fld id="{91EBFDBB-CDD8-4536-ACD2-18859987DC58}" type="slidenum">
               <a:rPr lang="de-AT" smtClean="0"/>
-              <a:t>‹Nr.›</a:t>
+              <a:t>‹#›</a:t>
             </a:fld>
             <a:endParaRPr lang="de-AT"/>
           </a:p>
@@ -560,7 +560,7 @@
           <p:cNvPr id="2" name="Vertikaler Titel 1">
             <a:extLst>
               <a:ext uri="{FF2B5EF4-FFF2-40B4-BE49-F238E27FC236}">
-                <a16:creationId xmlns:a16="http://schemas.microsoft.com/office/drawing/2014/main" id="{73870491-EC36-425D-A0CD-F9F7FB7CE928}"/>
+                <a16:creationId xmlns:a16="http://schemas.microsoft.com/office/drawing/2014/main" xmlns="" id="{73870491-EC36-425D-A0CD-F9F7FB7CE928}"/>
               </a:ext>
             </a:extLst>
           </p:cNvPr>
@@ -594,7 +594,7 @@
           <p:cNvPr id="3" name="Vertikaler Textplatzhalter 2">
             <a:extLst>
               <a:ext uri="{FF2B5EF4-FFF2-40B4-BE49-F238E27FC236}">
-                <a16:creationId xmlns:a16="http://schemas.microsoft.com/office/drawing/2014/main" id="{D2FFAD73-0AF5-471D-9D6A-F3C2044510FC}"/>
+                <a16:creationId xmlns:a16="http://schemas.microsoft.com/office/drawing/2014/main" xmlns="" id="{D2FFAD73-0AF5-471D-9D6A-F3C2044510FC}"/>
               </a:ext>
             </a:extLst>
           </p:cNvPr>
@@ -657,7 +657,7 @@
           <p:cNvPr id="4" name="Datumsplatzhalter 3">
             <a:extLst>
               <a:ext uri="{FF2B5EF4-FFF2-40B4-BE49-F238E27FC236}">
-                <a16:creationId xmlns:a16="http://schemas.microsoft.com/office/drawing/2014/main" id="{3EF8DDC8-CC8D-40F8-98B8-BEE4F398C2A6}"/>
+                <a16:creationId xmlns:a16="http://schemas.microsoft.com/office/drawing/2014/main" xmlns="" id="{3EF8DDC8-CC8D-40F8-98B8-BEE4F398C2A6}"/>
               </a:ext>
             </a:extLst>
           </p:cNvPr>
@@ -675,7 +675,7 @@
           <a:p>
             <a:fld id="{E2BD4820-1E01-44FF-A182-83AD28D6F370}" type="datetimeFigureOut">
               <a:rPr lang="de-AT" smtClean="0"/>
-              <a:t>12.03.2018</a:t>
+              <a:t>14.03.2018</a:t>
             </a:fld>
             <a:endParaRPr lang="de-AT"/>
           </a:p>
@@ -686,7 +686,7 @@
           <p:cNvPr id="5" name="Fußzeilenplatzhalter 4">
             <a:extLst>
               <a:ext uri="{FF2B5EF4-FFF2-40B4-BE49-F238E27FC236}">
-                <a16:creationId xmlns:a16="http://schemas.microsoft.com/office/drawing/2014/main" id="{8DCC9C71-806C-401A-85F1-1FAC8C3F5DB1}"/>
+                <a16:creationId xmlns:a16="http://schemas.microsoft.com/office/drawing/2014/main" xmlns="" id="{8DCC9C71-806C-401A-85F1-1FAC8C3F5DB1}"/>
               </a:ext>
             </a:extLst>
           </p:cNvPr>
@@ -711,7 +711,7 @@
           <p:cNvPr id="6" name="Foliennummernplatzhalter 5">
             <a:extLst>
               <a:ext uri="{FF2B5EF4-FFF2-40B4-BE49-F238E27FC236}">
-                <a16:creationId xmlns:a16="http://schemas.microsoft.com/office/drawing/2014/main" id="{8F725044-E24D-44B4-B2EE-2D592F989A01}"/>
+                <a16:creationId xmlns:a16="http://schemas.microsoft.com/office/drawing/2014/main" xmlns="" id="{8F725044-E24D-44B4-B2EE-2D592F989A01}"/>
               </a:ext>
             </a:extLst>
           </p:cNvPr>
@@ -729,7 +729,7 @@
           <a:p>
             <a:fld id="{91EBFDBB-CDD8-4536-ACD2-18859987DC58}" type="slidenum">
               <a:rPr lang="de-AT" smtClean="0"/>
-              <a:t>‹Nr.›</a:t>
+              <a:t>‹#›</a:t>
             </a:fld>
             <a:endParaRPr lang="de-AT"/>
           </a:p>
@@ -770,7 +770,7 @@
           <p:cNvPr id="2" name="Titel 1">
             <a:extLst>
               <a:ext uri="{FF2B5EF4-FFF2-40B4-BE49-F238E27FC236}">
-                <a16:creationId xmlns:a16="http://schemas.microsoft.com/office/drawing/2014/main" id="{B6F8A4ED-0445-412B-AE45-C824298B7AF6}"/>
+                <a16:creationId xmlns:a16="http://schemas.microsoft.com/office/drawing/2014/main" xmlns="" id="{B6F8A4ED-0445-412B-AE45-C824298B7AF6}"/>
               </a:ext>
             </a:extLst>
           </p:cNvPr>
@@ -799,7 +799,7 @@
           <p:cNvPr id="3" name="Inhaltsplatzhalter 2">
             <a:extLst>
               <a:ext uri="{FF2B5EF4-FFF2-40B4-BE49-F238E27FC236}">
-                <a16:creationId xmlns:a16="http://schemas.microsoft.com/office/drawing/2014/main" id="{6DA3AB6C-6359-4840-BE37-C705BD7A2055}"/>
+                <a16:creationId xmlns:a16="http://schemas.microsoft.com/office/drawing/2014/main" xmlns="" id="{6DA3AB6C-6359-4840-BE37-C705BD7A2055}"/>
               </a:ext>
             </a:extLst>
           </p:cNvPr>
@@ -857,7 +857,7 @@
           <p:cNvPr id="4" name="Datumsplatzhalter 3">
             <a:extLst>
               <a:ext uri="{FF2B5EF4-FFF2-40B4-BE49-F238E27FC236}">
-                <a16:creationId xmlns:a16="http://schemas.microsoft.com/office/drawing/2014/main" id="{5D1F603A-8E4B-44A6-872F-8E2B7884FF4D}"/>
+                <a16:creationId xmlns:a16="http://schemas.microsoft.com/office/drawing/2014/main" xmlns="" id="{5D1F603A-8E4B-44A6-872F-8E2B7884FF4D}"/>
               </a:ext>
             </a:extLst>
           </p:cNvPr>
@@ -875,7 +875,7 @@
           <a:p>
             <a:fld id="{E2BD4820-1E01-44FF-A182-83AD28D6F370}" type="datetimeFigureOut">
               <a:rPr lang="de-AT" smtClean="0"/>
-              <a:t>12.03.2018</a:t>
+              <a:t>14.03.2018</a:t>
             </a:fld>
             <a:endParaRPr lang="de-AT"/>
           </a:p>
@@ -886,7 +886,7 @@
           <p:cNvPr id="5" name="Fußzeilenplatzhalter 4">
             <a:extLst>
               <a:ext uri="{FF2B5EF4-FFF2-40B4-BE49-F238E27FC236}">
-                <a16:creationId xmlns:a16="http://schemas.microsoft.com/office/drawing/2014/main" id="{F9BFF0C9-A186-4435-A789-E2975CE9EE08}"/>
+                <a16:creationId xmlns:a16="http://schemas.microsoft.com/office/drawing/2014/main" xmlns="" id="{F9BFF0C9-A186-4435-A789-E2975CE9EE08}"/>
               </a:ext>
             </a:extLst>
           </p:cNvPr>
@@ -911,7 +911,7 @@
           <p:cNvPr id="6" name="Foliennummernplatzhalter 5">
             <a:extLst>
               <a:ext uri="{FF2B5EF4-FFF2-40B4-BE49-F238E27FC236}">
-                <a16:creationId xmlns:a16="http://schemas.microsoft.com/office/drawing/2014/main" id="{EA5EC02D-8C36-4FBB-82B4-EE67B7CE0DF8}"/>
+                <a16:creationId xmlns:a16="http://schemas.microsoft.com/office/drawing/2014/main" xmlns="" id="{EA5EC02D-8C36-4FBB-82B4-EE67B7CE0DF8}"/>
               </a:ext>
             </a:extLst>
           </p:cNvPr>
@@ -929,7 +929,7 @@
           <a:p>
             <a:fld id="{91EBFDBB-CDD8-4536-ACD2-18859987DC58}" type="slidenum">
               <a:rPr lang="de-AT" smtClean="0"/>
-              <a:t>‹Nr.›</a:t>
+              <a:t>‹#›</a:t>
             </a:fld>
             <a:endParaRPr lang="de-AT"/>
           </a:p>
@@ -970,7 +970,7 @@
           <p:cNvPr id="2" name="Titel 1">
             <a:extLst>
               <a:ext uri="{FF2B5EF4-FFF2-40B4-BE49-F238E27FC236}">
-                <a16:creationId xmlns:a16="http://schemas.microsoft.com/office/drawing/2014/main" id="{B6F941F8-3DA5-4DCE-8D22-E50B35F5921A}"/>
+                <a16:creationId xmlns:a16="http://schemas.microsoft.com/office/drawing/2014/main" xmlns="" id="{B6F941F8-3DA5-4DCE-8D22-E50B35F5921A}"/>
               </a:ext>
             </a:extLst>
           </p:cNvPr>
@@ -1008,7 +1008,7 @@
           <p:cNvPr id="3" name="Textplatzhalter 2">
             <a:extLst>
               <a:ext uri="{FF2B5EF4-FFF2-40B4-BE49-F238E27FC236}">
-                <a16:creationId xmlns:a16="http://schemas.microsoft.com/office/drawing/2014/main" id="{0A30615E-A2D8-4AD8-9F02-E195E6E7EEBF}"/>
+                <a16:creationId xmlns:a16="http://schemas.microsoft.com/office/drawing/2014/main" xmlns="" id="{0A30615E-A2D8-4AD8-9F02-E195E6E7EEBF}"/>
               </a:ext>
             </a:extLst>
           </p:cNvPr>
@@ -1133,7 +1133,7 @@
           <p:cNvPr id="4" name="Datumsplatzhalter 3">
             <a:extLst>
               <a:ext uri="{FF2B5EF4-FFF2-40B4-BE49-F238E27FC236}">
-                <a16:creationId xmlns:a16="http://schemas.microsoft.com/office/drawing/2014/main" id="{42F9FE8B-7808-4C4B-8EBE-23EEEF3DECE9}"/>
+                <a16:creationId xmlns:a16="http://schemas.microsoft.com/office/drawing/2014/main" xmlns="" id="{42F9FE8B-7808-4C4B-8EBE-23EEEF3DECE9}"/>
               </a:ext>
             </a:extLst>
           </p:cNvPr>
@@ -1151,7 +1151,7 @@
           <a:p>
             <a:fld id="{E2BD4820-1E01-44FF-A182-83AD28D6F370}" type="datetimeFigureOut">
               <a:rPr lang="de-AT" smtClean="0"/>
-              <a:t>12.03.2018</a:t>
+              <a:t>14.03.2018</a:t>
             </a:fld>
             <a:endParaRPr lang="de-AT"/>
           </a:p>
@@ -1162,7 +1162,7 @@
           <p:cNvPr id="5" name="Fußzeilenplatzhalter 4">
             <a:extLst>
               <a:ext uri="{FF2B5EF4-FFF2-40B4-BE49-F238E27FC236}">
-                <a16:creationId xmlns:a16="http://schemas.microsoft.com/office/drawing/2014/main" id="{58D53206-A242-40F6-AE84-83BFD2E74CD5}"/>
+                <a16:creationId xmlns:a16="http://schemas.microsoft.com/office/drawing/2014/main" xmlns="" id="{58D53206-A242-40F6-AE84-83BFD2E74CD5}"/>
               </a:ext>
             </a:extLst>
           </p:cNvPr>
@@ -1187,7 +1187,7 @@
           <p:cNvPr id="6" name="Foliennummernplatzhalter 5">
             <a:extLst>
               <a:ext uri="{FF2B5EF4-FFF2-40B4-BE49-F238E27FC236}">
-                <a16:creationId xmlns:a16="http://schemas.microsoft.com/office/drawing/2014/main" id="{E8F1F0B5-C858-44A7-BA5D-1EEB1C9C523F}"/>
+                <a16:creationId xmlns:a16="http://schemas.microsoft.com/office/drawing/2014/main" xmlns="" id="{E8F1F0B5-C858-44A7-BA5D-1EEB1C9C523F}"/>
               </a:ext>
             </a:extLst>
           </p:cNvPr>
@@ -1205,7 +1205,7 @@
           <a:p>
             <a:fld id="{91EBFDBB-CDD8-4536-ACD2-18859987DC58}" type="slidenum">
               <a:rPr lang="de-AT" smtClean="0"/>
-              <a:t>‹Nr.›</a:t>
+              <a:t>‹#›</a:t>
             </a:fld>
             <a:endParaRPr lang="de-AT"/>
           </a:p>
@@ -1246,7 +1246,7 @@
           <p:cNvPr id="2" name="Titel 1">
             <a:extLst>
               <a:ext uri="{FF2B5EF4-FFF2-40B4-BE49-F238E27FC236}">
-                <a16:creationId xmlns:a16="http://schemas.microsoft.com/office/drawing/2014/main" id="{34ED6C6E-7BEA-4FC9-A55D-DB1CD242FDED}"/>
+                <a16:creationId xmlns:a16="http://schemas.microsoft.com/office/drawing/2014/main" xmlns="" id="{34ED6C6E-7BEA-4FC9-A55D-DB1CD242FDED}"/>
               </a:ext>
             </a:extLst>
           </p:cNvPr>
@@ -1275,7 +1275,7 @@
           <p:cNvPr id="3" name="Inhaltsplatzhalter 2">
             <a:extLst>
               <a:ext uri="{FF2B5EF4-FFF2-40B4-BE49-F238E27FC236}">
-                <a16:creationId xmlns:a16="http://schemas.microsoft.com/office/drawing/2014/main" id="{EB629B79-DC91-4E07-83EB-6FB2A023858E}"/>
+                <a16:creationId xmlns:a16="http://schemas.microsoft.com/office/drawing/2014/main" xmlns="" id="{EB629B79-DC91-4E07-83EB-6FB2A023858E}"/>
               </a:ext>
             </a:extLst>
           </p:cNvPr>
@@ -1338,7 +1338,7 @@
           <p:cNvPr id="4" name="Inhaltsplatzhalter 3">
             <a:extLst>
               <a:ext uri="{FF2B5EF4-FFF2-40B4-BE49-F238E27FC236}">
-                <a16:creationId xmlns:a16="http://schemas.microsoft.com/office/drawing/2014/main" id="{D85EE405-E560-41A0-93EF-56BC38CC0A71}"/>
+                <a16:creationId xmlns:a16="http://schemas.microsoft.com/office/drawing/2014/main" xmlns="" id="{D85EE405-E560-41A0-93EF-56BC38CC0A71}"/>
               </a:ext>
             </a:extLst>
           </p:cNvPr>
@@ -1401,7 +1401,7 @@
           <p:cNvPr id="5" name="Datumsplatzhalter 4">
             <a:extLst>
               <a:ext uri="{FF2B5EF4-FFF2-40B4-BE49-F238E27FC236}">
-                <a16:creationId xmlns:a16="http://schemas.microsoft.com/office/drawing/2014/main" id="{936D4E33-8DD0-4CEA-BEFE-BB255688C547}"/>
+                <a16:creationId xmlns:a16="http://schemas.microsoft.com/office/drawing/2014/main" xmlns="" id="{936D4E33-8DD0-4CEA-BEFE-BB255688C547}"/>
               </a:ext>
             </a:extLst>
           </p:cNvPr>
@@ -1419,7 +1419,7 @@
           <a:p>
             <a:fld id="{E2BD4820-1E01-44FF-A182-83AD28D6F370}" type="datetimeFigureOut">
               <a:rPr lang="de-AT" smtClean="0"/>
-              <a:t>12.03.2018</a:t>
+              <a:t>14.03.2018</a:t>
             </a:fld>
             <a:endParaRPr lang="de-AT"/>
           </a:p>
@@ -1430,7 +1430,7 @@
           <p:cNvPr id="6" name="Fußzeilenplatzhalter 5">
             <a:extLst>
               <a:ext uri="{FF2B5EF4-FFF2-40B4-BE49-F238E27FC236}">
-                <a16:creationId xmlns:a16="http://schemas.microsoft.com/office/drawing/2014/main" id="{180CAF71-9322-496C-84A6-F668930B191D}"/>
+                <a16:creationId xmlns:a16="http://schemas.microsoft.com/office/drawing/2014/main" xmlns="" id="{180CAF71-9322-496C-84A6-F668930B191D}"/>
               </a:ext>
             </a:extLst>
           </p:cNvPr>
@@ -1455,7 +1455,7 @@
           <p:cNvPr id="7" name="Foliennummernplatzhalter 6">
             <a:extLst>
               <a:ext uri="{FF2B5EF4-FFF2-40B4-BE49-F238E27FC236}">
-                <a16:creationId xmlns:a16="http://schemas.microsoft.com/office/drawing/2014/main" id="{C7A15AB5-ADD9-4B25-B055-89AB56AD9455}"/>
+                <a16:creationId xmlns:a16="http://schemas.microsoft.com/office/drawing/2014/main" xmlns="" id="{C7A15AB5-ADD9-4B25-B055-89AB56AD9455}"/>
               </a:ext>
             </a:extLst>
           </p:cNvPr>
@@ -1473,7 +1473,7 @@
           <a:p>
             <a:fld id="{91EBFDBB-CDD8-4536-ACD2-18859987DC58}" type="slidenum">
               <a:rPr lang="de-AT" smtClean="0"/>
-              <a:t>‹Nr.›</a:t>
+              <a:t>‹#›</a:t>
             </a:fld>
             <a:endParaRPr lang="de-AT"/>
           </a:p>
@@ -1514,7 +1514,7 @@
           <p:cNvPr id="2" name="Titel 1">
             <a:extLst>
               <a:ext uri="{FF2B5EF4-FFF2-40B4-BE49-F238E27FC236}">
-                <a16:creationId xmlns:a16="http://schemas.microsoft.com/office/drawing/2014/main" id="{EEEBB3EF-9E91-48D9-AF2F-6A9B8DBF5190}"/>
+                <a16:creationId xmlns:a16="http://schemas.microsoft.com/office/drawing/2014/main" xmlns="" id="{EEEBB3EF-9E91-48D9-AF2F-6A9B8DBF5190}"/>
               </a:ext>
             </a:extLst>
           </p:cNvPr>
@@ -1548,7 +1548,7 @@
           <p:cNvPr id="3" name="Textplatzhalter 2">
             <a:extLst>
               <a:ext uri="{FF2B5EF4-FFF2-40B4-BE49-F238E27FC236}">
-                <a16:creationId xmlns:a16="http://schemas.microsoft.com/office/drawing/2014/main" id="{D430F5A9-8247-4E11-B2F7-6AC249BE0396}"/>
+                <a16:creationId xmlns:a16="http://schemas.microsoft.com/office/drawing/2014/main" xmlns="" id="{D430F5A9-8247-4E11-B2F7-6AC249BE0396}"/>
               </a:ext>
             </a:extLst>
           </p:cNvPr>
@@ -1619,7 +1619,7 @@
           <p:cNvPr id="4" name="Inhaltsplatzhalter 3">
             <a:extLst>
               <a:ext uri="{FF2B5EF4-FFF2-40B4-BE49-F238E27FC236}">
-                <a16:creationId xmlns:a16="http://schemas.microsoft.com/office/drawing/2014/main" id="{5CB6D129-4FA3-482E-8B3C-FD3B46804233}"/>
+                <a16:creationId xmlns:a16="http://schemas.microsoft.com/office/drawing/2014/main" xmlns="" id="{5CB6D129-4FA3-482E-8B3C-FD3B46804233}"/>
               </a:ext>
             </a:extLst>
           </p:cNvPr>
@@ -1682,7 +1682,7 @@
           <p:cNvPr id="5" name="Textplatzhalter 4">
             <a:extLst>
               <a:ext uri="{FF2B5EF4-FFF2-40B4-BE49-F238E27FC236}">
-                <a16:creationId xmlns:a16="http://schemas.microsoft.com/office/drawing/2014/main" id="{EBAF8882-E11E-4DC2-962F-39E3719AEB33}"/>
+                <a16:creationId xmlns:a16="http://schemas.microsoft.com/office/drawing/2014/main" xmlns="" id="{EBAF8882-E11E-4DC2-962F-39E3719AEB33}"/>
               </a:ext>
             </a:extLst>
           </p:cNvPr>
@@ -1753,7 +1753,7 @@
           <p:cNvPr id="6" name="Inhaltsplatzhalter 5">
             <a:extLst>
               <a:ext uri="{FF2B5EF4-FFF2-40B4-BE49-F238E27FC236}">
-                <a16:creationId xmlns:a16="http://schemas.microsoft.com/office/drawing/2014/main" id="{A73BEDCA-835C-4D5F-AA4A-8395B8DC7F9D}"/>
+                <a16:creationId xmlns:a16="http://schemas.microsoft.com/office/drawing/2014/main" xmlns="" id="{A73BEDCA-835C-4D5F-AA4A-8395B8DC7F9D}"/>
               </a:ext>
             </a:extLst>
           </p:cNvPr>
@@ -1816,7 +1816,7 @@
           <p:cNvPr id="7" name="Datumsplatzhalter 6">
             <a:extLst>
               <a:ext uri="{FF2B5EF4-FFF2-40B4-BE49-F238E27FC236}">
-                <a16:creationId xmlns:a16="http://schemas.microsoft.com/office/drawing/2014/main" id="{66420601-D969-4DFE-B525-58FABEAE0AEB}"/>
+                <a16:creationId xmlns:a16="http://schemas.microsoft.com/office/drawing/2014/main" xmlns="" id="{66420601-D969-4DFE-B525-58FABEAE0AEB}"/>
               </a:ext>
             </a:extLst>
           </p:cNvPr>
@@ -1834,7 +1834,7 @@
           <a:p>
             <a:fld id="{E2BD4820-1E01-44FF-A182-83AD28D6F370}" type="datetimeFigureOut">
               <a:rPr lang="de-AT" smtClean="0"/>
-              <a:t>12.03.2018</a:t>
+              <a:t>14.03.2018</a:t>
             </a:fld>
             <a:endParaRPr lang="de-AT"/>
           </a:p>
@@ -1845,7 +1845,7 @@
           <p:cNvPr id="8" name="Fußzeilenplatzhalter 7">
             <a:extLst>
               <a:ext uri="{FF2B5EF4-FFF2-40B4-BE49-F238E27FC236}">
-                <a16:creationId xmlns:a16="http://schemas.microsoft.com/office/drawing/2014/main" id="{BB5E10AC-D454-4404-BF1F-15522BE5CD6B}"/>
+                <a16:creationId xmlns:a16="http://schemas.microsoft.com/office/drawing/2014/main" xmlns="" id="{BB5E10AC-D454-4404-BF1F-15522BE5CD6B}"/>
               </a:ext>
             </a:extLst>
           </p:cNvPr>
@@ -1870,7 +1870,7 @@
           <p:cNvPr id="9" name="Foliennummernplatzhalter 8">
             <a:extLst>
               <a:ext uri="{FF2B5EF4-FFF2-40B4-BE49-F238E27FC236}">
-                <a16:creationId xmlns:a16="http://schemas.microsoft.com/office/drawing/2014/main" id="{15E13B0E-2F3C-423A-8D60-2E963530BEE6}"/>
+                <a16:creationId xmlns:a16="http://schemas.microsoft.com/office/drawing/2014/main" xmlns="" id="{15E13B0E-2F3C-423A-8D60-2E963530BEE6}"/>
               </a:ext>
             </a:extLst>
           </p:cNvPr>
@@ -1888,7 +1888,7 @@
           <a:p>
             <a:fld id="{91EBFDBB-CDD8-4536-ACD2-18859987DC58}" type="slidenum">
               <a:rPr lang="de-AT" smtClean="0"/>
-              <a:t>‹Nr.›</a:t>
+              <a:t>‹#›</a:t>
             </a:fld>
             <a:endParaRPr lang="de-AT"/>
           </a:p>
@@ -1929,7 +1929,7 @@
           <p:cNvPr id="2" name="Titel 1">
             <a:extLst>
               <a:ext uri="{FF2B5EF4-FFF2-40B4-BE49-F238E27FC236}">
-                <a16:creationId xmlns:a16="http://schemas.microsoft.com/office/drawing/2014/main" id="{4CAD83DC-5103-434E-A7E4-39E9A4655C0D}"/>
+                <a16:creationId xmlns:a16="http://schemas.microsoft.com/office/drawing/2014/main" xmlns="" id="{4CAD83DC-5103-434E-A7E4-39E9A4655C0D}"/>
               </a:ext>
             </a:extLst>
           </p:cNvPr>
@@ -1958,7 +1958,7 @@
           <p:cNvPr id="3" name="Datumsplatzhalter 2">
             <a:extLst>
               <a:ext uri="{FF2B5EF4-FFF2-40B4-BE49-F238E27FC236}">
-                <a16:creationId xmlns:a16="http://schemas.microsoft.com/office/drawing/2014/main" id="{96962C52-9300-4554-9E46-FFE931A3DAC1}"/>
+                <a16:creationId xmlns:a16="http://schemas.microsoft.com/office/drawing/2014/main" xmlns="" id="{96962C52-9300-4554-9E46-FFE931A3DAC1}"/>
               </a:ext>
             </a:extLst>
           </p:cNvPr>
@@ -1976,7 +1976,7 @@
           <a:p>
             <a:fld id="{E2BD4820-1E01-44FF-A182-83AD28D6F370}" type="datetimeFigureOut">
               <a:rPr lang="de-AT" smtClean="0"/>
-              <a:t>12.03.2018</a:t>
+              <a:t>14.03.2018</a:t>
             </a:fld>
             <a:endParaRPr lang="de-AT"/>
           </a:p>
@@ -1987,7 +1987,7 @@
           <p:cNvPr id="4" name="Fußzeilenplatzhalter 3">
             <a:extLst>
               <a:ext uri="{FF2B5EF4-FFF2-40B4-BE49-F238E27FC236}">
-                <a16:creationId xmlns:a16="http://schemas.microsoft.com/office/drawing/2014/main" id="{6AC22404-EC14-4D74-8C3B-14108852FC7D}"/>
+                <a16:creationId xmlns:a16="http://schemas.microsoft.com/office/drawing/2014/main" xmlns="" id="{6AC22404-EC14-4D74-8C3B-14108852FC7D}"/>
               </a:ext>
             </a:extLst>
           </p:cNvPr>
@@ -2012,7 +2012,7 @@
           <p:cNvPr id="5" name="Foliennummernplatzhalter 4">
             <a:extLst>
               <a:ext uri="{FF2B5EF4-FFF2-40B4-BE49-F238E27FC236}">
-                <a16:creationId xmlns:a16="http://schemas.microsoft.com/office/drawing/2014/main" id="{75533713-19EE-45FA-B78A-2236CD08A4DA}"/>
+                <a16:creationId xmlns:a16="http://schemas.microsoft.com/office/drawing/2014/main" xmlns="" id="{75533713-19EE-45FA-B78A-2236CD08A4DA}"/>
               </a:ext>
             </a:extLst>
           </p:cNvPr>
@@ -2030,7 +2030,7 @@
           <a:p>
             <a:fld id="{91EBFDBB-CDD8-4536-ACD2-18859987DC58}" type="slidenum">
               <a:rPr lang="de-AT" smtClean="0"/>
-              <a:t>‹Nr.›</a:t>
+              <a:t>‹#›</a:t>
             </a:fld>
             <a:endParaRPr lang="de-AT"/>
           </a:p>
@@ -2071,7 +2071,7 @@
           <p:cNvPr id="2" name="Datumsplatzhalter 1">
             <a:extLst>
               <a:ext uri="{FF2B5EF4-FFF2-40B4-BE49-F238E27FC236}">
-                <a16:creationId xmlns:a16="http://schemas.microsoft.com/office/drawing/2014/main" id="{D8D6D78F-7AB1-4542-AF67-764733199209}"/>
+                <a16:creationId xmlns:a16="http://schemas.microsoft.com/office/drawing/2014/main" xmlns="" id="{D8D6D78F-7AB1-4542-AF67-764733199209}"/>
               </a:ext>
             </a:extLst>
           </p:cNvPr>
@@ -2089,7 +2089,7 @@
           <a:p>
             <a:fld id="{E2BD4820-1E01-44FF-A182-83AD28D6F370}" type="datetimeFigureOut">
               <a:rPr lang="de-AT" smtClean="0"/>
-              <a:t>12.03.2018</a:t>
+              <a:t>14.03.2018</a:t>
             </a:fld>
             <a:endParaRPr lang="de-AT"/>
           </a:p>
@@ -2100,7 +2100,7 @@
           <p:cNvPr id="3" name="Fußzeilenplatzhalter 2">
             <a:extLst>
               <a:ext uri="{FF2B5EF4-FFF2-40B4-BE49-F238E27FC236}">
-                <a16:creationId xmlns:a16="http://schemas.microsoft.com/office/drawing/2014/main" id="{F2EB5341-D2F7-44BF-9C06-3DB66B5D788B}"/>
+                <a16:creationId xmlns:a16="http://schemas.microsoft.com/office/drawing/2014/main" xmlns="" id="{F2EB5341-D2F7-44BF-9C06-3DB66B5D788B}"/>
               </a:ext>
             </a:extLst>
           </p:cNvPr>
@@ -2125,7 +2125,7 @@
           <p:cNvPr id="4" name="Foliennummernplatzhalter 3">
             <a:extLst>
               <a:ext uri="{FF2B5EF4-FFF2-40B4-BE49-F238E27FC236}">
-                <a16:creationId xmlns:a16="http://schemas.microsoft.com/office/drawing/2014/main" id="{927C223F-543B-4209-B420-D93CC0C86120}"/>
+                <a16:creationId xmlns:a16="http://schemas.microsoft.com/office/drawing/2014/main" xmlns="" id="{927C223F-543B-4209-B420-D93CC0C86120}"/>
               </a:ext>
             </a:extLst>
           </p:cNvPr>
@@ -2143,7 +2143,7 @@
           <a:p>
             <a:fld id="{91EBFDBB-CDD8-4536-ACD2-18859987DC58}" type="slidenum">
               <a:rPr lang="de-AT" smtClean="0"/>
-              <a:t>‹Nr.›</a:t>
+              <a:t>‹#›</a:t>
             </a:fld>
             <a:endParaRPr lang="de-AT"/>
           </a:p>
@@ -2184,7 +2184,7 @@
           <p:cNvPr id="2" name="Titel 1">
             <a:extLst>
               <a:ext uri="{FF2B5EF4-FFF2-40B4-BE49-F238E27FC236}">
-                <a16:creationId xmlns:a16="http://schemas.microsoft.com/office/drawing/2014/main" id="{3D803649-144C-4184-B623-8B18300794DD}"/>
+                <a16:creationId xmlns:a16="http://schemas.microsoft.com/office/drawing/2014/main" xmlns="" id="{3D803649-144C-4184-B623-8B18300794DD}"/>
               </a:ext>
             </a:extLst>
           </p:cNvPr>
@@ -2222,7 +2222,7 @@
           <p:cNvPr id="3" name="Inhaltsplatzhalter 2">
             <a:extLst>
               <a:ext uri="{FF2B5EF4-FFF2-40B4-BE49-F238E27FC236}">
-                <a16:creationId xmlns:a16="http://schemas.microsoft.com/office/drawing/2014/main" id="{8FAAECF9-CBE5-4E1F-83D1-6C6EDB31133B}"/>
+                <a16:creationId xmlns:a16="http://schemas.microsoft.com/office/drawing/2014/main" xmlns="" id="{8FAAECF9-CBE5-4E1F-83D1-6C6EDB31133B}"/>
               </a:ext>
             </a:extLst>
           </p:cNvPr>
@@ -2313,7 +2313,7 @@
           <p:cNvPr id="4" name="Textplatzhalter 3">
             <a:extLst>
               <a:ext uri="{FF2B5EF4-FFF2-40B4-BE49-F238E27FC236}">
-                <a16:creationId xmlns:a16="http://schemas.microsoft.com/office/drawing/2014/main" id="{89C93627-811A-49D2-890B-3C3F58AD3729}"/>
+                <a16:creationId xmlns:a16="http://schemas.microsoft.com/office/drawing/2014/main" xmlns="" id="{89C93627-811A-49D2-890B-3C3F58AD3729}"/>
               </a:ext>
             </a:extLst>
           </p:cNvPr>
@@ -2384,7 +2384,7 @@
           <p:cNvPr id="5" name="Datumsplatzhalter 4">
             <a:extLst>
               <a:ext uri="{FF2B5EF4-FFF2-40B4-BE49-F238E27FC236}">
-                <a16:creationId xmlns:a16="http://schemas.microsoft.com/office/drawing/2014/main" id="{B8398A91-C8FC-49BD-A529-5EC4CD8DB0F5}"/>
+                <a16:creationId xmlns:a16="http://schemas.microsoft.com/office/drawing/2014/main" xmlns="" id="{B8398A91-C8FC-49BD-A529-5EC4CD8DB0F5}"/>
               </a:ext>
             </a:extLst>
           </p:cNvPr>
@@ -2402,7 +2402,7 @@
           <a:p>
             <a:fld id="{E2BD4820-1E01-44FF-A182-83AD28D6F370}" type="datetimeFigureOut">
               <a:rPr lang="de-AT" smtClean="0"/>
-              <a:t>12.03.2018</a:t>
+              <a:t>14.03.2018</a:t>
             </a:fld>
             <a:endParaRPr lang="de-AT"/>
           </a:p>
@@ -2413,7 +2413,7 @@
           <p:cNvPr id="6" name="Fußzeilenplatzhalter 5">
             <a:extLst>
               <a:ext uri="{FF2B5EF4-FFF2-40B4-BE49-F238E27FC236}">
-                <a16:creationId xmlns:a16="http://schemas.microsoft.com/office/drawing/2014/main" id="{BAEBD8BA-0352-4BCD-B2A6-C8A516F07053}"/>
+                <a16:creationId xmlns:a16="http://schemas.microsoft.com/office/drawing/2014/main" xmlns="" id="{BAEBD8BA-0352-4BCD-B2A6-C8A516F07053}"/>
               </a:ext>
             </a:extLst>
           </p:cNvPr>
@@ -2438,7 +2438,7 @@
           <p:cNvPr id="7" name="Foliennummernplatzhalter 6">
             <a:extLst>
               <a:ext uri="{FF2B5EF4-FFF2-40B4-BE49-F238E27FC236}">
-                <a16:creationId xmlns:a16="http://schemas.microsoft.com/office/drawing/2014/main" id="{4C070568-6216-4EF5-A13A-78D5CB24432D}"/>
+                <a16:creationId xmlns:a16="http://schemas.microsoft.com/office/drawing/2014/main" xmlns="" id="{4C070568-6216-4EF5-A13A-78D5CB24432D}"/>
               </a:ext>
             </a:extLst>
           </p:cNvPr>
@@ -2456,7 +2456,7 @@
           <a:p>
             <a:fld id="{91EBFDBB-CDD8-4536-ACD2-18859987DC58}" type="slidenum">
               <a:rPr lang="de-AT" smtClean="0"/>
-              <a:t>‹Nr.›</a:t>
+              <a:t>‹#›</a:t>
             </a:fld>
             <a:endParaRPr lang="de-AT"/>
           </a:p>
@@ -2497,7 +2497,7 @@
           <p:cNvPr id="2" name="Titel 1">
             <a:extLst>
               <a:ext uri="{FF2B5EF4-FFF2-40B4-BE49-F238E27FC236}">
-                <a16:creationId xmlns:a16="http://schemas.microsoft.com/office/drawing/2014/main" id="{11D1C66F-4AFD-43C1-B63F-234CF1B0ADB3}"/>
+                <a16:creationId xmlns:a16="http://schemas.microsoft.com/office/drawing/2014/main" xmlns="" id="{11D1C66F-4AFD-43C1-B63F-234CF1B0ADB3}"/>
               </a:ext>
             </a:extLst>
           </p:cNvPr>
@@ -2535,7 +2535,7 @@
           <p:cNvPr id="3" name="Bildplatzhalter 2">
             <a:extLst>
               <a:ext uri="{FF2B5EF4-FFF2-40B4-BE49-F238E27FC236}">
-                <a16:creationId xmlns:a16="http://schemas.microsoft.com/office/drawing/2014/main" id="{44514581-AEE8-42C5-A8BA-487CB5AB3D20}"/>
+                <a16:creationId xmlns:a16="http://schemas.microsoft.com/office/drawing/2014/main" xmlns="" id="{44514581-AEE8-42C5-A8BA-487CB5AB3D20}"/>
               </a:ext>
             </a:extLst>
           </p:cNvPr>
@@ -2602,7 +2602,7 @@
           <p:cNvPr id="4" name="Textplatzhalter 3">
             <a:extLst>
               <a:ext uri="{FF2B5EF4-FFF2-40B4-BE49-F238E27FC236}">
-                <a16:creationId xmlns:a16="http://schemas.microsoft.com/office/drawing/2014/main" id="{A85EDA84-499E-487B-9154-A4FCF1E198A5}"/>
+                <a16:creationId xmlns:a16="http://schemas.microsoft.com/office/drawing/2014/main" xmlns="" id="{A85EDA84-499E-487B-9154-A4FCF1E198A5}"/>
               </a:ext>
             </a:extLst>
           </p:cNvPr>
@@ -2673,7 +2673,7 @@
           <p:cNvPr id="5" name="Datumsplatzhalter 4">
             <a:extLst>
               <a:ext uri="{FF2B5EF4-FFF2-40B4-BE49-F238E27FC236}">
-                <a16:creationId xmlns:a16="http://schemas.microsoft.com/office/drawing/2014/main" id="{304F1D35-A623-40C9-A446-84A9F6FE3171}"/>
+                <a16:creationId xmlns:a16="http://schemas.microsoft.com/office/drawing/2014/main" xmlns="" id="{304F1D35-A623-40C9-A446-84A9F6FE3171}"/>
               </a:ext>
             </a:extLst>
           </p:cNvPr>
@@ -2691,7 +2691,7 @@
           <a:p>
             <a:fld id="{E2BD4820-1E01-44FF-A182-83AD28D6F370}" type="datetimeFigureOut">
               <a:rPr lang="de-AT" smtClean="0"/>
-              <a:t>12.03.2018</a:t>
+              <a:t>14.03.2018</a:t>
             </a:fld>
             <a:endParaRPr lang="de-AT"/>
           </a:p>
@@ -2702,7 +2702,7 @@
           <p:cNvPr id="6" name="Fußzeilenplatzhalter 5">
             <a:extLst>
               <a:ext uri="{FF2B5EF4-FFF2-40B4-BE49-F238E27FC236}">
-                <a16:creationId xmlns:a16="http://schemas.microsoft.com/office/drawing/2014/main" id="{995311BD-208A-4081-95E1-3CA1DB6B3C8F}"/>
+                <a16:creationId xmlns:a16="http://schemas.microsoft.com/office/drawing/2014/main" xmlns="" id="{995311BD-208A-4081-95E1-3CA1DB6B3C8F}"/>
               </a:ext>
             </a:extLst>
           </p:cNvPr>
@@ -2727,7 +2727,7 @@
           <p:cNvPr id="7" name="Foliennummernplatzhalter 6">
             <a:extLst>
               <a:ext uri="{FF2B5EF4-FFF2-40B4-BE49-F238E27FC236}">
-                <a16:creationId xmlns:a16="http://schemas.microsoft.com/office/drawing/2014/main" id="{2A4F779C-6635-435A-A6C1-CB87DF6EB571}"/>
+                <a16:creationId xmlns:a16="http://schemas.microsoft.com/office/drawing/2014/main" xmlns="" id="{2A4F779C-6635-435A-A6C1-CB87DF6EB571}"/>
               </a:ext>
             </a:extLst>
           </p:cNvPr>
@@ -2745,7 +2745,7 @@
           <a:p>
             <a:fld id="{91EBFDBB-CDD8-4536-ACD2-18859987DC58}" type="slidenum">
               <a:rPr lang="de-AT" smtClean="0"/>
-              <a:t>‹Nr.›</a:t>
+              <a:t>‹#›</a:t>
             </a:fld>
             <a:endParaRPr lang="de-AT"/>
           </a:p>
@@ -2791,7 +2791,7 @@
           <p:cNvPr id="2" name="Titelplatzhalter 1">
             <a:extLst>
               <a:ext uri="{FF2B5EF4-FFF2-40B4-BE49-F238E27FC236}">
-                <a16:creationId xmlns:a16="http://schemas.microsoft.com/office/drawing/2014/main" id="{176BF58E-877E-4E6A-BDEE-10B7967E275B}"/>
+                <a16:creationId xmlns:a16="http://schemas.microsoft.com/office/drawing/2014/main" xmlns="" id="{176BF58E-877E-4E6A-BDEE-10B7967E275B}"/>
               </a:ext>
             </a:extLst>
           </p:cNvPr>
@@ -2830,7 +2830,7 @@
           <p:cNvPr id="3" name="Textplatzhalter 2">
             <a:extLst>
               <a:ext uri="{FF2B5EF4-FFF2-40B4-BE49-F238E27FC236}">
-                <a16:creationId xmlns:a16="http://schemas.microsoft.com/office/drawing/2014/main" id="{C5B22654-E6E0-461A-B1B8-85BB1AB7101C}"/>
+                <a16:creationId xmlns:a16="http://schemas.microsoft.com/office/drawing/2014/main" xmlns="" id="{C5B22654-E6E0-461A-B1B8-85BB1AB7101C}"/>
               </a:ext>
             </a:extLst>
           </p:cNvPr>
@@ -2898,7 +2898,7 @@
           <p:cNvPr id="4" name="Datumsplatzhalter 3">
             <a:extLst>
               <a:ext uri="{FF2B5EF4-FFF2-40B4-BE49-F238E27FC236}">
-                <a16:creationId xmlns:a16="http://schemas.microsoft.com/office/drawing/2014/main" id="{3487D775-9E82-41FF-9F6B-1FE3232EAFDA}"/>
+                <a16:creationId xmlns:a16="http://schemas.microsoft.com/office/drawing/2014/main" xmlns="" id="{3487D775-9E82-41FF-9F6B-1FE3232EAFDA}"/>
               </a:ext>
             </a:extLst>
           </p:cNvPr>
@@ -2934,7 +2934,7 @@
           <a:p>
             <a:fld id="{E2BD4820-1E01-44FF-A182-83AD28D6F370}" type="datetimeFigureOut">
               <a:rPr lang="de-AT" smtClean="0"/>
-              <a:t>12.03.2018</a:t>
+              <a:t>14.03.2018</a:t>
             </a:fld>
             <a:endParaRPr lang="de-AT"/>
           </a:p>
@@ -2945,7 +2945,7 @@
           <p:cNvPr id="5" name="Fußzeilenplatzhalter 4">
             <a:extLst>
               <a:ext uri="{FF2B5EF4-FFF2-40B4-BE49-F238E27FC236}">
-                <a16:creationId xmlns:a16="http://schemas.microsoft.com/office/drawing/2014/main" id="{A35720A1-6A89-4107-B8C3-B0D6B892452E}"/>
+                <a16:creationId xmlns:a16="http://schemas.microsoft.com/office/drawing/2014/main" xmlns="" id="{A35720A1-6A89-4107-B8C3-B0D6B892452E}"/>
               </a:ext>
             </a:extLst>
           </p:cNvPr>
@@ -2988,7 +2988,7 @@
           <p:cNvPr id="6" name="Foliennummernplatzhalter 5">
             <a:extLst>
               <a:ext uri="{FF2B5EF4-FFF2-40B4-BE49-F238E27FC236}">
-                <a16:creationId xmlns:a16="http://schemas.microsoft.com/office/drawing/2014/main" id="{EEEB8A39-8952-4B15-B347-26183C7BEAEF}"/>
+                <a16:creationId xmlns:a16="http://schemas.microsoft.com/office/drawing/2014/main" xmlns="" id="{EEEB8A39-8952-4B15-B347-26183C7BEAEF}"/>
               </a:ext>
             </a:extLst>
           </p:cNvPr>
@@ -3024,7 +3024,7 @@
           <a:p>
             <a:fld id="{91EBFDBB-CDD8-4536-ACD2-18859987DC58}" type="slidenum">
               <a:rPr lang="de-AT" smtClean="0"/>
-              <a:t>‹Nr.›</a:t>
+              <a:t>‹#›</a:t>
             </a:fld>
             <a:endParaRPr lang="de-AT"/>
           </a:p>
@@ -3356,7 +3356,7 @@
           <p:cNvPr id="2" name="Titel 1">
             <a:extLst>
               <a:ext uri="{FF2B5EF4-FFF2-40B4-BE49-F238E27FC236}">
-                <a16:creationId xmlns:a16="http://schemas.microsoft.com/office/drawing/2014/main" id="{21CB980D-F27F-403D-9B1F-6246C9642D22}"/>
+                <a16:creationId xmlns:a16="http://schemas.microsoft.com/office/drawing/2014/main" xmlns="" id="{21CB980D-F27F-403D-9B1F-6246C9642D22}"/>
               </a:ext>
             </a:extLst>
           </p:cNvPr>
@@ -3384,7 +3384,7 @@
           <p:cNvPr id="3" name="Untertitel 2">
             <a:extLst>
               <a:ext uri="{FF2B5EF4-FFF2-40B4-BE49-F238E27FC236}">
-                <a16:creationId xmlns:a16="http://schemas.microsoft.com/office/drawing/2014/main" id="{22BDBCE1-DE5E-4253-B1FF-FB19DF6BCE8B}"/>
+                <a16:creationId xmlns:a16="http://schemas.microsoft.com/office/drawing/2014/main" xmlns="" id="{22BDBCE1-DE5E-4253-B1FF-FB19DF6BCE8B}"/>
               </a:ext>
             </a:extLst>
           </p:cNvPr>
@@ -3442,7 +3442,7 @@
           <p:cNvPr id="2" name="Titel 1">
             <a:extLst>
               <a:ext uri="{FF2B5EF4-FFF2-40B4-BE49-F238E27FC236}">
-                <a16:creationId xmlns:a16="http://schemas.microsoft.com/office/drawing/2014/main" id="{E6807A76-46DB-4518-839D-DE2A9FDF7403}"/>
+                <a16:creationId xmlns:a16="http://schemas.microsoft.com/office/drawing/2014/main" xmlns="" id="{E6807A76-46DB-4518-839D-DE2A9FDF7403}"/>
               </a:ext>
             </a:extLst>
           </p:cNvPr>
@@ -3470,7 +3470,7 @@
           <p:cNvPr id="3" name="Inhaltsplatzhalter 2">
             <a:extLst>
               <a:ext uri="{FF2B5EF4-FFF2-40B4-BE49-F238E27FC236}">
-                <a16:creationId xmlns:a16="http://schemas.microsoft.com/office/drawing/2014/main" id="{09B55D26-CE0B-43AA-90A4-6AE3321FF124}"/>
+                <a16:creationId xmlns:a16="http://schemas.microsoft.com/office/drawing/2014/main" xmlns="" id="{09B55D26-CE0B-43AA-90A4-6AE3321FF124}"/>
               </a:ext>
             </a:extLst>
           </p:cNvPr>
@@ -3659,9 +3659,10 @@
               <a:buNone/>
             </a:pPr>
             <a:r>
-              <a:rPr lang="de-AT" sz="4400" dirty="0"/>
-              <a:t>K</a:t>
-            </a:r>
+              <a:rPr lang="de-AT" sz="4400" dirty="0" smtClean="0"/>
+              <a:t>K01256561</a:t>
+            </a:r>
+            <a:endParaRPr lang="de-AT" sz="4400" dirty="0"/>
           </a:p>
           <a:p>
             <a:pPr marL="0" indent="0">
@@ -3724,7 +3725,7 @@
           <p:cNvPr id="2" name="Titel 1">
             <a:extLst>
               <a:ext uri="{FF2B5EF4-FFF2-40B4-BE49-F238E27FC236}">
-                <a16:creationId xmlns:a16="http://schemas.microsoft.com/office/drawing/2014/main" id="{0B36668D-698E-49FE-8B49-71CA67C73112}"/>
+                <a16:creationId xmlns:a16="http://schemas.microsoft.com/office/drawing/2014/main" xmlns="" id="{0B36668D-698E-49FE-8B49-71CA67C73112}"/>
               </a:ext>
             </a:extLst>
           </p:cNvPr>
@@ -3752,7 +3753,7 @@
           <p:cNvPr id="3" name="Inhaltsplatzhalter 2">
             <a:extLst>
               <a:ext uri="{FF2B5EF4-FFF2-40B4-BE49-F238E27FC236}">
-                <a16:creationId xmlns:a16="http://schemas.microsoft.com/office/drawing/2014/main" id="{4327D0C9-9FCC-4C9D-AD83-3A5573E15991}"/>
+                <a16:creationId xmlns:a16="http://schemas.microsoft.com/office/drawing/2014/main" xmlns="" id="{4327D0C9-9FCC-4C9D-AD83-3A5573E15991}"/>
               </a:ext>
             </a:extLst>
           </p:cNvPr>
@@ -3796,9 +3797,10 @@
           </a:p>
           <a:p>
             <a:r>
-              <a:rPr lang="de-AT" dirty="0"/>
-              <a:t>x</a:t>
-            </a:r>
+              <a:rPr lang="de-AT" dirty="0" smtClean="0"/>
+              <a:t>Maja Dusanic</a:t>
+            </a:r>
+            <a:endParaRPr lang="de-AT" dirty="0"/>
           </a:p>
           <a:p>
             <a:pPr lvl="1"/>
@@ -3900,7 +3902,7 @@
           <p:cNvPr id="2" name="Titel 1">
             <a:extLst>
               <a:ext uri="{FF2B5EF4-FFF2-40B4-BE49-F238E27FC236}">
-                <a16:creationId xmlns:a16="http://schemas.microsoft.com/office/drawing/2014/main" id="{6F27E421-2783-46FB-871F-07E47D33F683}"/>
+                <a16:creationId xmlns:a16="http://schemas.microsoft.com/office/drawing/2014/main" xmlns="" id="{6F27E421-2783-46FB-871F-07E47D33F683}"/>
               </a:ext>
             </a:extLst>
           </p:cNvPr>
@@ -3928,7 +3930,7 @@
           <p:cNvPr id="3" name="Inhaltsplatzhalter 2">
             <a:extLst>
               <a:ext uri="{FF2B5EF4-FFF2-40B4-BE49-F238E27FC236}">
-                <a16:creationId xmlns:a16="http://schemas.microsoft.com/office/drawing/2014/main" id="{5EE10AC2-B93E-42A9-A587-C9787B17CBEF}"/>
+                <a16:creationId xmlns:a16="http://schemas.microsoft.com/office/drawing/2014/main" xmlns="" id="{5EE10AC2-B93E-42A9-A587-C9787B17CBEF}"/>
               </a:ext>
             </a:extLst>
           </p:cNvPr>
@@ -4086,7 +4088,7 @@
           <p:cNvPr id="2" name="Titel 1">
             <a:extLst>
               <a:ext uri="{FF2B5EF4-FFF2-40B4-BE49-F238E27FC236}">
-                <a16:creationId xmlns:a16="http://schemas.microsoft.com/office/drawing/2014/main" id="{DF0134FC-8550-4FA9-AF8A-45F0A35402A7}"/>
+                <a16:creationId xmlns:a16="http://schemas.microsoft.com/office/drawing/2014/main" xmlns="" id="{DF0134FC-8550-4FA9-AF8A-45F0A35402A7}"/>
               </a:ext>
             </a:extLst>
           </p:cNvPr>
@@ -4114,7 +4116,7 @@
           <p:cNvPr id="3" name="Inhaltsplatzhalter 2">
             <a:extLst>
               <a:ext uri="{FF2B5EF4-FFF2-40B4-BE49-F238E27FC236}">
-                <a16:creationId xmlns:a16="http://schemas.microsoft.com/office/drawing/2014/main" id="{E195F5AA-513B-4AE9-9A6F-606FC68C4D91}"/>
+                <a16:creationId xmlns:a16="http://schemas.microsoft.com/office/drawing/2014/main" xmlns="" id="{E195F5AA-513B-4AE9-9A6F-606FC68C4D91}"/>
               </a:ext>
             </a:extLst>
           </p:cNvPr>

--- a/Organisation/PR Software Engineering.pptx
+++ b/Organisation/PR Software Engineering.pptx
@@ -4,9 +4,12 @@
   <p:sldMasterIdLst>
     <p:sldMasterId id="2147483648" r:id="rId1"/>
   </p:sldMasterIdLst>
+  <p:notesMasterIdLst>
+    <p:notesMasterId r:id="rId7"/>
+  </p:notesMasterIdLst>
   <p:sldIdLst>
     <p:sldId id="256" r:id="rId2"/>
-    <p:sldId id="257" r:id="rId3"/>
+    <p:sldId id="262" r:id="rId3"/>
     <p:sldId id="258" r:id="rId4"/>
     <p:sldId id="259" r:id="rId5"/>
     <p:sldId id="261" r:id="rId6"/>
@@ -116,6 +119,356 @@
 </p:presentation>
 </file>
 
+<file path=ppt/notesMasters/notesMaster1.xml><?xml version="1.0" encoding="utf-8"?>
+<p:notesMaster xmlns:a="http://schemas.openxmlformats.org/drawingml/2006/main" xmlns:r="http://schemas.openxmlformats.org/officeDocument/2006/relationships" xmlns:p="http://schemas.openxmlformats.org/presentationml/2006/main">
+  <p:cSld>
+    <p:bg>
+      <p:bgRef idx="1001">
+        <a:schemeClr val="bg1"/>
+      </p:bgRef>
+    </p:bg>
+    <p:spTree>
+      <p:nvGrpSpPr>
+        <p:cNvPr id="1" name=""/>
+        <p:cNvGrpSpPr/>
+        <p:nvPr/>
+      </p:nvGrpSpPr>
+      <p:grpSpPr>
+        <a:xfrm>
+          <a:off x="0" y="0"/>
+          <a:ext cx="0" cy="0"/>
+          <a:chOff x="0" y="0"/>
+          <a:chExt cx="0" cy="0"/>
+        </a:xfrm>
+      </p:grpSpPr>
+      <p:sp>
+        <p:nvSpPr>
+          <p:cNvPr id="2" name="Kopfzeilenplatzhalter 1"/>
+          <p:cNvSpPr>
+            <a:spLocks noGrp="1"/>
+          </p:cNvSpPr>
+          <p:nvPr>
+            <p:ph type="hdr" sz="quarter"/>
+          </p:nvPr>
+        </p:nvSpPr>
+        <p:spPr>
+          <a:xfrm>
+            <a:off x="0" y="0"/>
+            <a:ext cx="2971800" cy="458788"/>
+          </a:xfrm>
+          <a:prstGeom prst="rect">
+            <a:avLst/>
+          </a:prstGeom>
+        </p:spPr>
+        <p:txBody>
+          <a:bodyPr vert="horz" lIns="91440" tIns="45720" rIns="91440" bIns="45720" rtlCol="0"/>
+          <a:lstStyle>
+            <a:lvl1pPr algn="l">
+              <a:defRPr sz="1200"/>
+            </a:lvl1pPr>
+          </a:lstStyle>
+          <a:p>
+            <a:endParaRPr lang="de-AT"/>
+          </a:p>
+        </p:txBody>
+      </p:sp>
+      <p:sp>
+        <p:nvSpPr>
+          <p:cNvPr id="3" name="Datumsplatzhalter 2"/>
+          <p:cNvSpPr>
+            <a:spLocks noGrp="1"/>
+          </p:cNvSpPr>
+          <p:nvPr>
+            <p:ph type="dt" idx="1"/>
+          </p:nvPr>
+        </p:nvSpPr>
+        <p:spPr>
+          <a:xfrm>
+            <a:off x="3884613" y="0"/>
+            <a:ext cx="2971800" cy="458788"/>
+          </a:xfrm>
+          <a:prstGeom prst="rect">
+            <a:avLst/>
+          </a:prstGeom>
+        </p:spPr>
+        <p:txBody>
+          <a:bodyPr vert="horz" lIns="91440" tIns="45720" rIns="91440" bIns="45720" rtlCol="0"/>
+          <a:lstStyle>
+            <a:lvl1pPr algn="r">
+              <a:defRPr sz="1200"/>
+            </a:lvl1pPr>
+          </a:lstStyle>
+          <a:p>
+            <a:fld id="{54DADA06-A761-416A-866D-7C33A70EA49B}" type="datetimeFigureOut">
+              <a:rPr lang="de-AT" smtClean="0"/>
+              <a:t>14.03.2018</a:t>
+            </a:fld>
+            <a:endParaRPr lang="de-AT"/>
+          </a:p>
+        </p:txBody>
+      </p:sp>
+      <p:sp>
+        <p:nvSpPr>
+          <p:cNvPr id="4" name="Folienbildplatzhalter 3"/>
+          <p:cNvSpPr>
+            <a:spLocks noGrp="1" noRot="1" noChangeAspect="1"/>
+          </p:cNvSpPr>
+          <p:nvPr>
+            <p:ph type="sldImg" idx="2"/>
+          </p:nvPr>
+        </p:nvSpPr>
+        <p:spPr>
+          <a:xfrm>
+            <a:off x="685800" y="1143000"/>
+            <a:ext cx="5486400" cy="3086100"/>
+          </a:xfrm>
+          <a:prstGeom prst="rect">
+            <a:avLst/>
+          </a:prstGeom>
+          <a:noFill/>
+          <a:ln w="12700">
+            <a:solidFill>
+              <a:prstClr val="black"/>
+            </a:solidFill>
+          </a:ln>
+        </p:spPr>
+        <p:txBody>
+          <a:bodyPr vert="horz" lIns="91440" tIns="45720" rIns="91440" bIns="45720" rtlCol="0" anchor="ctr"/>
+          <a:lstStyle/>
+          <a:p>
+            <a:endParaRPr lang="de-AT"/>
+          </a:p>
+        </p:txBody>
+      </p:sp>
+      <p:sp>
+        <p:nvSpPr>
+          <p:cNvPr id="5" name="Notizenplatzhalter 4"/>
+          <p:cNvSpPr>
+            <a:spLocks noGrp="1"/>
+          </p:cNvSpPr>
+          <p:nvPr>
+            <p:ph type="body" sz="quarter" idx="3"/>
+          </p:nvPr>
+        </p:nvSpPr>
+        <p:spPr>
+          <a:xfrm>
+            <a:off x="685800" y="4400550"/>
+            <a:ext cx="5486400" cy="3600450"/>
+          </a:xfrm>
+          <a:prstGeom prst="rect">
+            <a:avLst/>
+          </a:prstGeom>
+        </p:spPr>
+        <p:txBody>
+          <a:bodyPr vert="horz" lIns="91440" tIns="45720" rIns="91440" bIns="45720" rtlCol="0"/>
+          <a:lstStyle/>
+          <a:p>
+            <a:pPr lvl="0"/>
+            <a:r>
+              <a:rPr lang="de-DE"/>
+              <a:t>Mastertextformat bearbeiten</a:t>
+            </a:r>
+          </a:p>
+          <a:p>
+            <a:pPr lvl="1"/>
+            <a:r>
+              <a:rPr lang="de-DE"/>
+              <a:t>Zweite Ebene</a:t>
+            </a:r>
+          </a:p>
+          <a:p>
+            <a:pPr lvl="2"/>
+            <a:r>
+              <a:rPr lang="de-DE"/>
+              <a:t>Dritte Ebene</a:t>
+            </a:r>
+          </a:p>
+          <a:p>
+            <a:pPr lvl="3"/>
+            <a:r>
+              <a:rPr lang="de-DE"/>
+              <a:t>Vierte Ebene</a:t>
+            </a:r>
+          </a:p>
+          <a:p>
+            <a:pPr lvl="4"/>
+            <a:r>
+              <a:rPr lang="de-DE"/>
+              <a:t>Fünfte Ebene</a:t>
+            </a:r>
+            <a:endParaRPr lang="de-AT"/>
+          </a:p>
+        </p:txBody>
+      </p:sp>
+      <p:sp>
+        <p:nvSpPr>
+          <p:cNvPr id="6" name="Fußzeilenplatzhalter 5"/>
+          <p:cNvSpPr>
+            <a:spLocks noGrp="1"/>
+          </p:cNvSpPr>
+          <p:nvPr>
+            <p:ph type="ftr" sz="quarter" idx="4"/>
+          </p:nvPr>
+        </p:nvSpPr>
+        <p:spPr>
+          <a:xfrm>
+            <a:off x="0" y="8685213"/>
+            <a:ext cx="2971800" cy="458787"/>
+          </a:xfrm>
+          <a:prstGeom prst="rect">
+            <a:avLst/>
+          </a:prstGeom>
+        </p:spPr>
+        <p:txBody>
+          <a:bodyPr vert="horz" lIns="91440" tIns="45720" rIns="91440" bIns="45720" rtlCol="0" anchor="b"/>
+          <a:lstStyle>
+            <a:lvl1pPr algn="l">
+              <a:defRPr sz="1200"/>
+            </a:lvl1pPr>
+          </a:lstStyle>
+          <a:p>
+            <a:endParaRPr lang="de-AT"/>
+          </a:p>
+        </p:txBody>
+      </p:sp>
+      <p:sp>
+        <p:nvSpPr>
+          <p:cNvPr id="7" name="Foliennummernplatzhalter 6"/>
+          <p:cNvSpPr>
+            <a:spLocks noGrp="1"/>
+          </p:cNvSpPr>
+          <p:nvPr>
+            <p:ph type="sldNum" sz="quarter" idx="5"/>
+          </p:nvPr>
+        </p:nvSpPr>
+        <p:spPr>
+          <a:xfrm>
+            <a:off x="3884613" y="8685213"/>
+            <a:ext cx="2971800" cy="458787"/>
+          </a:xfrm>
+          <a:prstGeom prst="rect">
+            <a:avLst/>
+          </a:prstGeom>
+        </p:spPr>
+        <p:txBody>
+          <a:bodyPr vert="horz" lIns="91440" tIns="45720" rIns="91440" bIns="45720" rtlCol="0" anchor="b"/>
+          <a:lstStyle>
+            <a:lvl1pPr algn="r">
+              <a:defRPr sz="1200"/>
+            </a:lvl1pPr>
+          </a:lstStyle>
+          <a:p>
+            <a:fld id="{7DD2CA1D-8B17-4084-8E36-F0FE2973B2FF}" type="slidenum">
+              <a:rPr lang="de-AT" smtClean="0"/>
+              <a:t>‹Nr.›</a:t>
+            </a:fld>
+            <a:endParaRPr lang="de-AT"/>
+          </a:p>
+        </p:txBody>
+      </p:sp>
+    </p:spTree>
+    <p:extLst>
+      <p:ext uri="{BB962C8B-B14F-4D97-AF65-F5344CB8AC3E}">
+        <p14:creationId xmlns:p14="http://schemas.microsoft.com/office/powerpoint/2010/main" val="2559241293"/>
+      </p:ext>
+    </p:extLst>
+  </p:cSld>
+  <p:clrMap bg1="lt1" tx1="dk1" bg2="lt2" tx2="dk2" accent1="accent1" accent2="accent2" accent3="accent3" accent4="accent4" accent5="accent5" accent6="accent6" hlink="hlink" folHlink="folHlink"/>
+  <p:notesStyle>
+    <a:lvl1pPr marL="0" algn="l" defTabSz="914400" rtl="0" eaLnBrk="1" latinLnBrk="0" hangingPunct="1">
+      <a:defRPr sz="1200" kern="1200">
+        <a:solidFill>
+          <a:schemeClr val="tx1"/>
+        </a:solidFill>
+        <a:latin typeface="+mn-lt"/>
+        <a:ea typeface="+mn-ea"/>
+        <a:cs typeface="+mn-cs"/>
+      </a:defRPr>
+    </a:lvl1pPr>
+    <a:lvl2pPr marL="457200" algn="l" defTabSz="914400" rtl="0" eaLnBrk="1" latinLnBrk="0" hangingPunct="1">
+      <a:defRPr sz="1200" kern="1200">
+        <a:solidFill>
+          <a:schemeClr val="tx1"/>
+        </a:solidFill>
+        <a:latin typeface="+mn-lt"/>
+        <a:ea typeface="+mn-ea"/>
+        <a:cs typeface="+mn-cs"/>
+      </a:defRPr>
+    </a:lvl2pPr>
+    <a:lvl3pPr marL="914400" algn="l" defTabSz="914400" rtl="0" eaLnBrk="1" latinLnBrk="0" hangingPunct="1">
+      <a:defRPr sz="1200" kern="1200">
+        <a:solidFill>
+          <a:schemeClr val="tx1"/>
+        </a:solidFill>
+        <a:latin typeface="+mn-lt"/>
+        <a:ea typeface="+mn-ea"/>
+        <a:cs typeface="+mn-cs"/>
+      </a:defRPr>
+    </a:lvl3pPr>
+    <a:lvl4pPr marL="1371600" algn="l" defTabSz="914400" rtl="0" eaLnBrk="1" latinLnBrk="0" hangingPunct="1">
+      <a:defRPr sz="1200" kern="1200">
+        <a:solidFill>
+          <a:schemeClr val="tx1"/>
+        </a:solidFill>
+        <a:latin typeface="+mn-lt"/>
+        <a:ea typeface="+mn-ea"/>
+        <a:cs typeface="+mn-cs"/>
+      </a:defRPr>
+    </a:lvl4pPr>
+    <a:lvl5pPr marL="1828800" algn="l" defTabSz="914400" rtl="0" eaLnBrk="1" latinLnBrk="0" hangingPunct="1">
+      <a:defRPr sz="1200" kern="1200">
+        <a:solidFill>
+          <a:schemeClr val="tx1"/>
+        </a:solidFill>
+        <a:latin typeface="+mn-lt"/>
+        <a:ea typeface="+mn-ea"/>
+        <a:cs typeface="+mn-cs"/>
+      </a:defRPr>
+    </a:lvl5pPr>
+    <a:lvl6pPr marL="2286000" algn="l" defTabSz="914400" rtl="0" eaLnBrk="1" latinLnBrk="0" hangingPunct="1">
+      <a:defRPr sz="1200" kern="1200">
+        <a:solidFill>
+          <a:schemeClr val="tx1"/>
+        </a:solidFill>
+        <a:latin typeface="+mn-lt"/>
+        <a:ea typeface="+mn-ea"/>
+        <a:cs typeface="+mn-cs"/>
+      </a:defRPr>
+    </a:lvl6pPr>
+    <a:lvl7pPr marL="2743200" algn="l" defTabSz="914400" rtl="0" eaLnBrk="1" latinLnBrk="0" hangingPunct="1">
+      <a:defRPr sz="1200" kern="1200">
+        <a:solidFill>
+          <a:schemeClr val="tx1"/>
+        </a:solidFill>
+        <a:latin typeface="+mn-lt"/>
+        <a:ea typeface="+mn-ea"/>
+        <a:cs typeface="+mn-cs"/>
+      </a:defRPr>
+    </a:lvl7pPr>
+    <a:lvl8pPr marL="3200400" algn="l" defTabSz="914400" rtl="0" eaLnBrk="1" latinLnBrk="0" hangingPunct="1">
+      <a:defRPr sz="1200" kern="1200">
+        <a:solidFill>
+          <a:schemeClr val="tx1"/>
+        </a:solidFill>
+        <a:latin typeface="+mn-lt"/>
+        <a:ea typeface="+mn-ea"/>
+        <a:cs typeface="+mn-cs"/>
+      </a:defRPr>
+    </a:lvl8pPr>
+    <a:lvl9pPr marL="3657600" algn="l" defTabSz="914400" rtl="0" eaLnBrk="1" latinLnBrk="0" hangingPunct="1">
+      <a:defRPr sz="1200" kern="1200">
+        <a:solidFill>
+          <a:schemeClr val="tx1"/>
+        </a:solidFill>
+        <a:latin typeface="+mn-lt"/>
+        <a:ea typeface="+mn-ea"/>
+        <a:cs typeface="+mn-cs"/>
+      </a:defRPr>
+    </a:lvl9pPr>
+  </p:notesStyle>
+</p:notesMaster>
+</file>
+
 <file path=ppt/slideLayouts/slideLayout1.xml><?xml version="1.0" encoding="utf-8"?>
 <p:sldLayout xmlns:a="http://schemas.openxmlformats.org/drawingml/2006/main" xmlns:r="http://schemas.openxmlformats.org/officeDocument/2006/relationships" xmlns:p="http://schemas.openxmlformats.org/presentationml/2006/main" type="title" preserve="1">
   <p:cSld name="Titelfolie">
@@ -138,7 +491,7 @@
           <p:cNvPr id="2" name="Titel 1">
             <a:extLst>
               <a:ext uri="{FF2B5EF4-FFF2-40B4-BE49-F238E27FC236}">
-                <a16:creationId xmlns:a16="http://schemas.microsoft.com/office/drawing/2014/main" xmlns="" id="{58FFCFBF-2736-4162-A439-5D67CC23BF40}"/>
+                <a16:creationId xmlns:a16="http://schemas.microsoft.com/office/drawing/2014/main" id="{58FFCFBF-2736-4162-A439-5D67CC23BF40}"/>
               </a:ext>
             </a:extLst>
           </p:cNvPr>
@@ -176,7 +529,7 @@
           <p:cNvPr id="3" name="Untertitel 2">
             <a:extLst>
               <a:ext uri="{FF2B5EF4-FFF2-40B4-BE49-F238E27FC236}">
-                <a16:creationId xmlns:a16="http://schemas.microsoft.com/office/drawing/2014/main" xmlns="" id="{8FE12771-FAAE-43A1-B562-6C020AE89433}"/>
+                <a16:creationId xmlns:a16="http://schemas.microsoft.com/office/drawing/2014/main" id="{8FE12771-FAAE-43A1-B562-6C020AE89433}"/>
               </a:ext>
             </a:extLst>
           </p:cNvPr>
@@ -247,7 +600,7 @@
           <p:cNvPr id="4" name="Datumsplatzhalter 3">
             <a:extLst>
               <a:ext uri="{FF2B5EF4-FFF2-40B4-BE49-F238E27FC236}">
-                <a16:creationId xmlns:a16="http://schemas.microsoft.com/office/drawing/2014/main" xmlns="" id="{89BC7551-6348-4445-B907-0A91871FCACF}"/>
+                <a16:creationId xmlns:a16="http://schemas.microsoft.com/office/drawing/2014/main" id="{89BC7551-6348-4445-B907-0A91871FCACF}"/>
               </a:ext>
             </a:extLst>
           </p:cNvPr>
@@ -263,7 +616,7 @@
           <a:bodyPr/>
           <a:lstStyle/>
           <a:p>
-            <a:fld id="{E2BD4820-1E01-44FF-A182-83AD28D6F370}" type="datetimeFigureOut">
+            <a:fld id="{B75E5309-6C14-4BB8-9607-F4A4276E6E13}" type="datetime1">
               <a:rPr lang="de-AT" smtClean="0"/>
               <a:t>14.03.2018</a:t>
             </a:fld>
@@ -276,7 +629,7 @@
           <p:cNvPr id="5" name="Fußzeilenplatzhalter 4">
             <a:extLst>
               <a:ext uri="{FF2B5EF4-FFF2-40B4-BE49-F238E27FC236}">
-                <a16:creationId xmlns:a16="http://schemas.microsoft.com/office/drawing/2014/main" xmlns="" id="{D7E7FCF8-27FB-4D15-99AF-D3D95F619352}"/>
+                <a16:creationId xmlns:a16="http://schemas.microsoft.com/office/drawing/2014/main" id="{D7E7FCF8-27FB-4D15-99AF-D3D95F619352}"/>
               </a:ext>
             </a:extLst>
           </p:cNvPr>
@@ -301,7 +654,7 @@
           <p:cNvPr id="6" name="Foliennummernplatzhalter 5">
             <a:extLst>
               <a:ext uri="{FF2B5EF4-FFF2-40B4-BE49-F238E27FC236}">
-                <a16:creationId xmlns:a16="http://schemas.microsoft.com/office/drawing/2014/main" xmlns="" id="{0F98B023-4E24-4E2F-B287-15D071D08941}"/>
+                <a16:creationId xmlns:a16="http://schemas.microsoft.com/office/drawing/2014/main" id="{0F98B023-4E24-4E2F-B287-15D071D08941}"/>
               </a:ext>
             </a:extLst>
           </p:cNvPr>
@@ -319,7 +672,7 @@
           <a:p>
             <a:fld id="{91EBFDBB-CDD8-4536-ACD2-18859987DC58}" type="slidenum">
               <a:rPr lang="de-AT" smtClean="0"/>
-              <a:t>‹#›</a:t>
+              <a:t>‹Nr.›</a:t>
             </a:fld>
             <a:endParaRPr lang="de-AT"/>
           </a:p>
@@ -360,7 +713,7 @@
           <p:cNvPr id="2" name="Titel 1">
             <a:extLst>
               <a:ext uri="{FF2B5EF4-FFF2-40B4-BE49-F238E27FC236}">
-                <a16:creationId xmlns:a16="http://schemas.microsoft.com/office/drawing/2014/main" xmlns="" id="{E7EEC211-1A09-4D56-AD84-06561CC3F047}"/>
+                <a16:creationId xmlns:a16="http://schemas.microsoft.com/office/drawing/2014/main" id="{E7EEC211-1A09-4D56-AD84-06561CC3F047}"/>
               </a:ext>
             </a:extLst>
           </p:cNvPr>
@@ -389,7 +742,7 @@
           <p:cNvPr id="3" name="Vertikaler Textplatzhalter 2">
             <a:extLst>
               <a:ext uri="{FF2B5EF4-FFF2-40B4-BE49-F238E27FC236}">
-                <a16:creationId xmlns:a16="http://schemas.microsoft.com/office/drawing/2014/main" xmlns="" id="{171C2F9C-7962-4844-9B94-D1A0324E3DB2}"/>
+                <a16:creationId xmlns:a16="http://schemas.microsoft.com/office/drawing/2014/main" id="{171C2F9C-7962-4844-9B94-D1A0324E3DB2}"/>
               </a:ext>
             </a:extLst>
           </p:cNvPr>
@@ -447,7 +800,7 @@
           <p:cNvPr id="4" name="Datumsplatzhalter 3">
             <a:extLst>
               <a:ext uri="{FF2B5EF4-FFF2-40B4-BE49-F238E27FC236}">
-                <a16:creationId xmlns:a16="http://schemas.microsoft.com/office/drawing/2014/main" xmlns="" id="{DC79A189-7359-4F92-9E5E-4AF4E9099105}"/>
+                <a16:creationId xmlns:a16="http://schemas.microsoft.com/office/drawing/2014/main" id="{DC79A189-7359-4F92-9E5E-4AF4E9099105}"/>
               </a:ext>
             </a:extLst>
           </p:cNvPr>
@@ -463,7 +816,7 @@
           <a:bodyPr/>
           <a:lstStyle/>
           <a:p>
-            <a:fld id="{E2BD4820-1E01-44FF-A182-83AD28D6F370}" type="datetimeFigureOut">
+            <a:fld id="{04BB0CA0-9FF0-4874-BD63-8CB97E6BC5F1}" type="datetime1">
               <a:rPr lang="de-AT" smtClean="0"/>
               <a:t>14.03.2018</a:t>
             </a:fld>
@@ -476,7 +829,7 @@
           <p:cNvPr id="5" name="Fußzeilenplatzhalter 4">
             <a:extLst>
               <a:ext uri="{FF2B5EF4-FFF2-40B4-BE49-F238E27FC236}">
-                <a16:creationId xmlns:a16="http://schemas.microsoft.com/office/drawing/2014/main" xmlns="" id="{90FBF03C-3E9F-4C81-8413-8527DC08B50A}"/>
+                <a16:creationId xmlns:a16="http://schemas.microsoft.com/office/drawing/2014/main" id="{90FBF03C-3E9F-4C81-8413-8527DC08B50A}"/>
               </a:ext>
             </a:extLst>
           </p:cNvPr>
@@ -501,7 +854,7 @@
           <p:cNvPr id="6" name="Foliennummernplatzhalter 5">
             <a:extLst>
               <a:ext uri="{FF2B5EF4-FFF2-40B4-BE49-F238E27FC236}">
-                <a16:creationId xmlns:a16="http://schemas.microsoft.com/office/drawing/2014/main" xmlns="" id="{BEC7D1F2-B38A-4E43-8BD4-C6FCCE5F8316}"/>
+                <a16:creationId xmlns:a16="http://schemas.microsoft.com/office/drawing/2014/main" id="{BEC7D1F2-B38A-4E43-8BD4-C6FCCE5F8316}"/>
               </a:ext>
             </a:extLst>
           </p:cNvPr>
@@ -519,7 +872,7 @@
           <a:p>
             <a:fld id="{91EBFDBB-CDD8-4536-ACD2-18859987DC58}" type="slidenum">
               <a:rPr lang="de-AT" smtClean="0"/>
-              <a:t>‹#›</a:t>
+              <a:t>‹Nr.›</a:t>
             </a:fld>
             <a:endParaRPr lang="de-AT"/>
           </a:p>
@@ -560,7 +913,7 @@
           <p:cNvPr id="2" name="Vertikaler Titel 1">
             <a:extLst>
               <a:ext uri="{FF2B5EF4-FFF2-40B4-BE49-F238E27FC236}">
-                <a16:creationId xmlns:a16="http://schemas.microsoft.com/office/drawing/2014/main" xmlns="" id="{73870491-EC36-425D-A0CD-F9F7FB7CE928}"/>
+                <a16:creationId xmlns:a16="http://schemas.microsoft.com/office/drawing/2014/main" id="{73870491-EC36-425D-A0CD-F9F7FB7CE928}"/>
               </a:ext>
             </a:extLst>
           </p:cNvPr>
@@ -594,7 +947,7 @@
           <p:cNvPr id="3" name="Vertikaler Textplatzhalter 2">
             <a:extLst>
               <a:ext uri="{FF2B5EF4-FFF2-40B4-BE49-F238E27FC236}">
-                <a16:creationId xmlns:a16="http://schemas.microsoft.com/office/drawing/2014/main" xmlns="" id="{D2FFAD73-0AF5-471D-9D6A-F3C2044510FC}"/>
+                <a16:creationId xmlns:a16="http://schemas.microsoft.com/office/drawing/2014/main" id="{D2FFAD73-0AF5-471D-9D6A-F3C2044510FC}"/>
               </a:ext>
             </a:extLst>
           </p:cNvPr>
@@ -657,7 +1010,7 @@
           <p:cNvPr id="4" name="Datumsplatzhalter 3">
             <a:extLst>
               <a:ext uri="{FF2B5EF4-FFF2-40B4-BE49-F238E27FC236}">
-                <a16:creationId xmlns:a16="http://schemas.microsoft.com/office/drawing/2014/main" xmlns="" id="{3EF8DDC8-CC8D-40F8-98B8-BEE4F398C2A6}"/>
+                <a16:creationId xmlns:a16="http://schemas.microsoft.com/office/drawing/2014/main" id="{3EF8DDC8-CC8D-40F8-98B8-BEE4F398C2A6}"/>
               </a:ext>
             </a:extLst>
           </p:cNvPr>
@@ -673,7 +1026,7 @@
           <a:bodyPr/>
           <a:lstStyle/>
           <a:p>
-            <a:fld id="{E2BD4820-1E01-44FF-A182-83AD28D6F370}" type="datetimeFigureOut">
+            <a:fld id="{FF414B44-6A01-4CFA-AAB2-658CC9A2242E}" type="datetime1">
               <a:rPr lang="de-AT" smtClean="0"/>
               <a:t>14.03.2018</a:t>
             </a:fld>
@@ -686,7 +1039,7 @@
           <p:cNvPr id="5" name="Fußzeilenplatzhalter 4">
             <a:extLst>
               <a:ext uri="{FF2B5EF4-FFF2-40B4-BE49-F238E27FC236}">
-                <a16:creationId xmlns:a16="http://schemas.microsoft.com/office/drawing/2014/main" xmlns="" id="{8DCC9C71-806C-401A-85F1-1FAC8C3F5DB1}"/>
+                <a16:creationId xmlns:a16="http://schemas.microsoft.com/office/drawing/2014/main" id="{8DCC9C71-806C-401A-85F1-1FAC8C3F5DB1}"/>
               </a:ext>
             </a:extLst>
           </p:cNvPr>
@@ -711,7 +1064,7 @@
           <p:cNvPr id="6" name="Foliennummernplatzhalter 5">
             <a:extLst>
               <a:ext uri="{FF2B5EF4-FFF2-40B4-BE49-F238E27FC236}">
-                <a16:creationId xmlns:a16="http://schemas.microsoft.com/office/drawing/2014/main" xmlns="" id="{8F725044-E24D-44B4-B2EE-2D592F989A01}"/>
+                <a16:creationId xmlns:a16="http://schemas.microsoft.com/office/drawing/2014/main" id="{8F725044-E24D-44B4-B2EE-2D592F989A01}"/>
               </a:ext>
             </a:extLst>
           </p:cNvPr>
@@ -729,7 +1082,7 @@
           <a:p>
             <a:fld id="{91EBFDBB-CDD8-4536-ACD2-18859987DC58}" type="slidenum">
               <a:rPr lang="de-AT" smtClean="0"/>
-              <a:t>‹#›</a:t>
+              <a:t>‹Nr.›</a:t>
             </a:fld>
             <a:endParaRPr lang="de-AT"/>
           </a:p>
@@ -770,7 +1123,7 @@
           <p:cNvPr id="2" name="Titel 1">
             <a:extLst>
               <a:ext uri="{FF2B5EF4-FFF2-40B4-BE49-F238E27FC236}">
-                <a16:creationId xmlns:a16="http://schemas.microsoft.com/office/drawing/2014/main" xmlns="" id="{B6F8A4ED-0445-412B-AE45-C824298B7AF6}"/>
+                <a16:creationId xmlns:a16="http://schemas.microsoft.com/office/drawing/2014/main" id="{B6F8A4ED-0445-412B-AE45-C824298B7AF6}"/>
               </a:ext>
             </a:extLst>
           </p:cNvPr>
@@ -799,7 +1152,7 @@
           <p:cNvPr id="3" name="Inhaltsplatzhalter 2">
             <a:extLst>
               <a:ext uri="{FF2B5EF4-FFF2-40B4-BE49-F238E27FC236}">
-                <a16:creationId xmlns:a16="http://schemas.microsoft.com/office/drawing/2014/main" xmlns="" id="{6DA3AB6C-6359-4840-BE37-C705BD7A2055}"/>
+                <a16:creationId xmlns:a16="http://schemas.microsoft.com/office/drawing/2014/main" id="{6DA3AB6C-6359-4840-BE37-C705BD7A2055}"/>
               </a:ext>
             </a:extLst>
           </p:cNvPr>
@@ -857,7 +1210,7 @@
           <p:cNvPr id="4" name="Datumsplatzhalter 3">
             <a:extLst>
               <a:ext uri="{FF2B5EF4-FFF2-40B4-BE49-F238E27FC236}">
-                <a16:creationId xmlns:a16="http://schemas.microsoft.com/office/drawing/2014/main" xmlns="" id="{5D1F603A-8E4B-44A6-872F-8E2B7884FF4D}"/>
+                <a16:creationId xmlns:a16="http://schemas.microsoft.com/office/drawing/2014/main" id="{5D1F603A-8E4B-44A6-872F-8E2B7884FF4D}"/>
               </a:ext>
             </a:extLst>
           </p:cNvPr>
@@ -873,7 +1226,7 @@
           <a:bodyPr/>
           <a:lstStyle/>
           <a:p>
-            <a:fld id="{E2BD4820-1E01-44FF-A182-83AD28D6F370}" type="datetimeFigureOut">
+            <a:fld id="{3490E028-4DEC-43FD-9FCB-CB7ED9A08265}" type="datetime1">
               <a:rPr lang="de-AT" smtClean="0"/>
               <a:t>14.03.2018</a:t>
             </a:fld>
@@ -886,7 +1239,7 @@
           <p:cNvPr id="5" name="Fußzeilenplatzhalter 4">
             <a:extLst>
               <a:ext uri="{FF2B5EF4-FFF2-40B4-BE49-F238E27FC236}">
-                <a16:creationId xmlns:a16="http://schemas.microsoft.com/office/drawing/2014/main" xmlns="" id="{F9BFF0C9-A186-4435-A789-E2975CE9EE08}"/>
+                <a16:creationId xmlns:a16="http://schemas.microsoft.com/office/drawing/2014/main" id="{F9BFF0C9-A186-4435-A789-E2975CE9EE08}"/>
               </a:ext>
             </a:extLst>
           </p:cNvPr>
@@ -911,7 +1264,7 @@
           <p:cNvPr id="6" name="Foliennummernplatzhalter 5">
             <a:extLst>
               <a:ext uri="{FF2B5EF4-FFF2-40B4-BE49-F238E27FC236}">
-                <a16:creationId xmlns:a16="http://schemas.microsoft.com/office/drawing/2014/main" xmlns="" id="{EA5EC02D-8C36-4FBB-82B4-EE67B7CE0DF8}"/>
+                <a16:creationId xmlns:a16="http://schemas.microsoft.com/office/drawing/2014/main" id="{EA5EC02D-8C36-4FBB-82B4-EE67B7CE0DF8}"/>
               </a:ext>
             </a:extLst>
           </p:cNvPr>
@@ -929,7 +1282,7 @@
           <a:p>
             <a:fld id="{91EBFDBB-CDD8-4536-ACD2-18859987DC58}" type="slidenum">
               <a:rPr lang="de-AT" smtClean="0"/>
-              <a:t>‹#›</a:t>
+              <a:t>‹Nr.›</a:t>
             </a:fld>
             <a:endParaRPr lang="de-AT"/>
           </a:p>
@@ -970,7 +1323,7 @@
           <p:cNvPr id="2" name="Titel 1">
             <a:extLst>
               <a:ext uri="{FF2B5EF4-FFF2-40B4-BE49-F238E27FC236}">
-                <a16:creationId xmlns:a16="http://schemas.microsoft.com/office/drawing/2014/main" xmlns="" id="{B6F941F8-3DA5-4DCE-8D22-E50B35F5921A}"/>
+                <a16:creationId xmlns:a16="http://schemas.microsoft.com/office/drawing/2014/main" id="{B6F941F8-3DA5-4DCE-8D22-E50B35F5921A}"/>
               </a:ext>
             </a:extLst>
           </p:cNvPr>
@@ -1008,7 +1361,7 @@
           <p:cNvPr id="3" name="Textplatzhalter 2">
             <a:extLst>
               <a:ext uri="{FF2B5EF4-FFF2-40B4-BE49-F238E27FC236}">
-                <a16:creationId xmlns:a16="http://schemas.microsoft.com/office/drawing/2014/main" xmlns="" id="{0A30615E-A2D8-4AD8-9F02-E195E6E7EEBF}"/>
+                <a16:creationId xmlns:a16="http://schemas.microsoft.com/office/drawing/2014/main" id="{0A30615E-A2D8-4AD8-9F02-E195E6E7EEBF}"/>
               </a:ext>
             </a:extLst>
           </p:cNvPr>
@@ -1133,7 +1486,7 @@
           <p:cNvPr id="4" name="Datumsplatzhalter 3">
             <a:extLst>
               <a:ext uri="{FF2B5EF4-FFF2-40B4-BE49-F238E27FC236}">
-                <a16:creationId xmlns:a16="http://schemas.microsoft.com/office/drawing/2014/main" xmlns="" id="{42F9FE8B-7808-4C4B-8EBE-23EEEF3DECE9}"/>
+                <a16:creationId xmlns:a16="http://schemas.microsoft.com/office/drawing/2014/main" id="{42F9FE8B-7808-4C4B-8EBE-23EEEF3DECE9}"/>
               </a:ext>
             </a:extLst>
           </p:cNvPr>
@@ -1149,7 +1502,7 @@
           <a:bodyPr/>
           <a:lstStyle/>
           <a:p>
-            <a:fld id="{E2BD4820-1E01-44FF-A182-83AD28D6F370}" type="datetimeFigureOut">
+            <a:fld id="{30E71ED9-248B-45AD-8141-9FA7C7A4F1CD}" type="datetime1">
               <a:rPr lang="de-AT" smtClean="0"/>
               <a:t>14.03.2018</a:t>
             </a:fld>
@@ -1162,7 +1515,7 @@
           <p:cNvPr id="5" name="Fußzeilenplatzhalter 4">
             <a:extLst>
               <a:ext uri="{FF2B5EF4-FFF2-40B4-BE49-F238E27FC236}">
-                <a16:creationId xmlns:a16="http://schemas.microsoft.com/office/drawing/2014/main" xmlns="" id="{58D53206-A242-40F6-AE84-83BFD2E74CD5}"/>
+                <a16:creationId xmlns:a16="http://schemas.microsoft.com/office/drawing/2014/main" id="{58D53206-A242-40F6-AE84-83BFD2E74CD5}"/>
               </a:ext>
             </a:extLst>
           </p:cNvPr>
@@ -1187,7 +1540,7 @@
           <p:cNvPr id="6" name="Foliennummernplatzhalter 5">
             <a:extLst>
               <a:ext uri="{FF2B5EF4-FFF2-40B4-BE49-F238E27FC236}">
-                <a16:creationId xmlns:a16="http://schemas.microsoft.com/office/drawing/2014/main" xmlns="" id="{E8F1F0B5-C858-44A7-BA5D-1EEB1C9C523F}"/>
+                <a16:creationId xmlns:a16="http://schemas.microsoft.com/office/drawing/2014/main" id="{E8F1F0B5-C858-44A7-BA5D-1EEB1C9C523F}"/>
               </a:ext>
             </a:extLst>
           </p:cNvPr>
@@ -1205,7 +1558,7 @@
           <a:p>
             <a:fld id="{91EBFDBB-CDD8-4536-ACD2-18859987DC58}" type="slidenum">
               <a:rPr lang="de-AT" smtClean="0"/>
-              <a:t>‹#›</a:t>
+              <a:t>‹Nr.›</a:t>
             </a:fld>
             <a:endParaRPr lang="de-AT"/>
           </a:p>
@@ -1246,7 +1599,7 @@
           <p:cNvPr id="2" name="Titel 1">
             <a:extLst>
               <a:ext uri="{FF2B5EF4-FFF2-40B4-BE49-F238E27FC236}">
-                <a16:creationId xmlns:a16="http://schemas.microsoft.com/office/drawing/2014/main" xmlns="" id="{34ED6C6E-7BEA-4FC9-A55D-DB1CD242FDED}"/>
+                <a16:creationId xmlns:a16="http://schemas.microsoft.com/office/drawing/2014/main" id="{34ED6C6E-7BEA-4FC9-A55D-DB1CD242FDED}"/>
               </a:ext>
             </a:extLst>
           </p:cNvPr>
@@ -1275,7 +1628,7 @@
           <p:cNvPr id="3" name="Inhaltsplatzhalter 2">
             <a:extLst>
               <a:ext uri="{FF2B5EF4-FFF2-40B4-BE49-F238E27FC236}">
-                <a16:creationId xmlns:a16="http://schemas.microsoft.com/office/drawing/2014/main" xmlns="" id="{EB629B79-DC91-4E07-83EB-6FB2A023858E}"/>
+                <a16:creationId xmlns:a16="http://schemas.microsoft.com/office/drawing/2014/main" id="{EB629B79-DC91-4E07-83EB-6FB2A023858E}"/>
               </a:ext>
             </a:extLst>
           </p:cNvPr>
@@ -1338,7 +1691,7 @@
           <p:cNvPr id="4" name="Inhaltsplatzhalter 3">
             <a:extLst>
               <a:ext uri="{FF2B5EF4-FFF2-40B4-BE49-F238E27FC236}">
-                <a16:creationId xmlns:a16="http://schemas.microsoft.com/office/drawing/2014/main" xmlns="" id="{D85EE405-E560-41A0-93EF-56BC38CC0A71}"/>
+                <a16:creationId xmlns:a16="http://schemas.microsoft.com/office/drawing/2014/main" id="{D85EE405-E560-41A0-93EF-56BC38CC0A71}"/>
               </a:ext>
             </a:extLst>
           </p:cNvPr>
@@ -1401,7 +1754,7 @@
           <p:cNvPr id="5" name="Datumsplatzhalter 4">
             <a:extLst>
               <a:ext uri="{FF2B5EF4-FFF2-40B4-BE49-F238E27FC236}">
-                <a16:creationId xmlns:a16="http://schemas.microsoft.com/office/drawing/2014/main" xmlns="" id="{936D4E33-8DD0-4CEA-BEFE-BB255688C547}"/>
+                <a16:creationId xmlns:a16="http://schemas.microsoft.com/office/drawing/2014/main" id="{936D4E33-8DD0-4CEA-BEFE-BB255688C547}"/>
               </a:ext>
             </a:extLst>
           </p:cNvPr>
@@ -1417,7 +1770,7 @@
           <a:bodyPr/>
           <a:lstStyle/>
           <a:p>
-            <a:fld id="{E2BD4820-1E01-44FF-A182-83AD28D6F370}" type="datetimeFigureOut">
+            <a:fld id="{A58FCAF6-FE72-45F6-B9F0-56ED21E3E8D7}" type="datetime1">
               <a:rPr lang="de-AT" smtClean="0"/>
               <a:t>14.03.2018</a:t>
             </a:fld>
@@ -1430,7 +1783,7 @@
           <p:cNvPr id="6" name="Fußzeilenplatzhalter 5">
             <a:extLst>
               <a:ext uri="{FF2B5EF4-FFF2-40B4-BE49-F238E27FC236}">
-                <a16:creationId xmlns:a16="http://schemas.microsoft.com/office/drawing/2014/main" xmlns="" id="{180CAF71-9322-496C-84A6-F668930B191D}"/>
+                <a16:creationId xmlns:a16="http://schemas.microsoft.com/office/drawing/2014/main" id="{180CAF71-9322-496C-84A6-F668930B191D}"/>
               </a:ext>
             </a:extLst>
           </p:cNvPr>
@@ -1455,7 +1808,7 @@
           <p:cNvPr id="7" name="Foliennummernplatzhalter 6">
             <a:extLst>
               <a:ext uri="{FF2B5EF4-FFF2-40B4-BE49-F238E27FC236}">
-                <a16:creationId xmlns:a16="http://schemas.microsoft.com/office/drawing/2014/main" xmlns="" id="{C7A15AB5-ADD9-4B25-B055-89AB56AD9455}"/>
+                <a16:creationId xmlns:a16="http://schemas.microsoft.com/office/drawing/2014/main" id="{C7A15AB5-ADD9-4B25-B055-89AB56AD9455}"/>
               </a:ext>
             </a:extLst>
           </p:cNvPr>
@@ -1473,7 +1826,7 @@
           <a:p>
             <a:fld id="{91EBFDBB-CDD8-4536-ACD2-18859987DC58}" type="slidenum">
               <a:rPr lang="de-AT" smtClean="0"/>
-              <a:t>‹#›</a:t>
+              <a:t>‹Nr.›</a:t>
             </a:fld>
             <a:endParaRPr lang="de-AT"/>
           </a:p>
@@ -1514,7 +1867,7 @@
           <p:cNvPr id="2" name="Titel 1">
             <a:extLst>
               <a:ext uri="{FF2B5EF4-FFF2-40B4-BE49-F238E27FC236}">
-                <a16:creationId xmlns:a16="http://schemas.microsoft.com/office/drawing/2014/main" xmlns="" id="{EEEBB3EF-9E91-48D9-AF2F-6A9B8DBF5190}"/>
+                <a16:creationId xmlns:a16="http://schemas.microsoft.com/office/drawing/2014/main" id="{EEEBB3EF-9E91-48D9-AF2F-6A9B8DBF5190}"/>
               </a:ext>
             </a:extLst>
           </p:cNvPr>
@@ -1548,7 +1901,7 @@
           <p:cNvPr id="3" name="Textplatzhalter 2">
             <a:extLst>
               <a:ext uri="{FF2B5EF4-FFF2-40B4-BE49-F238E27FC236}">
-                <a16:creationId xmlns:a16="http://schemas.microsoft.com/office/drawing/2014/main" xmlns="" id="{D430F5A9-8247-4E11-B2F7-6AC249BE0396}"/>
+                <a16:creationId xmlns:a16="http://schemas.microsoft.com/office/drawing/2014/main" id="{D430F5A9-8247-4E11-B2F7-6AC249BE0396}"/>
               </a:ext>
             </a:extLst>
           </p:cNvPr>
@@ -1619,7 +1972,7 @@
           <p:cNvPr id="4" name="Inhaltsplatzhalter 3">
             <a:extLst>
               <a:ext uri="{FF2B5EF4-FFF2-40B4-BE49-F238E27FC236}">
-                <a16:creationId xmlns:a16="http://schemas.microsoft.com/office/drawing/2014/main" xmlns="" id="{5CB6D129-4FA3-482E-8B3C-FD3B46804233}"/>
+                <a16:creationId xmlns:a16="http://schemas.microsoft.com/office/drawing/2014/main" id="{5CB6D129-4FA3-482E-8B3C-FD3B46804233}"/>
               </a:ext>
             </a:extLst>
           </p:cNvPr>
@@ -1682,7 +2035,7 @@
           <p:cNvPr id="5" name="Textplatzhalter 4">
             <a:extLst>
               <a:ext uri="{FF2B5EF4-FFF2-40B4-BE49-F238E27FC236}">
-                <a16:creationId xmlns:a16="http://schemas.microsoft.com/office/drawing/2014/main" xmlns="" id="{EBAF8882-E11E-4DC2-962F-39E3719AEB33}"/>
+                <a16:creationId xmlns:a16="http://schemas.microsoft.com/office/drawing/2014/main" id="{EBAF8882-E11E-4DC2-962F-39E3719AEB33}"/>
               </a:ext>
             </a:extLst>
           </p:cNvPr>
@@ -1753,7 +2106,7 @@
           <p:cNvPr id="6" name="Inhaltsplatzhalter 5">
             <a:extLst>
               <a:ext uri="{FF2B5EF4-FFF2-40B4-BE49-F238E27FC236}">
-                <a16:creationId xmlns:a16="http://schemas.microsoft.com/office/drawing/2014/main" xmlns="" id="{A73BEDCA-835C-4D5F-AA4A-8395B8DC7F9D}"/>
+                <a16:creationId xmlns:a16="http://schemas.microsoft.com/office/drawing/2014/main" id="{A73BEDCA-835C-4D5F-AA4A-8395B8DC7F9D}"/>
               </a:ext>
             </a:extLst>
           </p:cNvPr>
@@ -1816,7 +2169,7 @@
           <p:cNvPr id="7" name="Datumsplatzhalter 6">
             <a:extLst>
               <a:ext uri="{FF2B5EF4-FFF2-40B4-BE49-F238E27FC236}">
-                <a16:creationId xmlns:a16="http://schemas.microsoft.com/office/drawing/2014/main" xmlns="" id="{66420601-D969-4DFE-B525-58FABEAE0AEB}"/>
+                <a16:creationId xmlns:a16="http://schemas.microsoft.com/office/drawing/2014/main" id="{66420601-D969-4DFE-B525-58FABEAE0AEB}"/>
               </a:ext>
             </a:extLst>
           </p:cNvPr>
@@ -1832,7 +2185,7 @@
           <a:bodyPr/>
           <a:lstStyle/>
           <a:p>
-            <a:fld id="{E2BD4820-1E01-44FF-A182-83AD28D6F370}" type="datetimeFigureOut">
+            <a:fld id="{241D67A6-23DC-4A4C-BF5C-E479BBB4C638}" type="datetime1">
               <a:rPr lang="de-AT" smtClean="0"/>
               <a:t>14.03.2018</a:t>
             </a:fld>
@@ -1845,7 +2198,7 @@
           <p:cNvPr id="8" name="Fußzeilenplatzhalter 7">
             <a:extLst>
               <a:ext uri="{FF2B5EF4-FFF2-40B4-BE49-F238E27FC236}">
-                <a16:creationId xmlns:a16="http://schemas.microsoft.com/office/drawing/2014/main" xmlns="" id="{BB5E10AC-D454-4404-BF1F-15522BE5CD6B}"/>
+                <a16:creationId xmlns:a16="http://schemas.microsoft.com/office/drawing/2014/main" id="{BB5E10AC-D454-4404-BF1F-15522BE5CD6B}"/>
               </a:ext>
             </a:extLst>
           </p:cNvPr>
@@ -1870,7 +2223,7 @@
           <p:cNvPr id="9" name="Foliennummernplatzhalter 8">
             <a:extLst>
               <a:ext uri="{FF2B5EF4-FFF2-40B4-BE49-F238E27FC236}">
-                <a16:creationId xmlns:a16="http://schemas.microsoft.com/office/drawing/2014/main" xmlns="" id="{15E13B0E-2F3C-423A-8D60-2E963530BEE6}"/>
+                <a16:creationId xmlns:a16="http://schemas.microsoft.com/office/drawing/2014/main" id="{15E13B0E-2F3C-423A-8D60-2E963530BEE6}"/>
               </a:ext>
             </a:extLst>
           </p:cNvPr>
@@ -1888,7 +2241,7 @@
           <a:p>
             <a:fld id="{91EBFDBB-CDD8-4536-ACD2-18859987DC58}" type="slidenum">
               <a:rPr lang="de-AT" smtClean="0"/>
-              <a:t>‹#›</a:t>
+              <a:t>‹Nr.›</a:t>
             </a:fld>
             <a:endParaRPr lang="de-AT"/>
           </a:p>
@@ -1929,7 +2282,7 @@
           <p:cNvPr id="2" name="Titel 1">
             <a:extLst>
               <a:ext uri="{FF2B5EF4-FFF2-40B4-BE49-F238E27FC236}">
-                <a16:creationId xmlns:a16="http://schemas.microsoft.com/office/drawing/2014/main" xmlns="" id="{4CAD83DC-5103-434E-A7E4-39E9A4655C0D}"/>
+                <a16:creationId xmlns:a16="http://schemas.microsoft.com/office/drawing/2014/main" id="{4CAD83DC-5103-434E-A7E4-39E9A4655C0D}"/>
               </a:ext>
             </a:extLst>
           </p:cNvPr>
@@ -1958,7 +2311,7 @@
           <p:cNvPr id="3" name="Datumsplatzhalter 2">
             <a:extLst>
               <a:ext uri="{FF2B5EF4-FFF2-40B4-BE49-F238E27FC236}">
-                <a16:creationId xmlns:a16="http://schemas.microsoft.com/office/drawing/2014/main" xmlns="" id="{96962C52-9300-4554-9E46-FFE931A3DAC1}"/>
+                <a16:creationId xmlns:a16="http://schemas.microsoft.com/office/drawing/2014/main" id="{96962C52-9300-4554-9E46-FFE931A3DAC1}"/>
               </a:ext>
             </a:extLst>
           </p:cNvPr>
@@ -1974,7 +2327,7 @@
           <a:bodyPr/>
           <a:lstStyle/>
           <a:p>
-            <a:fld id="{E2BD4820-1E01-44FF-A182-83AD28D6F370}" type="datetimeFigureOut">
+            <a:fld id="{29959D3A-3204-48A2-8391-A4D08F313F1E}" type="datetime1">
               <a:rPr lang="de-AT" smtClean="0"/>
               <a:t>14.03.2018</a:t>
             </a:fld>
@@ -1987,7 +2340,7 @@
           <p:cNvPr id="4" name="Fußzeilenplatzhalter 3">
             <a:extLst>
               <a:ext uri="{FF2B5EF4-FFF2-40B4-BE49-F238E27FC236}">
-                <a16:creationId xmlns:a16="http://schemas.microsoft.com/office/drawing/2014/main" xmlns="" id="{6AC22404-EC14-4D74-8C3B-14108852FC7D}"/>
+                <a16:creationId xmlns:a16="http://schemas.microsoft.com/office/drawing/2014/main" id="{6AC22404-EC14-4D74-8C3B-14108852FC7D}"/>
               </a:ext>
             </a:extLst>
           </p:cNvPr>
@@ -2012,7 +2365,7 @@
           <p:cNvPr id="5" name="Foliennummernplatzhalter 4">
             <a:extLst>
               <a:ext uri="{FF2B5EF4-FFF2-40B4-BE49-F238E27FC236}">
-                <a16:creationId xmlns:a16="http://schemas.microsoft.com/office/drawing/2014/main" xmlns="" id="{75533713-19EE-45FA-B78A-2236CD08A4DA}"/>
+                <a16:creationId xmlns:a16="http://schemas.microsoft.com/office/drawing/2014/main" id="{75533713-19EE-45FA-B78A-2236CD08A4DA}"/>
               </a:ext>
             </a:extLst>
           </p:cNvPr>
@@ -2030,7 +2383,7 @@
           <a:p>
             <a:fld id="{91EBFDBB-CDD8-4536-ACD2-18859987DC58}" type="slidenum">
               <a:rPr lang="de-AT" smtClean="0"/>
-              <a:t>‹#›</a:t>
+              <a:t>‹Nr.›</a:t>
             </a:fld>
             <a:endParaRPr lang="de-AT"/>
           </a:p>
@@ -2071,7 +2424,7 @@
           <p:cNvPr id="2" name="Datumsplatzhalter 1">
             <a:extLst>
               <a:ext uri="{FF2B5EF4-FFF2-40B4-BE49-F238E27FC236}">
-                <a16:creationId xmlns:a16="http://schemas.microsoft.com/office/drawing/2014/main" xmlns="" id="{D8D6D78F-7AB1-4542-AF67-764733199209}"/>
+                <a16:creationId xmlns:a16="http://schemas.microsoft.com/office/drawing/2014/main" id="{D8D6D78F-7AB1-4542-AF67-764733199209}"/>
               </a:ext>
             </a:extLst>
           </p:cNvPr>
@@ -2087,7 +2440,7 @@
           <a:bodyPr/>
           <a:lstStyle/>
           <a:p>
-            <a:fld id="{E2BD4820-1E01-44FF-A182-83AD28D6F370}" type="datetimeFigureOut">
+            <a:fld id="{8B022731-85C3-491D-97C7-3DB04F3D1295}" type="datetime1">
               <a:rPr lang="de-AT" smtClean="0"/>
               <a:t>14.03.2018</a:t>
             </a:fld>
@@ -2100,7 +2453,7 @@
           <p:cNvPr id="3" name="Fußzeilenplatzhalter 2">
             <a:extLst>
               <a:ext uri="{FF2B5EF4-FFF2-40B4-BE49-F238E27FC236}">
-                <a16:creationId xmlns:a16="http://schemas.microsoft.com/office/drawing/2014/main" xmlns="" id="{F2EB5341-D2F7-44BF-9C06-3DB66B5D788B}"/>
+                <a16:creationId xmlns:a16="http://schemas.microsoft.com/office/drawing/2014/main" id="{F2EB5341-D2F7-44BF-9C06-3DB66B5D788B}"/>
               </a:ext>
             </a:extLst>
           </p:cNvPr>
@@ -2125,7 +2478,7 @@
           <p:cNvPr id="4" name="Foliennummernplatzhalter 3">
             <a:extLst>
               <a:ext uri="{FF2B5EF4-FFF2-40B4-BE49-F238E27FC236}">
-                <a16:creationId xmlns:a16="http://schemas.microsoft.com/office/drawing/2014/main" xmlns="" id="{927C223F-543B-4209-B420-D93CC0C86120}"/>
+                <a16:creationId xmlns:a16="http://schemas.microsoft.com/office/drawing/2014/main" id="{927C223F-543B-4209-B420-D93CC0C86120}"/>
               </a:ext>
             </a:extLst>
           </p:cNvPr>
@@ -2143,7 +2496,7 @@
           <a:p>
             <a:fld id="{91EBFDBB-CDD8-4536-ACD2-18859987DC58}" type="slidenum">
               <a:rPr lang="de-AT" smtClean="0"/>
-              <a:t>‹#›</a:t>
+              <a:t>‹Nr.›</a:t>
             </a:fld>
             <a:endParaRPr lang="de-AT"/>
           </a:p>
@@ -2184,7 +2537,7 @@
           <p:cNvPr id="2" name="Titel 1">
             <a:extLst>
               <a:ext uri="{FF2B5EF4-FFF2-40B4-BE49-F238E27FC236}">
-                <a16:creationId xmlns:a16="http://schemas.microsoft.com/office/drawing/2014/main" xmlns="" id="{3D803649-144C-4184-B623-8B18300794DD}"/>
+                <a16:creationId xmlns:a16="http://schemas.microsoft.com/office/drawing/2014/main" id="{3D803649-144C-4184-B623-8B18300794DD}"/>
               </a:ext>
             </a:extLst>
           </p:cNvPr>
@@ -2222,7 +2575,7 @@
           <p:cNvPr id="3" name="Inhaltsplatzhalter 2">
             <a:extLst>
               <a:ext uri="{FF2B5EF4-FFF2-40B4-BE49-F238E27FC236}">
-                <a16:creationId xmlns:a16="http://schemas.microsoft.com/office/drawing/2014/main" xmlns="" id="{8FAAECF9-CBE5-4E1F-83D1-6C6EDB31133B}"/>
+                <a16:creationId xmlns:a16="http://schemas.microsoft.com/office/drawing/2014/main" id="{8FAAECF9-CBE5-4E1F-83D1-6C6EDB31133B}"/>
               </a:ext>
             </a:extLst>
           </p:cNvPr>
@@ -2313,7 +2666,7 @@
           <p:cNvPr id="4" name="Textplatzhalter 3">
             <a:extLst>
               <a:ext uri="{FF2B5EF4-FFF2-40B4-BE49-F238E27FC236}">
-                <a16:creationId xmlns:a16="http://schemas.microsoft.com/office/drawing/2014/main" xmlns="" id="{89C93627-811A-49D2-890B-3C3F58AD3729}"/>
+                <a16:creationId xmlns:a16="http://schemas.microsoft.com/office/drawing/2014/main" id="{89C93627-811A-49D2-890B-3C3F58AD3729}"/>
               </a:ext>
             </a:extLst>
           </p:cNvPr>
@@ -2384,7 +2737,7 @@
           <p:cNvPr id="5" name="Datumsplatzhalter 4">
             <a:extLst>
               <a:ext uri="{FF2B5EF4-FFF2-40B4-BE49-F238E27FC236}">
-                <a16:creationId xmlns:a16="http://schemas.microsoft.com/office/drawing/2014/main" xmlns="" id="{B8398A91-C8FC-49BD-A529-5EC4CD8DB0F5}"/>
+                <a16:creationId xmlns:a16="http://schemas.microsoft.com/office/drawing/2014/main" id="{B8398A91-C8FC-49BD-A529-5EC4CD8DB0F5}"/>
               </a:ext>
             </a:extLst>
           </p:cNvPr>
@@ -2400,7 +2753,7 @@
           <a:bodyPr/>
           <a:lstStyle/>
           <a:p>
-            <a:fld id="{E2BD4820-1E01-44FF-A182-83AD28D6F370}" type="datetimeFigureOut">
+            <a:fld id="{FF103475-8A4C-4830-871D-D99E39D6C586}" type="datetime1">
               <a:rPr lang="de-AT" smtClean="0"/>
               <a:t>14.03.2018</a:t>
             </a:fld>
@@ -2413,7 +2766,7 @@
           <p:cNvPr id="6" name="Fußzeilenplatzhalter 5">
             <a:extLst>
               <a:ext uri="{FF2B5EF4-FFF2-40B4-BE49-F238E27FC236}">
-                <a16:creationId xmlns:a16="http://schemas.microsoft.com/office/drawing/2014/main" xmlns="" id="{BAEBD8BA-0352-4BCD-B2A6-C8A516F07053}"/>
+                <a16:creationId xmlns:a16="http://schemas.microsoft.com/office/drawing/2014/main" id="{BAEBD8BA-0352-4BCD-B2A6-C8A516F07053}"/>
               </a:ext>
             </a:extLst>
           </p:cNvPr>
@@ -2438,7 +2791,7 @@
           <p:cNvPr id="7" name="Foliennummernplatzhalter 6">
             <a:extLst>
               <a:ext uri="{FF2B5EF4-FFF2-40B4-BE49-F238E27FC236}">
-                <a16:creationId xmlns:a16="http://schemas.microsoft.com/office/drawing/2014/main" xmlns="" id="{4C070568-6216-4EF5-A13A-78D5CB24432D}"/>
+                <a16:creationId xmlns:a16="http://schemas.microsoft.com/office/drawing/2014/main" id="{4C070568-6216-4EF5-A13A-78D5CB24432D}"/>
               </a:ext>
             </a:extLst>
           </p:cNvPr>
@@ -2456,7 +2809,7 @@
           <a:p>
             <a:fld id="{91EBFDBB-CDD8-4536-ACD2-18859987DC58}" type="slidenum">
               <a:rPr lang="de-AT" smtClean="0"/>
-              <a:t>‹#›</a:t>
+              <a:t>‹Nr.›</a:t>
             </a:fld>
             <a:endParaRPr lang="de-AT"/>
           </a:p>
@@ -2497,7 +2850,7 @@
           <p:cNvPr id="2" name="Titel 1">
             <a:extLst>
               <a:ext uri="{FF2B5EF4-FFF2-40B4-BE49-F238E27FC236}">
-                <a16:creationId xmlns:a16="http://schemas.microsoft.com/office/drawing/2014/main" xmlns="" id="{11D1C66F-4AFD-43C1-B63F-234CF1B0ADB3}"/>
+                <a16:creationId xmlns:a16="http://schemas.microsoft.com/office/drawing/2014/main" id="{11D1C66F-4AFD-43C1-B63F-234CF1B0ADB3}"/>
               </a:ext>
             </a:extLst>
           </p:cNvPr>
@@ -2535,7 +2888,7 @@
           <p:cNvPr id="3" name="Bildplatzhalter 2">
             <a:extLst>
               <a:ext uri="{FF2B5EF4-FFF2-40B4-BE49-F238E27FC236}">
-                <a16:creationId xmlns:a16="http://schemas.microsoft.com/office/drawing/2014/main" xmlns="" id="{44514581-AEE8-42C5-A8BA-487CB5AB3D20}"/>
+                <a16:creationId xmlns:a16="http://schemas.microsoft.com/office/drawing/2014/main" id="{44514581-AEE8-42C5-A8BA-487CB5AB3D20}"/>
               </a:ext>
             </a:extLst>
           </p:cNvPr>
@@ -2602,7 +2955,7 @@
           <p:cNvPr id="4" name="Textplatzhalter 3">
             <a:extLst>
               <a:ext uri="{FF2B5EF4-FFF2-40B4-BE49-F238E27FC236}">
-                <a16:creationId xmlns:a16="http://schemas.microsoft.com/office/drawing/2014/main" xmlns="" id="{A85EDA84-499E-487B-9154-A4FCF1E198A5}"/>
+                <a16:creationId xmlns:a16="http://schemas.microsoft.com/office/drawing/2014/main" id="{A85EDA84-499E-487B-9154-A4FCF1E198A5}"/>
               </a:ext>
             </a:extLst>
           </p:cNvPr>
@@ -2673,7 +3026,7 @@
           <p:cNvPr id="5" name="Datumsplatzhalter 4">
             <a:extLst>
               <a:ext uri="{FF2B5EF4-FFF2-40B4-BE49-F238E27FC236}">
-                <a16:creationId xmlns:a16="http://schemas.microsoft.com/office/drawing/2014/main" xmlns="" id="{304F1D35-A623-40C9-A446-84A9F6FE3171}"/>
+                <a16:creationId xmlns:a16="http://schemas.microsoft.com/office/drawing/2014/main" id="{304F1D35-A623-40C9-A446-84A9F6FE3171}"/>
               </a:ext>
             </a:extLst>
           </p:cNvPr>
@@ -2689,7 +3042,7 @@
           <a:bodyPr/>
           <a:lstStyle/>
           <a:p>
-            <a:fld id="{E2BD4820-1E01-44FF-A182-83AD28D6F370}" type="datetimeFigureOut">
+            <a:fld id="{A4739DB2-DE6A-41EB-94FB-B2FA53D30FF0}" type="datetime1">
               <a:rPr lang="de-AT" smtClean="0"/>
               <a:t>14.03.2018</a:t>
             </a:fld>
@@ -2702,7 +3055,7 @@
           <p:cNvPr id="6" name="Fußzeilenplatzhalter 5">
             <a:extLst>
               <a:ext uri="{FF2B5EF4-FFF2-40B4-BE49-F238E27FC236}">
-                <a16:creationId xmlns:a16="http://schemas.microsoft.com/office/drawing/2014/main" xmlns="" id="{995311BD-208A-4081-95E1-3CA1DB6B3C8F}"/>
+                <a16:creationId xmlns:a16="http://schemas.microsoft.com/office/drawing/2014/main" id="{995311BD-208A-4081-95E1-3CA1DB6B3C8F}"/>
               </a:ext>
             </a:extLst>
           </p:cNvPr>
@@ -2727,7 +3080,7 @@
           <p:cNvPr id="7" name="Foliennummernplatzhalter 6">
             <a:extLst>
               <a:ext uri="{FF2B5EF4-FFF2-40B4-BE49-F238E27FC236}">
-                <a16:creationId xmlns:a16="http://schemas.microsoft.com/office/drawing/2014/main" xmlns="" id="{2A4F779C-6635-435A-A6C1-CB87DF6EB571}"/>
+                <a16:creationId xmlns:a16="http://schemas.microsoft.com/office/drawing/2014/main" id="{2A4F779C-6635-435A-A6C1-CB87DF6EB571}"/>
               </a:ext>
             </a:extLst>
           </p:cNvPr>
@@ -2745,7 +3098,7 @@
           <a:p>
             <a:fld id="{91EBFDBB-CDD8-4536-ACD2-18859987DC58}" type="slidenum">
               <a:rPr lang="de-AT" smtClean="0"/>
-              <a:t>‹#›</a:t>
+              <a:t>‹Nr.›</a:t>
             </a:fld>
             <a:endParaRPr lang="de-AT"/>
           </a:p>
@@ -2791,7 +3144,7 @@
           <p:cNvPr id="2" name="Titelplatzhalter 1">
             <a:extLst>
               <a:ext uri="{FF2B5EF4-FFF2-40B4-BE49-F238E27FC236}">
-                <a16:creationId xmlns:a16="http://schemas.microsoft.com/office/drawing/2014/main" xmlns="" id="{176BF58E-877E-4E6A-BDEE-10B7967E275B}"/>
+                <a16:creationId xmlns:a16="http://schemas.microsoft.com/office/drawing/2014/main" id="{176BF58E-877E-4E6A-BDEE-10B7967E275B}"/>
               </a:ext>
             </a:extLst>
           </p:cNvPr>
@@ -2830,7 +3183,7 @@
           <p:cNvPr id="3" name="Textplatzhalter 2">
             <a:extLst>
               <a:ext uri="{FF2B5EF4-FFF2-40B4-BE49-F238E27FC236}">
-                <a16:creationId xmlns:a16="http://schemas.microsoft.com/office/drawing/2014/main" xmlns="" id="{C5B22654-E6E0-461A-B1B8-85BB1AB7101C}"/>
+                <a16:creationId xmlns:a16="http://schemas.microsoft.com/office/drawing/2014/main" id="{C5B22654-E6E0-461A-B1B8-85BB1AB7101C}"/>
               </a:ext>
             </a:extLst>
           </p:cNvPr>
@@ -2898,7 +3251,7 @@
           <p:cNvPr id="4" name="Datumsplatzhalter 3">
             <a:extLst>
               <a:ext uri="{FF2B5EF4-FFF2-40B4-BE49-F238E27FC236}">
-                <a16:creationId xmlns:a16="http://schemas.microsoft.com/office/drawing/2014/main" xmlns="" id="{3487D775-9E82-41FF-9F6B-1FE3232EAFDA}"/>
+                <a16:creationId xmlns:a16="http://schemas.microsoft.com/office/drawing/2014/main" id="{3487D775-9E82-41FF-9F6B-1FE3232EAFDA}"/>
               </a:ext>
             </a:extLst>
           </p:cNvPr>
@@ -2932,7 +3285,7 @@
             </a:lvl1pPr>
           </a:lstStyle>
           <a:p>
-            <a:fld id="{E2BD4820-1E01-44FF-A182-83AD28D6F370}" type="datetimeFigureOut">
+            <a:fld id="{AC3CA450-14AB-48E9-9645-B79A86DFA8B9}" type="datetime1">
               <a:rPr lang="de-AT" smtClean="0"/>
               <a:t>14.03.2018</a:t>
             </a:fld>
@@ -2945,7 +3298,7 @@
           <p:cNvPr id="5" name="Fußzeilenplatzhalter 4">
             <a:extLst>
               <a:ext uri="{FF2B5EF4-FFF2-40B4-BE49-F238E27FC236}">
-                <a16:creationId xmlns:a16="http://schemas.microsoft.com/office/drawing/2014/main" xmlns="" id="{A35720A1-6A89-4107-B8C3-B0D6B892452E}"/>
+                <a16:creationId xmlns:a16="http://schemas.microsoft.com/office/drawing/2014/main" id="{A35720A1-6A89-4107-B8C3-B0D6B892452E}"/>
               </a:ext>
             </a:extLst>
           </p:cNvPr>
@@ -2988,7 +3341,7 @@
           <p:cNvPr id="6" name="Foliennummernplatzhalter 5">
             <a:extLst>
               <a:ext uri="{FF2B5EF4-FFF2-40B4-BE49-F238E27FC236}">
-                <a16:creationId xmlns:a16="http://schemas.microsoft.com/office/drawing/2014/main" xmlns="" id="{EEEB8A39-8952-4B15-B347-26183C7BEAEF}"/>
+                <a16:creationId xmlns:a16="http://schemas.microsoft.com/office/drawing/2014/main" id="{EEEB8A39-8952-4B15-B347-26183C7BEAEF}"/>
               </a:ext>
             </a:extLst>
           </p:cNvPr>
@@ -3024,7 +3377,7 @@
           <a:p>
             <a:fld id="{91EBFDBB-CDD8-4536-ACD2-18859987DC58}" type="slidenum">
               <a:rPr lang="de-AT" smtClean="0"/>
-              <a:t>‹#›</a:t>
+              <a:t>‹Nr.›</a:t>
             </a:fld>
             <a:endParaRPr lang="de-AT"/>
           </a:p>
@@ -3051,6 +3404,7 @@
     <p:sldLayoutId id="2147483658" r:id="rId10"/>
     <p:sldLayoutId id="2147483659" r:id="rId11"/>
   </p:sldLayoutIdLst>
+  <p:hf hdr="0"/>
   <p:txStyles>
     <p:titleStyle>
       <a:lvl1pPr algn="l" defTabSz="914400" rtl="0" eaLnBrk="1" latinLnBrk="0" hangingPunct="1">
@@ -3356,7 +3710,7 @@
           <p:cNvPr id="2" name="Titel 1">
             <a:extLst>
               <a:ext uri="{FF2B5EF4-FFF2-40B4-BE49-F238E27FC236}">
-                <a16:creationId xmlns:a16="http://schemas.microsoft.com/office/drawing/2014/main" xmlns="" id="{21CB980D-F27F-403D-9B1F-6246C9642D22}"/>
+                <a16:creationId xmlns:a16="http://schemas.microsoft.com/office/drawing/2014/main" id="{21CB980D-F27F-403D-9B1F-6246C9642D22}"/>
               </a:ext>
             </a:extLst>
           </p:cNvPr>
@@ -3367,7 +3721,12 @@
             <p:ph type="ctrTitle"/>
           </p:nvPr>
         </p:nvSpPr>
-        <p:spPr/>
+        <p:spPr>
+          <a:xfrm>
+            <a:off x="1524000" y="1559685"/>
+            <a:ext cx="9144000" cy="2387600"/>
+          </a:xfrm>
+        </p:spPr>
         <p:txBody>
           <a:bodyPr/>
           <a:lstStyle/>
@@ -3376,6 +3735,14 @@
               <a:rPr lang="de-AT" dirty="0"/>
               <a:t>PR Software Engineering </a:t>
             </a:r>
+            <a:br>
+              <a:rPr lang="de-AT" dirty="0"/>
+            </a:br>
+            <a:r>
+              <a:rPr lang="de-AT" sz="4400" dirty="0"/>
+              <a:t>259035 (2018S)</a:t>
+            </a:r>
+            <a:endParaRPr lang="de-AT" dirty="0"/>
           </a:p>
         </p:txBody>
       </p:sp>
@@ -3384,7 +3751,7 @@
           <p:cNvPr id="3" name="Untertitel 2">
             <a:extLst>
               <a:ext uri="{FF2B5EF4-FFF2-40B4-BE49-F238E27FC236}">
-                <a16:creationId xmlns:a16="http://schemas.microsoft.com/office/drawing/2014/main" xmlns="" id="{22BDBCE1-DE5E-4253-B1FF-FB19DF6BCE8B}"/>
+                <a16:creationId xmlns:a16="http://schemas.microsoft.com/office/drawing/2014/main" id="{22BDBCE1-DE5E-4253-B1FF-FB19DF6BCE8B}"/>
               </a:ext>
             </a:extLst>
           </p:cNvPr>
@@ -3395,15 +3762,135 @@
             <p:ph type="subTitle" idx="1"/>
           </p:nvPr>
         </p:nvSpPr>
-        <p:spPr/>
-        <p:txBody>
-          <a:bodyPr/>
-          <a:lstStyle/>
-          <a:p>
-            <a:r>
-              <a:rPr lang="de-AT" dirty="0"/>
+        <p:spPr>
+          <a:xfrm>
+            <a:off x="1524000" y="4039360"/>
+            <a:ext cx="9144000" cy="1655762"/>
+          </a:xfrm>
+        </p:spPr>
+        <p:txBody>
+          <a:bodyPr>
+            <a:normAutofit/>
+          </a:bodyPr>
+          <a:lstStyle/>
+          <a:p>
+            <a:r>
+              <a:rPr lang="de-AT" sz="3200" dirty="0"/>
               <a:t>Gruppe 3</a:t>
             </a:r>
+          </a:p>
+        </p:txBody>
+      </p:sp>
+      <p:pic>
+        <p:nvPicPr>
+          <p:cNvPr id="4" name="Grafik 3">
+            <a:extLst>
+              <a:ext uri="{FF2B5EF4-FFF2-40B4-BE49-F238E27FC236}">
+                <a16:creationId xmlns:a16="http://schemas.microsoft.com/office/drawing/2014/main" id="{BE9186C5-334F-4F8C-ADC2-74039374168A}"/>
+              </a:ext>
+            </a:extLst>
+          </p:cNvPr>
+          <p:cNvPicPr>
+            <a:picLocks noChangeAspect="1"/>
+          </p:cNvPicPr>
+          <p:nvPr/>
+        </p:nvPicPr>
+        <p:blipFill>
+          <a:blip r:embed="rId2"/>
+          <a:stretch>
+            <a:fillRect/>
+          </a:stretch>
+        </p:blipFill>
+        <p:spPr>
+          <a:xfrm>
+            <a:off x="9282112" y="298450"/>
+            <a:ext cx="2771775" cy="1647825"/>
+          </a:xfrm>
+          <a:prstGeom prst="rect">
+            <a:avLst/>
+          </a:prstGeom>
+        </p:spPr>
+      </p:pic>
+      <p:sp>
+        <p:nvSpPr>
+          <p:cNvPr id="5" name="Datumsplatzhalter 4">
+            <a:extLst>
+              <a:ext uri="{FF2B5EF4-FFF2-40B4-BE49-F238E27FC236}">
+                <a16:creationId xmlns:a16="http://schemas.microsoft.com/office/drawing/2014/main" id="{7BBB0CEB-4D6B-4AD8-86C8-6312DA3B2DA3}"/>
+              </a:ext>
+            </a:extLst>
+          </p:cNvPr>
+          <p:cNvSpPr>
+            <a:spLocks noGrp="1"/>
+          </p:cNvSpPr>
+          <p:nvPr>
+            <p:ph type="dt" sz="half" idx="10"/>
+          </p:nvPr>
+        </p:nvSpPr>
+        <p:spPr/>
+        <p:txBody>
+          <a:bodyPr/>
+          <a:lstStyle/>
+          <a:p>
+            <a:fld id="{64870403-486B-45EE-9143-AE2CBEED4261}" type="datetime1">
+              <a:rPr lang="de-AT" smtClean="0"/>
+              <a:t>14.03.2018</a:t>
+            </a:fld>
+            <a:endParaRPr lang="de-AT"/>
+          </a:p>
+        </p:txBody>
+      </p:sp>
+      <p:sp>
+        <p:nvSpPr>
+          <p:cNvPr id="6" name="Fußzeilenplatzhalter 5">
+            <a:extLst>
+              <a:ext uri="{FF2B5EF4-FFF2-40B4-BE49-F238E27FC236}">
+                <a16:creationId xmlns:a16="http://schemas.microsoft.com/office/drawing/2014/main" id="{037D014B-2654-4207-B9D7-05404E97009F}"/>
+              </a:ext>
+            </a:extLst>
+          </p:cNvPr>
+          <p:cNvSpPr>
+            <a:spLocks noGrp="1"/>
+          </p:cNvSpPr>
+          <p:nvPr>
+            <p:ph type="ftr" sz="quarter" idx="11"/>
+          </p:nvPr>
+        </p:nvSpPr>
+        <p:spPr/>
+        <p:txBody>
+          <a:bodyPr/>
+          <a:lstStyle/>
+          <a:p>
+            <a:endParaRPr lang="de-AT"/>
+          </a:p>
+        </p:txBody>
+      </p:sp>
+      <p:sp>
+        <p:nvSpPr>
+          <p:cNvPr id="7" name="Foliennummernplatzhalter 6">
+            <a:extLst>
+              <a:ext uri="{FF2B5EF4-FFF2-40B4-BE49-F238E27FC236}">
+                <a16:creationId xmlns:a16="http://schemas.microsoft.com/office/drawing/2014/main" id="{774C25D7-F0CD-44A6-82FB-CE4E7B1359CF}"/>
+              </a:ext>
+            </a:extLst>
+          </p:cNvPr>
+          <p:cNvSpPr>
+            <a:spLocks noGrp="1"/>
+          </p:cNvSpPr>
+          <p:nvPr>
+            <p:ph type="sldNum" sz="quarter" idx="12"/>
+          </p:nvPr>
+        </p:nvSpPr>
+        <p:spPr/>
+        <p:txBody>
+          <a:bodyPr/>
+          <a:lstStyle/>
+          <a:p>
+            <a:fld id="{91EBFDBB-CDD8-4536-ACD2-18859987DC58}" type="slidenum">
+              <a:rPr lang="de-AT" smtClean="0"/>
+              <a:t>1</a:t>
+            </a:fld>
+            <a:endParaRPr lang="de-AT"/>
           </a:p>
         </p:txBody>
       </p:sp>
@@ -3442,7 +3929,7 @@
           <p:cNvPr id="2" name="Titel 1">
             <a:extLst>
               <a:ext uri="{FF2B5EF4-FFF2-40B4-BE49-F238E27FC236}">
-                <a16:creationId xmlns:a16="http://schemas.microsoft.com/office/drawing/2014/main" xmlns="" id="{E6807A76-46DB-4518-839D-DE2A9FDF7403}"/>
+                <a16:creationId xmlns:a16="http://schemas.microsoft.com/office/drawing/2014/main" id="{93829C90-5736-43FD-89C8-BD4B12089D65}"/>
               </a:ext>
             </a:extLst>
           </p:cNvPr>
@@ -3459,241 +3946,384 @@
           <a:lstStyle/>
           <a:p>
             <a:r>
+              <a:rPr lang="de-AT" b="1" dirty="0"/>
+              <a:t>Teammitglieder</a:t>
+            </a:r>
+          </a:p>
+        </p:txBody>
+      </p:sp>
+      <p:sp>
+        <p:nvSpPr>
+          <p:cNvPr id="3" name="Inhaltsplatzhalter 2">
+            <a:extLst>
+              <a:ext uri="{FF2B5EF4-FFF2-40B4-BE49-F238E27FC236}">
+                <a16:creationId xmlns:a16="http://schemas.microsoft.com/office/drawing/2014/main" id="{3B2C3229-6CEF-4BD8-AEC2-2320CBA5F5C0}"/>
+              </a:ext>
+            </a:extLst>
+          </p:cNvPr>
+          <p:cNvSpPr>
+            <a:spLocks noGrp="1"/>
+          </p:cNvSpPr>
+          <p:nvPr>
+            <p:ph sz="half" idx="1"/>
+          </p:nvPr>
+        </p:nvSpPr>
+        <p:spPr/>
+        <p:txBody>
+          <a:bodyPr>
+            <a:normAutofit fontScale="85000" lnSpcReduction="20000"/>
+          </a:bodyPr>
+          <a:lstStyle/>
+          <a:p>
+            <a:pPr marL="0" indent="0">
+              <a:buNone/>
+            </a:pPr>
+            <a:r>
               <a:rPr lang="de-AT" dirty="0"/>
-              <a:t>Teammitglieder</a:t>
-            </a:r>
-          </a:p>
-        </p:txBody>
-      </p:sp>
-      <p:sp>
-        <p:nvSpPr>
-          <p:cNvPr id="3" name="Inhaltsplatzhalter 2">
-            <a:extLst>
-              <a:ext uri="{FF2B5EF4-FFF2-40B4-BE49-F238E27FC236}">
-                <a16:creationId xmlns:a16="http://schemas.microsoft.com/office/drawing/2014/main" xmlns="" id="{09B55D26-CE0B-43AA-90A4-6AE3321FF124}"/>
-              </a:ext>
-            </a:extLst>
-          </p:cNvPr>
-          <p:cNvSpPr>
-            <a:spLocks noGrp="1"/>
-          </p:cNvSpPr>
-          <p:nvPr>
-            <p:ph idx="1"/>
-          </p:nvPr>
-        </p:nvSpPr>
+              <a:t>Andrea </a:t>
+            </a:r>
+            <a:r>
+              <a:rPr lang="de-AT" dirty="0" err="1"/>
+              <a:t>Aistleithner</a:t>
+            </a:r>
+            <a:endParaRPr lang="de-AT" dirty="0"/>
+          </a:p>
+          <a:p>
+            <a:pPr marL="0" indent="0">
+              <a:buNone/>
+            </a:pPr>
+            <a:r>
+              <a:rPr lang="de-AT" dirty="0"/>
+              <a:t>K01607605</a:t>
+            </a:r>
+          </a:p>
+          <a:p>
+            <a:pPr marL="0" indent="0">
+              <a:buNone/>
+            </a:pPr>
+            <a:r>
+              <a:rPr lang="de-AT" dirty="0"/>
+              <a:t>aistleithner.andrea97@gmx.at</a:t>
+            </a:r>
+          </a:p>
+          <a:p>
+            <a:pPr marL="0" indent="0">
+              <a:buNone/>
+            </a:pPr>
+            <a:endParaRPr lang="de-AT" dirty="0"/>
+          </a:p>
+          <a:p>
+            <a:pPr marL="0" indent="0">
+              <a:buNone/>
+            </a:pPr>
+            <a:r>
+              <a:rPr lang="de-AT" dirty="0"/>
+              <a:t>Maja </a:t>
+            </a:r>
+            <a:r>
+              <a:rPr lang="de-AT" dirty="0" err="1"/>
+              <a:t>Dusanic</a:t>
+            </a:r>
+            <a:r>
+              <a:rPr lang="de-AT" dirty="0"/>
+              <a:t> </a:t>
+            </a:r>
+          </a:p>
+          <a:p>
+            <a:pPr marL="0" indent="0">
+              <a:buNone/>
+            </a:pPr>
+            <a:r>
+              <a:rPr lang="de-AT" dirty="0"/>
+              <a:t>K01256561</a:t>
+            </a:r>
+          </a:p>
+          <a:p>
+            <a:pPr marL="0" indent="0">
+              <a:buNone/>
+            </a:pPr>
+            <a:endParaRPr lang="de-AT" dirty="0"/>
+          </a:p>
+          <a:p>
+            <a:pPr marL="0" indent="0">
+              <a:buNone/>
+            </a:pPr>
+            <a:endParaRPr lang="de-AT" dirty="0"/>
+          </a:p>
+          <a:p>
+            <a:pPr marL="0" indent="0">
+              <a:buNone/>
+            </a:pPr>
+            <a:r>
+              <a:rPr lang="de-AT" dirty="0"/>
+              <a:t>Christoph Huber </a:t>
+            </a:r>
+          </a:p>
+          <a:p>
+            <a:pPr marL="0" indent="0">
+              <a:buNone/>
+            </a:pPr>
+            <a:r>
+              <a:rPr lang="de-AT" dirty="0"/>
+              <a:t>K</a:t>
+            </a:r>
+          </a:p>
+          <a:p>
+            <a:pPr marL="0" indent="0">
+              <a:buNone/>
+            </a:pPr>
+            <a:r>
+              <a:rPr lang="de-AT" dirty="0"/>
+              <a:t>christoph.huber91@gmail.com</a:t>
+            </a:r>
+          </a:p>
+          <a:p>
+            <a:pPr marL="0" indent="0">
+              <a:buNone/>
+            </a:pPr>
+            <a:endParaRPr lang="de-AT" dirty="0"/>
+          </a:p>
+          <a:p>
+            <a:pPr marL="0" indent="0">
+              <a:buNone/>
+            </a:pPr>
+            <a:endParaRPr lang="de-AT" dirty="0"/>
+          </a:p>
+          <a:p>
+            <a:pPr marL="0" indent="0">
+              <a:buNone/>
+            </a:pPr>
+            <a:endParaRPr lang="de-AT" dirty="0"/>
+          </a:p>
+          <a:p>
+            <a:endParaRPr lang="de-AT" dirty="0"/>
+          </a:p>
+        </p:txBody>
+      </p:sp>
+      <p:sp>
+        <p:nvSpPr>
+          <p:cNvPr id="4" name="Inhaltsplatzhalter 3">
+            <a:extLst>
+              <a:ext uri="{FF2B5EF4-FFF2-40B4-BE49-F238E27FC236}">
+                <a16:creationId xmlns:a16="http://schemas.microsoft.com/office/drawing/2014/main" id="{D4662D7C-B344-4655-BF4B-DAB5FDA57D33}"/>
+              </a:ext>
+            </a:extLst>
+          </p:cNvPr>
+          <p:cNvSpPr>
+            <a:spLocks noGrp="1"/>
+          </p:cNvSpPr>
+          <p:nvPr>
+            <p:ph sz="half" idx="2"/>
+          </p:nvPr>
+        </p:nvSpPr>
+        <p:spPr/>
+        <p:txBody>
+          <a:bodyPr>
+            <a:normAutofit fontScale="85000" lnSpcReduction="20000"/>
+          </a:bodyPr>
+          <a:lstStyle/>
+          <a:p>
+            <a:pPr marL="0" indent="0">
+              <a:buNone/>
+            </a:pPr>
+            <a:r>
+              <a:rPr lang="de-AT" dirty="0"/>
+              <a:t>Alexander </a:t>
+            </a:r>
+            <a:r>
+              <a:rPr lang="de-AT" dirty="0" err="1"/>
+              <a:t>Teuchtmann</a:t>
+            </a:r>
+            <a:r>
+              <a:rPr lang="de-AT" dirty="0"/>
+              <a:t> </a:t>
+            </a:r>
+          </a:p>
+          <a:p>
+            <a:pPr marL="0" indent="0">
+              <a:buNone/>
+            </a:pPr>
+            <a:r>
+              <a:rPr lang="de-AT" dirty="0"/>
+              <a:t>K01356577</a:t>
+            </a:r>
+          </a:p>
+          <a:p>
+            <a:pPr marL="0" indent="0">
+              <a:buNone/>
+            </a:pPr>
+            <a:r>
+              <a:rPr lang="de-AT" dirty="0"/>
+              <a:t>a.teuchtmann@alteutech.at</a:t>
+            </a:r>
+          </a:p>
+          <a:p>
+            <a:pPr marL="0" indent="0">
+              <a:buNone/>
+            </a:pPr>
+            <a:endParaRPr lang="de-AT" dirty="0"/>
+          </a:p>
+          <a:p>
+            <a:pPr marL="0" indent="0">
+              <a:buNone/>
+            </a:pPr>
+            <a:r>
+              <a:rPr lang="de-AT" dirty="0"/>
+              <a:t>Milos Tomic </a:t>
+            </a:r>
+          </a:p>
+          <a:p>
+            <a:pPr marL="0" indent="0">
+              <a:buNone/>
+            </a:pPr>
+            <a:r>
+              <a:rPr lang="de-AT" dirty="0"/>
+              <a:t>K01356229</a:t>
+            </a:r>
+          </a:p>
+          <a:p>
+            <a:pPr marL="0" indent="0">
+              <a:buNone/>
+            </a:pPr>
+            <a:r>
+              <a:rPr lang="de-AT" dirty="0"/>
+              <a:t>tomicmilos94@yahoo.at</a:t>
+            </a:r>
+          </a:p>
+          <a:p>
+            <a:pPr marL="0" indent="0">
+              <a:buNone/>
+            </a:pPr>
+            <a:endParaRPr lang="de-AT" dirty="0"/>
+          </a:p>
+          <a:p>
+            <a:endParaRPr lang="de-AT" dirty="0"/>
+          </a:p>
+          <a:p>
+            <a:endParaRPr lang="de-AT" dirty="0"/>
+          </a:p>
+          <a:p>
+            <a:endParaRPr lang="de-AT" dirty="0"/>
+          </a:p>
+        </p:txBody>
+      </p:sp>
+      <p:pic>
+        <p:nvPicPr>
+          <p:cNvPr id="5" name="Grafik 4">
+            <a:extLst>
+              <a:ext uri="{FF2B5EF4-FFF2-40B4-BE49-F238E27FC236}">
+                <a16:creationId xmlns:a16="http://schemas.microsoft.com/office/drawing/2014/main" id="{3C4C8357-8547-4A30-A018-E5181034C7F2}"/>
+              </a:ext>
+            </a:extLst>
+          </p:cNvPr>
+          <p:cNvPicPr>
+            <a:picLocks noChangeAspect="1"/>
+          </p:cNvPicPr>
+          <p:nvPr/>
+        </p:nvPicPr>
+        <p:blipFill>
+          <a:blip r:embed="rId2"/>
+          <a:stretch>
+            <a:fillRect/>
+          </a:stretch>
+        </p:blipFill>
         <p:spPr>
           <a:xfrm>
-            <a:off x="362338" y="1454344"/>
-            <a:ext cx="11467323" cy="5226373"/>
+            <a:off x="9282112" y="298450"/>
+            <a:ext cx="2771775" cy="1647825"/>
           </a:xfrm>
+          <a:prstGeom prst="rect">
+            <a:avLst/>
+          </a:prstGeom>
         </p:spPr>
-        <p:txBody>
-          <a:bodyPr>
-            <a:normAutofit fontScale="32500" lnSpcReduction="20000"/>
-          </a:bodyPr>
-          <a:lstStyle/>
-          <a:p>
-            <a:pPr marL="0" indent="0">
-              <a:buNone/>
-            </a:pPr>
-            <a:r>
-              <a:rPr lang="de-AT" sz="4400" dirty="0"/>
-              <a:t>Andrea </a:t>
-            </a:r>
-            <a:r>
-              <a:rPr lang="de-AT" sz="4400" dirty="0" err="1"/>
-              <a:t>Aistleithner</a:t>
-            </a:r>
-            <a:endParaRPr lang="de-AT" sz="4400" dirty="0"/>
-          </a:p>
-          <a:p>
-            <a:pPr marL="0" indent="0">
-              <a:buNone/>
-            </a:pPr>
-            <a:r>
-              <a:rPr lang="de-AT" sz="4400" dirty="0"/>
-              <a:t>K01607605</a:t>
-            </a:r>
-          </a:p>
-          <a:p>
-            <a:pPr marL="0" indent="0">
-              <a:buNone/>
-            </a:pPr>
-            <a:r>
-              <a:rPr lang="de-AT" sz="4400" dirty="0"/>
-              <a:t>aistleithner.andrea97@gmx.at</a:t>
-            </a:r>
-          </a:p>
-          <a:p>
-            <a:pPr marL="0" indent="0">
-              <a:buNone/>
-            </a:pPr>
-            <a:endParaRPr lang="de-AT" sz="4400" dirty="0"/>
-          </a:p>
-          <a:p>
-            <a:pPr marL="0" indent="0">
-              <a:buNone/>
-            </a:pPr>
-            <a:r>
-              <a:rPr lang="de-AT" sz="4400" dirty="0"/>
-              <a:t>Alexander </a:t>
-            </a:r>
-            <a:r>
-              <a:rPr lang="de-AT" sz="4400" dirty="0" err="1"/>
-              <a:t>Teuchtmann</a:t>
-            </a:r>
-            <a:r>
-              <a:rPr lang="de-AT" sz="4400" dirty="0"/>
-              <a:t> </a:t>
-            </a:r>
-          </a:p>
-          <a:p>
-            <a:pPr marL="0" indent="0">
-              <a:buNone/>
-            </a:pPr>
-            <a:r>
-              <a:rPr lang="de-AT" sz="4400" dirty="0"/>
-              <a:t>K01356577</a:t>
-            </a:r>
-          </a:p>
-          <a:p>
-            <a:pPr marL="0" indent="0">
-              <a:buNone/>
-            </a:pPr>
-            <a:r>
-              <a:rPr lang="de-AT" sz="4400" dirty="0"/>
-              <a:t>a.teuchtmann@alteutech.at</a:t>
-            </a:r>
-          </a:p>
-          <a:p>
-            <a:pPr marL="0" indent="0">
-              <a:buNone/>
-            </a:pPr>
-            <a:endParaRPr lang="de-AT" sz="4400" dirty="0"/>
-          </a:p>
-          <a:p>
-            <a:pPr marL="0" indent="0">
-              <a:buNone/>
-            </a:pPr>
-            <a:r>
-              <a:rPr lang="de-AT" sz="4400" dirty="0"/>
-              <a:t>Christoph Huber </a:t>
-            </a:r>
-          </a:p>
-          <a:p>
-            <a:pPr marL="0" indent="0">
-              <a:buNone/>
-            </a:pPr>
-            <a:r>
-              <a:rPr lang="de-AT" sz="4400" dirty="0"/>
-              <a:t>K</a:t>
-            </a:r>
-          </a:p>
-          <a:p>
-            <a:pPr marL="0" indent="0">
-              <a:buNone/>
-            </a:pPr>
-            <a:r>
-              <a:rPr lang="de-AT" sz="4400" dirty="0"/>
-              <a:t>christoph.huber91@gmail.com</a:t>
-            </a:r>
-          </a:p>
-          <a:p>
-            <a:pPr marL="0" indent="0">
-              <a:buNone/>
-            </a:pPr>
-            <a:endParaRPr lang="de-AT" sz="4400" dirty="0"/>
-          </a:p>
-          <a:p>
-            <a:pPr marL="0" indent="0">
-              <a:buNone/>
-            </a:pPr>
-            <a:r>
-              <a:rPr lang="de-AT" sz="4400" dirty="0"/>
-              <a:t>Milos Tomic </a:t>
-            </a:r>
-          </a:p>
-          <a:p>
-            <a:pPr marL="0" indent="0">
-              <a:buNone/>
-            </a:pPr>
-            <a:r>
-              <a:rPr lang="de-AT" sz="4400" dirty="0"/>
-              <a:t>K01356229</a:t>
-            </a:r>
-          </a:p>
-          <a:p>
-            <a:pPr marL="0" indent="0">
-              <a:buNone/>
-            </a:pPr>
-            <a:r>
-              <a:rPr lang="de-AT" sz="4400" dirty="0"/>
-              <a:t>tomicmilos94@yahoo.at</a:t>
-            </a:r>
-          </a:p>
-          <a:p>
-            <a:pPr marL="0" indent="0">
-              <a:buNone/>
-            </a:pPr>
-            <a:endParaRPr lang="de-AT" sz="4400" dirty="0"/>
-          </a:p>
-          <a:p>
-            <a:pPr marL="0" indent="0">
-              <a:buNone/>
-            </a:pPr>
-            <a:r>
-              <a:rPr lang="de-AT" sz="4400" dirty="0"/>
-              <a:t>Maja </a:t>
-            </a:r>
-            <a:r>
-              <a:rPr lang="de-AT" sz="4400" dirty="0" err="1"/>
-              <a:t>Dusanic</a:t>
-            </a:r>
-            <a:r>
-              <a:rPr lang="de-AT" sz="4400" dirty="0"/>
-              <a:t> </a:t>
-            </a:r>
-          </a:p>
-          <a:p>
-            <a:pPr marL="0" indent="0">
-              <a:buNone/>
-            </a:pPr>
-            <a:r>
-              <a:rPr lang="de-AT" sz="4400" dirty="0" smtClean="0"/>
-              <a:t>K01256561</a:t>
-            </a:r>
-            <a:endParaRPr lang="de-AT" sz="4400" dirty="0"/>
-          </a:p>
-          <a:p>
-            <a:pPr marL="0" indent="0">
-              <a:buNone/>
-            </a:pPr>
-            <a:endParaRPr lang="de-AT" dirty="0"/>
-          </a:p>
-          <a:p>
-            <a:pPr marL="0" indent="0">
-              <a:buNone/>
-            </a:pPr>
-            <a:endParaRPr lang="de-AT" dirty="0"/>
-          </a:p>
-          <a:p>
-            <a:pPr marL="0" indent="0">
-              <a:buNone/>
-            </a:pPr>
-            <a:endParaRPr lang="de-AT" dirty="0"/>
-          </a:p>
-          <a:p>
-            <a:pPr marL="0" indent="0">
-              <a:buNone/>
-            </a:pPr>
-            <a:endParaRPr lang="de-AT" dirty="0"/>
+      </p:pic>
+      <p:sp>
+        <p:nvSpPr>
+          <p:cNvPr id="6" name="Datumsplatzhalter 5">
+            <a:extLst>
+              <a:ext uri="{FF2B5EF4-FFF2-40B4-BE49-F238E27FC236}">
+                <a16:creationId xmlns:a16="http://schemas.microsoft.com/office/drawing/2014/main" id="{4328EFA1-4145-451A-8DCF-93EAB34E9204}"/>
+              </a:ext>
+            </a:extLst>
+          </p:cNvPr>
+          <p:cNvSpPr>
+            <a:spLocks noGrp="1"/>
+          </p:cNvSpPr>
+          <p:nvPr>
+            <p:ph type="dt" sz="half" idx="10"/>
+          </p:nvPr>
+        </p:nvSpPr>
+        <p:spPr/>
+        <p:txBody>
+          <a:bodyPr/>
+          <a:lstStyle/>
+          <a:p>
+            <a:fld id="{47DF5AD2-33AC-417D-8F4A-5B31FD477F96}" type="datetime1">
+              <a:rPr lang="de-AT" smtClean="0"/>
+              <a:t>14.03.2018</a:t>
+            </a:fld>
+            <a:endParaRPr lang="de-AT"/>
+          </a:p>
+        </p:txBody>
+      </p:sp>
+      <p:sp>
+        <p:nvSpPr>
+          <p:cNvPr id="7" name="Fußzeilenplatzhalter 6">
+            <a:extLst>
+              <a:ext uri="{FF2B5EF4-FFF2-40B4-BE49-F238E27FC236}">
+                <a16:creationId xmlns:a16="http://schemas.microsoft.com/office/drawing/2014/main" id="{BE9E5C40-7235-4689-AEDF-491ADEA00F23}"/>
+              </a:ext>
+            </a:extLst>
+          </p:cNvPr>
+          <p:cNvSpPr>
+            <a:spLocks noGrp="1"/>
+          </p:cNvSpPr>
+          <p:nvPr>
+            <p:ph type="ftr" sz="quarter" idx="11"/>
+          </p:nvPr>
+        </p:nvSpPr>
+        <p:spPr/>
+        <p:txBody>
+          <a:bodyPr/>
+          <a:lstStyle/>
+          <a:p>
+            <a:endParaRPr lang="de-AT"/>
+          </a:p>
+        </p:txBody>
+      </p:sp>
+      <p:sp>
+        <p:nvSpPr>
+          <p:cNvPr id="8" name="Foliennummernplatzhalter 7">
+            <a:extLst>
+              <a:ext uri="{FF2B5EF4-FFF2-40B4-BE49-F238E27FC236}">
+                <a16:creationId xmlns:a16="http://schemas.microsoft.com/office/drawing/2014/main" id="{FEFE71F2-AA57-495C-944B-84561CD2C5D7}"/>
+              </a:ext>
+            </a:extLst>
+          </p:cNvPr>
+          <p:cNvSpPr>
+            <a:spLocks noGrp="1"/>
+          </p:cNvSpPr>
+          <p:nvPr>
+            <p:ph type="sldNum" sz="quarter" idx="12"/>
+          </p:nvPr>
+        </p:nvSpPr>
+        <p:spPr/>
+        <p:txBody>
+          <a:bodyPr/>
+          <a:lstStyle/>
+          <a:p>
+            <a:fld id="{91EBFDBB-CDD8-4536-ACD2-18859987DC58}" type="slidenum">
+              <a:rPr lang="de-AT" smtClean="0"/>
+              <a:t>2</a:t>
+            </a:fld>
+            <a:endParaRPr lang="de-AT"/>
           </a:p>
         </p:txBody>
       </p:sp>
     </p:spTree>
     <p:extLst>
       <p:ext uri="{BB962C8B-B14F-4D97-AF65-F5344CB8AC3E}">
-        <p14:creationId xmlns:p14="http://schemas.microsoft.com/office/powerpoint/2010/main" val="672967316"/>
+        <p14:creationId xmlns:p14="http://schemas.microsoft.com/office/powerpoint/2010/main" val="1048791332"/>
       </p:ext>
     </p:extLst>
   </p:cSld>
@@ -3725,7 +4355,7 @@
           <p:cNvPr id="2" name="Titel 1">
             <a:extLst>
               <a:ext uri="{FF2B5EF4-FFF2-40B4-BE49-F238E27FC236}">
-                <a16:creationId xmlns:a16="http://schemas.microsoft.com/office/drawing/2014/main" xmlns="" id="{0B36668D-698E-49FE-8B49-71CA67C73112}"/>
+                <a16:creationId xmlns:a16="http://schemas.microsoft.com/office/drawing/2014/main" id="{0B36668D-698E-49FE-8B49-71CA67C73112}"/>
               </a:ext>
             </a:extLst>
           </p:cNvPr>
@@ -3742,8 +4372,19 @@
           <a:lstStyle/>
           <a:p>
             <a:r>
+              <a:rPr lang="de-AT" b="1" dirty="0"/>
+              <a:t>Organisation</a:t>
+            </a:r>
+            <a:r>
               <a:rPr lang="de-AT" dirty="0"/>
-              <a:t>Organisation</a:t>
+              <a:t> </a:t>
+            </a:r>
+            <a:br>
+              <a:rPr lang="de-AT" dirty="0"/>
+            </a:br>
+            <a:r>
+              <a:rPr lang="de-AT" b="1" dirty="0"/>
+              <a:t>Verantwortungsbereiche</a:t>
             </a:r>
           </a:p>
         </p:txBody>
@@ -3753,76 +4394,148 @@
           <p:cNvPr id="3" name="Inhaltsplatzhalter 2">
             <a:extLst>
               <a:ext uri="{FF2B5EF4-FFF2-40B4-BE49-F238E27FC236}">
-                <a16:creationId xmlns:a16="http://schemas.microsoft.com/office/drawing/2014/main" xmlns="" id="{4327D0C9-9FCC-4C9D-AD83-3A5573E15991}"/>
-              </a:ext>
-            </a:extLst>
-          </p:cNvPr>
-          <p:cNvSpPr>
-            <a:spLocks noGrp="1"/>
-          </p:cNvSpPr>
-          <p:nvPr>
-            <p:ph idx="1"/>
-          </p:nvPr>
-        </p:nvSpPr>
-        <p:spPr/>
+                <a16:creationId xmlns:a16="http://schemas.microsoft.com/office/drawing/2014/main" id="{4327D0C9-9FCC-4C9D-AD83-3A5573E15991}"/>
+              </a:ext>
+            </a:extLst>
+          </p:cNvPr>
+          <p:cNvSpPr>
+            <a:spLocks noGrp="1"/>
+          </p:cNvSpPr>
+          <p:nvPr>
+            <p:ph sz="half" idx="1"/>
+          </p:nvPr>
+        </p:nvSpPr>
+        <p:spPr>
+          <a:xfrm>
+            <a:off x="838200" y="1946275"/>
+            <a:ext cx="5181600" cy="4351338"/>
+          </a:xfrm>
+        </p:spPr>
         <p:txBody>
           <a:bodyPr>
-            <a:normAutofit lnSpcReduction="10000"/>
+            <a:normAutofit/>
           </a:bodyPr>
           <a:lstStyle/>
           <a:p>
+            <a:r>
+              <a:rPr lang="de-AT" dirty="0" err="1"/>
+              <a:t>Requirements-und</a:t>
+            </a:r>
+            <a:r>
+              <a:rPr lang="de-AT" dirty="0"/>
+              <a:t> </a:t>
+            </a:r>
+            <a:r>
+              <a:rPr lang="de-AT" dirty="0" err="1"/>
+              <a:t>Issue</a:t>
+            </a:r>
+            <a:r>
+              <a:rPr lang="de-AT" dirty="0"/>
+              <a:t>-Management, Planung</a:t>
+            </a:r>
+          </a:p>
+          <a:p>
+            <a:pPr lvl="1"/>
             <a:r>
               <a:rPr lang="de-AT" dirty="0"/>
               <a:t>Christoph Huber </a:t>
             </a:r>
           </a:p>
           <a:p>
-            <a:pPr lvl="1"/>
-            <a:r>
-              <a:rPr lang="de-AT" dirty="0" err="1"/>
-              <a:t>Requirements-und</a:t>
-            </a:r>
-            <a:r>
-              <a:rPr lang="de-AT" dirty="0"/>
-              <a:t> </a:t>
-            </a:r>
-            <a:r>
-              <a:rPr lang="de-AT" dirty="0" err="1"/>
-              <a:t>Issue</a:t>
-            </a:r>
-            <a:r>
-              <a:rPr lang="de-AT" dirty="0"/>
-              <a:t>-Management, Planung</a:t>
-            </a:r>
-          </a:p>
-          <a:p>
-            <a:r>
-              <a:rPr lang="de-AT" dirty="0" smtClean="0"/>
-              <a:t>Maja Dusanic</a:t>
-            </a:r>
+            <a:pPr marL="457200" lvl="1" indent="0">
+              <a:buNone/>
+            </a:pPr>
             <a:endParaRPr lang="de-AT" dirty="0"/>
           </a:p>
           <a:p>
-            <a:pPr lvl="1"/>
             <a:r>
               <a:rPr lang="de-AT" dirty="0"/>
               <a:t>Source Code Repository</a:t>
             </a:r>
           </a:p>
           <a:p>
+            <a:pPr lvl="1"/>
+            <a:r>
+              <a:rPr lang="de-AT" dirty="0"/>
+              <a:t>Maja </a:t>
+            </a:r>
+            <a:r>
+              <a:rPr lang="de-AT" dirty="0" err="1"/>
+              <a:t>Dusanic</a:t>
+            </a:r>
+            <a:endParaRPr lang="de-AT" dirty="0"/>
+          </a:p>
+          <a:p>
+            <a:endParaRPr lang="de-AT" dirty="0"/>
+          </a:p>
+          <a:p>
+            <a:r>
+              <a:rPr lang="de-AT" dirty="0"/>
+              <a:t>Qualität</a:t>
+            </a:r>
+          </a:p>
+          <a:p>
+            <a:pPr lvl="1"/>
             <a:r>
               <a:rPr lang="de-AT" dirty="0"/>
               <a:t>Milos Tomic</a:t>
             </a:r>
           </a:p>
           <a:p>
+            <a:endParaRPr lang="de-AT" dirty="0"/>
+          </a:p>
+          <a:p>
             <a:pPr lvl="1"/>
+            <a:endParaRPr lang="de-AT" dirty="0"/>
+          </a:p>
+          <a:p>
+            <a:pPr lvl="1"/>
+            <a:endParaRPr lang="de-AT" dirty="0"/>
+          </a:p>
+          <a:p>
+            <a:pPr lvl="1"/>
+            <a:endParaRPr lang="de-AT" dirty="0"/>
+          </a:p>
+          <a:p>
+            <a:endParaRPr lang="de-AT" dirty="0"/>
+          </a:p>
+        </p:txBody>
+      </p:sp>
+      <p:sp>
+        <p:nvSpPr>
+          <p:cNvPr id="6" name="Inhaltsplatzhalter 5">
+            <a:extLst>
+              <a:ext uri="{FF2B5EF4-FFF2-40B4-BE49-F238E27FC236}">
+                <a16:creationId xmlns:a16="http://schemas.microsoft.com/office/drawing/2014/main" id="{EE35D373-A3B1-4A49-A6F3-408F6E10BED8}"/>
+              </a:ext>
+            </a:extLst>
+          </p:cNvPr>
+          <p:cNvSpPr>
+            <a:spLocks noGrp="1"/>
+          </p:cNvSpPr>
+          <p:nvPr>
+            <p:ph sz="half" idx="2"/>
+          </p:nvPr>
+        </p:nvSpPr>
+        <p:spPr>
+          <a:xfrm>
+            <a:off x="6172200" y="1968017"/>
+            <a:ext cx="5181600" cy="4351338"/>
+          </a:xfrm>
+        </p:spPr>
+        <p:txBody>
+          <a:bodyPr>
+            <a:normAutofit/>
+          </a:bodyPr>
+          <a:lstStyle/>
+          <a:p>
             <a:r>
               <a:rPr lang="de-AT" dirty="0"/>
-              <a:t>Qualität</a:t>
-            </a:r>
-          </a:p>
-          <a:p>
+              <a:t>Testen</a:t>
+            </a:r>
+          </a:p>
+          <a:p>
+            <a:pPr lvl="1"/>
             <a:r>
               <a:rPr lang="de-AT" dirty="0"/>
               <a:t>Andrea </a:t>
@@ -3835,12 +4548,16 @@
           </a:p>
           <a:p>
             <a:pPr lvl="1"/>
+            <a:endParaRPr lang="de-AT" dirty="0"/>
+          </a:p>
+          <a:p>
             <a:r>
               <a:rPr lang="de-AT" dirty="0"/>
-              <a:t>Testen</a:t>
-            </a:r>
-          </a:p>
-          <a:p>
+              <a:t>Architektur und Dokumentation</a:t>
+            </a:r>
+          </a:p>
+          <a:p>
+            <a:pPr lvl="1"/>
             <a:r>
               <a:rPr lang="de-AT" dirty="0"/>
               <a:t>Alexander </a:t>
@@ -3852,18 +4569,120 @@
             <a:endParaRPr lang="de-AT" dirty="0"/>
           </a:p>
           <a:p>
-            <a:pPr lvl="1"/>
-            <a:r>
-              <a:rPr lang="de-AT" dirty="0"/>
-              <a:t>Architektur und Dokumentation</a:t>
-            </a:r>
-          </a:p>
-          <a:p>
-            <a:pPr lvl="1"/>
             <a:endParaRPr lang="de-AT" dirty="0"/>
           </a:p>
-          <a:p>
-            <a:endParaRPr lang="de-AT" dirty="0"/>
+        </p:txBody>
+      </p:sp>
+      <p:pic>
+        <p:nvPicPr>
+          <p:cNvPr id="7" name="Grafik 6">
+            <a:extLst>
+              <a:ext uri="{FF2B5EF4-FFF2-40B4-BE49-F238E27FC236}">
+                <a16:creationId xmlns:a16="http://schemas.microsoft.com/office/drawing/2014/main" id="{B0DF015C-41E1-49EE-AAF5-C99A1E1B9C9D}"/>
+              </a:ext>
+            </a:extLst>
+          </p:cNvPr>
+          <p:cNvPicPr>
+            <a:picLocks noChangeAspect="1"/>
+          </p:cNvPicPr>
+          <p:nvPr/>
+        </p:nvPicPr>
+        <p:blipFill>
+          <a:blip r:embed="rId2"/>
+          <a:stretch>
+            <a:fillRect/>
+          </a:stretch>
+        </p:blipFill>
+        <p:spPr>
+          <a:xfrm>
+            <a:off x="9282112" y="298450"/>
+            <a:ext cx="2771775" cy="1647825"/>
+          </a:xfrm>
+          <a:prstGeom prst="rect">
+            <a:avLst/>
+          </a:prstGeom>
+        </p:spPr>
+      </p:pic>
+      <p:sp>
+        <p:nvSpPr>
+          <p:cNvPr id="8" name="Datumsplatzhalter 7">
+            <a:extLst>
+              <a:ext uri="{FF2B5EF4-FFF2-40B4-BE49-F238E27FC236}">
+                <a16:creationId xmlns:a16="http://schemas.microsoft.com/office/drawing/2014/main" id="{3F7BCE18-BBD9-40AF-A208-12E5A534BAAC}"/>
+              </a:ext>
+            </a:extLst>
+          </p:cNvPr>
+          <p:cNvSpPr>
+            <a:spLocks noGrp="1"/>
+          </p:cNvSpPr>
+          <p:nvPr>
+            <p:ph type="dt" sz="half" idx="10"/>
+          </p:nvPr>
+        </p:nvSpPr>
+        <p:spPr/>
+        <p:txBody>
+          <a:bodyPr/>
+          <a:lstStyle/>
+          <a:p>
+            <a:fld id="{69B698F4-D3D5-4170-A4CC-F5FF6B650D02}" type="datetime1">
+              <a:rPr lang="de-AT" smtClean="0"/>
+              <a:t>14.03.2018</a:t>
+            </a:fld>
+            <a:endParaRPr lang="de-AT"/>
+          </a:p>
+        </p:txBody>
+      </p:sp>
+      <p:sp>
+        <p:nvSpPr>
+          <p:cNvPr id="9" name="Fußzeilenplatzhalter 8">
+            <a:extLst>
+              <a:ext uri="{FF2B5EF4-FFF2-40B4-BE49-F238E27FC236}">
+                <a16:creationId xmlns:a16="http://schemas.microsoft.com/office/drawing/2014/main" id="{C63CF9C4-37C3-40F1-9E08-0B09815965F5}"/>
+              </a:ext>
+            </a:extLst>
+          </p:cNvPr>
+          <p:cNvSpPr>
+            <a:spLocks noGrp="1"/>
+          </p:cNvSpPr>
+          <p:nvPr>
+            <p:ph type="ftr" sz="quarter" idx="11"/>
+          </p:nvPr>
+        </p:nvSpPr>
+        <p:spPr/>
+        <p:txBody>
+          <a:bodyPr/>
+          <a:lstStyle/>
+          <a:p>
+            <a:endParaRPr lang="de-AT"/>
+          </a:p>
+        </p:txBody>
+      </p:sp>
+      <p:sp>
+        <p:nvSpPr>
+          <p:cNvPr id="10" name="Foliennummernplatzhalter 9">
+            <a:extLst>
+              <a:ext uri="{FF2B5EF4-FFF2-40B4-BE49-F238E27FC236}">
+                <a16:creationId xmlns:a16="http://schemas.microsoft.com/office/drawing/2014/main" id="{A714E39C-A5C6-4A62-86B7-F5BA8B49252C}"/>
+              </a:ext>
+            </a:extLst>
+          </p:cNvPr>
+          <p:cNvSpPr>
+            <a:spLocks noGrp="1"/>
+          </p:cNvSpPr>
+          <p:nvPr>
+            <p:ph type="sldNum" sz="quarter" idx="12"/>
+          </p:nvPr>
+        </p:nvSpPr>
+        <p:spPr/>
+        <p:txBody>
+          <a:bodyPr/>
+          <a:lstStyle/>
+          <a:p>
+            <a:fld id="{91EBFDBB-CDD8-4536-ACD2-18859987DC58}" type="slidenum">
+              <a:rPr lang="de-AT" smtClean="0"/>
+              <a:t>3</a:t>
+            </a:fld>
+            <a:endParaRPr lang="de-AT"/>
           </a:p>
         </p:txBody>
       </p:sp>
@@ -3902,7 +4721,7 @@
           <p:cNvPr id="2" name="Titel 1">
             <a:extLst>
               <a:ext uri="{FF2B5EF4-FFF2-40B4-BE49-F238E27FC236}">
-                <a16:creationId xmlns:a16="http://schemas.microsoft.com/office/drawing/2014/main" xmlns="" id="{6F27E421-2783-46FB-871F-07E47D33F683}"/>
+                <a16:creationId xmlns:a16="http://schemas.microsoft.com/office/drawing/2014/main" id="{6F27E421-2783-46FB-871F-07E47D33F683}"/>
               </a:ext>
             </a:extLst>
           </p:cNvPr>
@@ -3919,8 +4738,15 @@
           <a:lstStyle/>
           <a:p>
             <a:r>
-              <a:rPr lang="de-AT" dirty="0"/>
-              <a:t>Werkzeuge Planung &amp; Dokumentation</a:t>
+              <a:rPr lang="de-AT" b="1" dirty="0"/>
+              <a:t>Werkzeuge -</a:t>
+            </a:r>
+            <a:br>
+              <a:rPr lang="de-AT" b="1" dirty="0"/>
+            </a:br>
+            <a:r>
+              <a:rPr lang="de-AT" b="1" dirty="0"/>
+              <a:t>Planung &amp; Dokumentation</a:t>
             </a:r>
           </a:p>
         </p:txBody>
@@ -3930,21 +4756,26 @@
           <p:cNvPr id="3" name="Inhaltsplatzhalter 2">
             <a:extLst>
               <a:ext uri="{FF2B5EF4-FFF2-40B4-BE49-F238E27FC236}">
-                <a16:creationId xmlns:a16="http://schemas.microsoft.com/office/drawing/2014/main" xmlns="" id="{5EE10AC2-B93E-42A9-A587-C9787B17CBEF}"/>
-              </a:ext>
-            </a:extLst>
-          </p:cNvPr>
-          <p:cNvSpPr>
-            <a:spLocks noGrp="1"/>
-          </p:cNvSpPr>
-          <p:nvPr>
-            <p:ph idx="1"/>
-          </p:nvPr>
-        </p:nvSpPr>
-        <p:spPr/>
+                <a16:creationId xmlns:a16="http://schemas.microsoft.com/office/drawing/2014/main" id="{5EE10AC2-B93E-42A9-A587-C9787B17CBEF}"/>
+              </a:ext>
+            </a:extLst>
+          </p:cNvPr>
+          <p:cNvSpPr>
+            <a:spLocks noGrp="1"/>
+          </p:cNvSpPr>
+          <p:nvPr>
+            <p:ph sz="half" idx="1"/>
+          </p:nvPr>
+        </p:nvSpPr>
+        <p:spPr>
+          <a:xfrm>
+            <a:off x="838200" y="1946275"/>
+            <a:ext cx="5181600" cy="4351338"/>
+          </a:xfrm>
+        </p:spPr>
         <p:txBody>
           <a:bodyPr>
-            <a:normAutofit fontScale="55000" lnSpcReduction="20000"/>
+            <a:normAutofit fontScale="92500" lnSpcReduction="10000"/>
           </a:bodyPr>
           <a:lstStyle/>
           <a:p>
@@ -4013,6 +4844,35 @@
           <a:p>
             <a:endParaRPr lang="de-AT" dirty="0"/>
           </a:p>
+        </p:txBody>
+      </p:sp>
+      <p:sp>
+        <p:nvSpPr>
+          <p:cNvPr id="4" name="Inhaltsplatzhalter 3">
+            <a:extLst>
+              <a:ext uri="{FF2B5EF4-FFF2-40B4-BE49-F238E27FC236}">
+                <a16:creationId xmlns:a16="http://schemas.microsoft.com/office/drawing/2014/main" id="{5A7FBBF7-8F86-4076-AD97-29661876BF6D}"/>
+              </a:ext>
+            </a:extLst>
+          </p:cNvPr>
+          <p:cNvSpPr>
+            <a:spLocks noGrp="1"/>
+          </p:cNvSpPr>
+          <p:nvPr>
+            <p:ph sz="half" idx="2"/>
+          </p:nvPr>
+        </p:nvSpPr>
+        <p:spPr>
+          <a:xfrm>
+            <a:off x="6172200" y="2101642"/>
+            <a:ext cx="5181600" cy="4351338"/>
+          </a:xfrm>
+        </p:spPr>
+        <p:txBody>
+          <a:bodyPr>
+            <a:normAutofit fontScale="92500" lnSpcReduction="10000"/>
+          </a:bodyPr>
+          <a:lstStyle/>
           <a:p>
             <a:r>
               <a:rPr lang="de-AT" dirty="0" err="1"/>
@@ -4050,6 +4910,129 @@
               <a:t>Github</a:t>
             </a:r>
             <a:endParaRPr lang="de-AT" dirty="0"/>
+          </a:p>
+          <a:p>
+            <a:pPr lvl="1"/>
+            <a:r>
+              <a:rPr lang="de-AT" dirty="0"/>
+              <a:t>Google Drive</a:t>
+            </a:r>
+          </a:p>
+          <a:p>
+            <a:endParaRPr lang="de-AT" dirty="0"/>
+          </a:p>
+        </p:txBody>
+      </p:sp>
+      <p:pic>
+        <p:nvPicPr>
+          <p:cNvPr id="6" name="Grafik 5">
+            <a:extLst>
+              <a:ext uri="{FF2B5EF4-FFF2-40B4-BE49-F238E27FC236}">
+                <a16:creationId xmlns:a16="http://schemas.microsoft.com/office/drawing/2014/main" id="{6D90C0B6-6193-42D9-8CB0-A5043233299D}"/>
+              </a:ext>
+            </a:extLst>
+          </p:cNvPr>
+          <p:cNvPicPr>
+            <a:picLocks noChangeAspect="1"/>
+          </p:cNvPicPr>
+          <p:nvPr/>
+        </p:nvPicPr>
+        <p:blipFill>
+          <a:blip r:embed="rId2"/>
+          <a:stretch>
+            <a:fillRect/>
+          </a:stretch>
+        </p:blipFill>
+        <p:spPr>
+          <a:xfrm>
+            <a:off x="9282112" y="298450"/>
+            <a:ext cx="2771775" cy="1647825"/>
+          </a:xfrm>
+          <a:prstGeom prst="rect">
+            <a:avLst/>
+          </a:prstGeom>
+        </p:spPr>
+      </p:pic>
+      <p:sp>
+        <p:nvSpPr>
+          <p:cNvPr id="7" name="Datumsplatzhalter 6">
+            <a:extLst>
+              <a:ext uri="{FF2B5EF4-FFF2-40B4-BE49-F238E27FC236}">
+                <a16:creationId xmlns:a16="http://schemas.microsoft.com/office/drawing/2014/main" id="{50167EE8-304D-4BD5-8BDC-152C22AEA4E1}"/>
+              </a:ext>
+            </a:extLst>
+          </p:cNvPr>
+          <p:cNvSpPr>
+            <a:spLocks noGrp="1"/>
+          </p:cNvSpPr>
+          <p:nvPr>
+            <p:ph type="dt" sz="half" idx="10"/>
+          </p:nvPr>
+        </p:nvSpPr>
+        <p:spPr/>
+        <p:txBody>
+          <a:bodyPr/>
+          <a:lstStyle/>
+          <a:p>
+            <a:fld id="{C1D68546-3865-4A7A-AF12-4C02636688A6}" type="datetime1">
+              <a:rPr lang="de-AT" smtClean="0"/>
+              <a:t>14.03.2018</a:t>
+            </a:fld>
+            <a:endParaRPr lang="de-AT"/>
+          </a:p>
+        </p:txBody>
+      </p:sp>
+      <p:sp>
+        <p:nvSpPr>
+          <p:cNvPr id="8" name="Fußzeilenplatzhalter 7">
+            <a:extLst>
+              <a:ext uri="{FF2B5EF4-FFF2-40B4-BE49-F238E27FC236}">
+                <a16:creationId xmlns:a16="http://schemas.microsoft.com/office/drawing/2014/main" id="{109CDCF6-2D41-4130-9E2B-128B3B61B639}"/>
+              </a:ext>
+            </a:extLst>
+          </p:cNvPr>
+          <p:cNvSpPr>
+            <a:spLocks noGrp="1"/>
+          </p:cNvSpPr>
+          <p:nvPr>
+            <p:ph type="ftr" sz="quarter" idx="11"/>
+          </p:nvPr>
+        </p:nvSpPr>
+        <p:spPr/>
+        <p:txBody>
+          <a:bodyPr/>
+          <a:lstStyle/>
+          <a:p>
+            <a:endParaRPr lang="de-AT"/>
+          </a:p>
+        </p:txBody>
+      </p:sp>
+      <p:sp>
+        <p:nvSpPr>
+          <p:cNvPr id="9" name="Foliennummernplatzhalter 8">
+            <a:extLst>
+              <a:ext uri="{FF2B5EF4-FFF2-40B4-BE49-F238E27FC236}">
+                <a16:creationId xmlns:a16="http://schemas.microsoft.com/office/drawing/2014/main" id="{3445CA2E-9278-4106-9235-FB6592C45ED2}"/>
+              </a:ext>
+            </a:extLst>
+          </p:cNvPr>
+          <p:cNvSpPr>
+            <a:spLocks noGrp="1"/>
+          </p:cNvSpPr>
+          <p:nvPr>
+            <p:ph type="sldNum" sz="quarter" idx="12"/>
+          </p:nvPr>
+        </p:nvSpPr>
+        <p:spPr/>
+        <p:txBody>
+          <a:bodyPr/>
+          <a:lstStyle/>
+          <a:p>
+            <a:fld id="{91EBFDBB-CDD8-4536-ACD2-18859987DC58}" type="slidenum">
+              <a:rPr lang="de-AT" smtClean="0"/>
+              <a:t>4</a:t>
+            </a:fld>
+            <a:endParaRPr lang="de-AT"/>
           </a:p>
         </p:txBody>
       </p:sp>
@@ -4088,7 +5071,7 @@
           <p:cNvPr id="2" name="Titel 1">
             <a:extLst>
               <a:ext uri="{FF2B5EF4-FFF2-40B4-BE49-F238E27FC236}">
-                <a16:creationId xmlns:a16="http://schemas.microsoft.com/office/drawing/2014/main" xmlns="" id="{DF0134FC-8550-4FA9-AF8A-45F0A35402A7}"/>
+                <a16:creationId xmlns:a16="http://schemas.microsoft.com/office/drawing/2014/main" id="{DF0134FC-8550-4FA9-AF8A-45F0A35402A7}"/>
               </a:ext>
             </a:extLst>
           </p:cNvPr>
@@ -4101,11 +5084,13 @@
         </p:nvSpPr>
         <p:spPr/>
         <p:txBody>
-          <a:bodyPr/>
-          <a:lstStyle/>
-          <a:p>
-            <a:r>
-              <a:rPr lang="de-AT" dirty="0"/>
+          <a:bodyPr>
+            <a:normAutofit/>
+          </a:bodyPr>
+          <a:lstStyle/>
+          <a:p>
+            <a:r>
+              <a:rPr lang="de-AT" b="1" dirty="0"/>
               <a:t>Werkzeuge - Implementierung</a:t>
             </a:r>
           </a:p>
@@ -4116,15 +5101,15 @@
           <p:cNvPr id="3" name="Inhaltsplatzhalter 2">
             <a:extLst>
               <a:ext uri="{FF2B5EF4-FFF2-40B4-BE49-F238E27FC236}">
-                <a16:creationId xmlns:a16="http://schemas.microsoft.com/office/drawing/2014/main" xmlns="" id="{E195F5AA-513B-4AE9-9A6F-606FC68C4D91}"/>
-              </a:ext>
-            </a:extLst>
-          </p:cNvPr>
-          <p:cNvSpPr>
-            <a:spLocks noGrp="1"/>
-          </p:cNvSpPr>
-          <p:nvPr>
-            <p:ph idx="1"/>
+                <a16:creationId xmlns:a16="http://schemas.microsoft.com/office/drawing/2014/main" id="{E195F5AA-513B-4AE9-9A6F-606FC68C4D91}"/>
+              </a:ext>
+            </a:extLst>
+          </p:cNvPr>
+          <p:cNvSpPr>
+            <a:spLocks noGrp="1"/>
+          </p:cNvSpPr>
+          <p:nvPr>
+            <p:ph sz="half" idx="1"/>
           </p:nvPr>
         </p:nvSpPr>
         <p:spPr/>
@@ -4145,6 +5130,10 @@
             </a:r>
           </a:p>
           <a:p>
+            <a:pPr lvl="1"/>
+            <a:endParaRPr lang="de-AT" dirty="0"/>
+          </a:p>
+          <a:p>
             <a:r>
               <a:rPr lang="de-AT" dirty="0"/>
               <a:t>Entwicklungsumgebung</a:t>
@@ -4159,6 +5148,10 @@
             <a:endParaRPr lang="de-AT" dirty="0"/>
           </a:p>
           <a:p>
+            <a:pPr lvl="1"/>
+            <a:endParaRPr lang="de-AT" dirty="0"/>
+          </a:p>
+          <a:p>
             <a:r>
               <a:rPr lang="de-AT" dirty="0"/>
               <a:t>Implementierung GUI</a:t>
@@ -4171,6 +5164,28 @@
               <a:t>Swing (Java)</a:t>
             </a:r>
           </a:p>
+        </p:txBody>
+      </p:sp>
+      <p:sp>
+        <p:nvSpPr>
+          <p:cNvPr id="4" name="Inhaltsplatzhalter 3">
+            <a:extLst>
+              <a:ext uri="{FF2B5EF4-FFF2-40B4-BE49-F238E27FC236}">
+                <a16:creationId xmlns:a16="http://schemas.microsoft.com/office/drawing/2014/main" id="{D8B2F9A6-3304-4618-8982-A93A92EACC4B}"/>
+              </a:ext>
+            </a:extLst>
+          </p:cNvPr>
+          <p:cNvSpPr>
+            <a:spLocks noGrp="1"/>
+          </p:cNvSpPr>
+          <p:nvPr>
+            <p:ph sz="half" idx="2"/>
+          </p:nvPr>
+        </p:nvSpPr>
+        <p:spPr/>
+        <p:txBody>
+          <a:bodyPr/>
+          <a:lstStyle/>
           <a:p>
             <a:r>
               <a:rPr lang="de-AT" dirty="0"/>
@@ -4190,6 +5205,122 @@
               <a:rPr lang="de-AT" dirty="0"/>
               <a:t>Swing (Java)</a:t>
             </a:r>
+          </a:p>
+          <a:p>
+            <a:endParaRPr lang="de-AT" dirty="0"/>
+          </a:p>
+        </p:txBody>
+      </p:sp>
+      <p:pic>
+        <p:nvPicPr>
+          <p:cNvPr id="5" name="Grafik 4">
+            <a:extLst>
+              <a:ext uri="{FF2B5EF4-FFF2-40B4-BE49-F238E27FC236}">
+                <a16:creationId xmlns:a16="http://schemas.microsoft.com/office/drawing/2014/main" id="{EBFE52EE-45A3-49C2-8514-3BD2D7650108}"/>
+              </a:ext>
+            </a:extLst>
+          </p:cNvPr>
+          <p:cNvPicPr>
+            <a:picLocks noChangeAspect="1"/>
+          </p:cNvPicPr>
+          <p:nvPr/>
+        </p:nvPicPr>
+        <p:blipFill>
+          <a:blip r:embed="rId2"/>
+          <a:stretch>
+            <a:fillRect/>
+          </a:stretch>
+        </p:blipFill>
+        <p:spPr>
+          <a:xfrm>
+            <a:off x="9282112" y="298450"/>
+            <a:ext cx="2771775" cy="1647825"/>
+          </a:xfrm>
+          <a:prstGeom prst="rect">
+            <a:avLst/>
+          </a:prstGeom>
+        </p:spPr>
+      </p:pic>
+      <p:sp>
+        <p:nvSpPr>
+          <p:cNvPr id="6" name="Datumsplatzhalter 5">
+            <a:extLst>
+              <a:ext uri="{FF2B5EF4-FFF2-40B4-BE49-F238E27FC236}">
+                <a16:creationId xmlns:a16="http://schemas.microsoft.com/office/drawing/2014/main" id="{F6BA5AC5-56AB-41BD-8849-C0DCC3B3D8ED}"/>
+              </a:ext>
+            </a:extLst>
+          </p:cNvPr>
+          <p:cNvSpPr>
+            <a:spLocks noGrp="1"/>
+          </p:cNvSpPr>
+          <p:nvPr>
+            <p:ph type="dt" sz="half" idx="10"/>
+          </p:nvPr>
+        </p:nvSpPr>
+        <p:spPr/>
+        <p:txBody>
+          <a:bodyPr/>
+          <a:lstStyle/>
+          <a:p>
+            <a:fld id="{10C267F7-EEBF-42F3-B386-70F97705F1BC}" type="datetime1">
+              <a:rPr lang="de-AT" smtClean="0"/>
+              <a:t>14.03.2018</a:t>
+            </a:fld>
+            <a:endParaRPr lang="de-AT"/>
+          </a:p>
+        </p:txBody>
+      </p:sp>
+      <p:sp>
+        <p:nvSpPr>
+          <p:cNvPr id="7" name="Fußzeilenplatzhalter 6">
+            <a:extLst>
+              <a:ext uri="{FF2B5EF4-FFF2-40B4-BE49-F238E27FC236}">
+                <a16:creationId xmlns:a16="http://schemas.microsoft.com/office/drawing/2014/main" id="{1C04D229-F3C2-4DFA-B513-C30BF74A5AF1}"/>
+              </a:ext>
+            </a:extLst>
+          </p:cNvPr>
+          <p:cNvSpPr>
+            <a:spLocks noGrp="1"/>
+          </p:cNvSpPr>
+          <p:nvPr>
+            <p:ph type="ftr" sz="quarter" idx="11"/>
+          </p:nvPr>
+        </p:nvSpPr>
+        <p:spPr/>
+        <p:txBody>
+          <a:bodyPr/>
+          <a:lstStyle/>
+          <a:p>
+            <a:endParaRPr lang="de-AT" dirty="0"/>
+          </a:p>
+        </p:txBody>
+      </p:sp>
+      <p:sp>
+        <p:nvSpPr>
+          <p:cNvPr id="8" name="Foliennummernplatzhalter 7">
+            <a:extLst>
+              <a:ext uri="{FF2B5EF4-FFF2-40B4-BE49-F238E27FC236}">
+                <a16:creationId xmlns:a16="http://schemas.microsoft.com/office/drawing/2014/main" id="{B26705DA-AC7B-46C5-ABD5-E1A1DFDA63C9}"/>
+              </a:ext>
+            </a:extLst>
+          </p:cNvPr>
+          <p:cNvSpPr>
+            <a:spLocks noGrp="1"/>
+          </p:cNvSpPr>
+          <p:nvPr>
+            <p:ph type="sldNum" sz="quarter" idx="12"/>
+          </p:nvPr>
+        </p:nvSpPr>
+        <p:spPr/>
+        <p:txBody>
+          <a:bodyPr/>
+          <a:lstStyle/>
+          <a:p>
+            <a:fld id="{91EBFDBB-CDD8-4536-ACD2-18859987DC58}" type="slidenum">
+              <a:rPr lang="de-AT" smtClean="0"/>
+              <a:t>5</a:t>
+            </a:fld>
+            <a:endParaRPr lang="de-AT"/>
           </a:p>
         </p:txBody>
       </p:sp>
@@ -4499,4 +5630,299 @@
     </a:ext>
   </a:extLst>
 </a:theme>
+</file>
+
+<file path=ppt/theme/theme2.xml><?xml version="1.0" encoding="utf-8"?>
+<a:theme xmlns:a="http://schemas.openxmlformats.org/drawingml/2006/main" name="Office">
+  <a:themeElements>
+    <a:clrScheme name="Office">
+      <a:dk1>
+        <a:sysClr val="windowText" lastClr="000000"/>
+      </a:dk1>
+      <a:lt1>
+        <a:sysClr val="window" lastClr="FFFFFF"/>
+      </a:lt1>
+      <a:dk2>
+        <a:srgbClr val="44546A"/>
+      </a:dk2>
+      <a:lt2>
+        <a:srgbClr val="E7E6E6"/>
+      </a:lt2>
+      <a:accent1>
+        <a:srgbClr val="4472C4"/>
+      </a:accent1>
+      <a:accent2>
+        <a:srgbClr val="ED7D31"/>
+      </a:accent2>
+      <a:accent3>
+        <a:srgbClr val="A5A5A5"/>
+      </a:accent3>
+      <a:accent4>
+        <a:srgbClr val="FFC000"/>
+      </a:accent4>
+      <a:accent5>
+        <a:srgbClr val="5B9BD5"/>
+      </a:accent5>
+      <a:accent6>
+        <a:srgbClr val="70AD47"/>
+      </a:accent6>
+      <a:hlink>
+        <a:srgbClr val="0563C1"/>
+      </a:hlink>
+      <a:folHlink>
+        <a:srgbClr val="954F72"/>
+      </a:folHlink>
+    </a:clrScheme>
+    <a:fontScheme name="Office">
+      <a:majorFont>
+        <a:latin typeface="Calibri Light" panose="020F0302020204030204"/>
+        <a:ea typeface=""/>
+        <a:cs typeface=""/>
+        <a:font script="Jpan" typeface="游ゴシック Light"/>
+        <a:font script="Hang" typeface="맑은 고딕"/>
+        <a:font script="Hans" typeface="等线 Light"/>
+        <a:font script="Hant" typeface="新細明體"/>
+        <a:font script="Arab" typeface="Times New Roman"/>
+        <a:font script="Hebr" typeface="Times New Roman"/>
+        <a:font script="Thai" typeface="Angsana New"/>
+        <a:font script="Ethi" typeface="Nyala"/>
+        <a:font script="Beng" typeface="Vrinda"/>
+        <a:font script="Gujr" typeface="Shruti"/>
+        <a:font script="Khmr" typeface="MoolBoran"/>
+        <a:font script="Knda" typeface="Tunga"/>
+        <a:font script="Guru" typeface="Raavi"/>
+        <a:font script="Cans" typeface="Euphemia"/>
+        <a:font script="Cher" typeface="Plantagenet Cherokee"/>
+        <a:font script="Yiii" typeface="Microsoft Yi Baiti"/>
+        <a:font script="Tibt" typeface="Microsoft Himalaya"/>
+        <a:font script="Thaa" typeface="MV Boli"/>
+        <a:font script="Deva" typeface="Mangal"/>
+        <a:font script="Telu" typeface="Gautami"/>
+        <a:font script="Taml" typeface="Latha"/>
+        <a:font script="Syrc" typeface="Estrangelo Edessa"/>
+        <a:font script="Orya" typeface="Kalinga"/>
+        <a:font script="Mlym" typeface="Kartika"/>
+        <a:font script="Laoo" typeface="DokChampa"/>
+        <a:font script="Sinh" typeface="Iskoola Pota"/>
+        <a:font script="Mong" typeface="Mongolian Baiti"/>
+        <a:font script="Viet" typeface="Times New Roman"/>
+        <a:font script="Uigh" typeface="Microsoft Uighur"/>
+        <a:font script="Geor" typeface="Sylfaen"/>
+        <a:font script="Armn" typeface="Arial"/>
+        <a:font script="Bugi" typeface="Leelawadee UI"/>
+        <a:font script="Bopo" typeface="Microsoft JhengHei"/>
+        <a:font script="Java" typeface="Javanese Text"/>
+        <a:font script="Lisu" typeface="Segoe UI"/>
+        <a:font script="Mymr" typeface="Myanmar Text"/>
+        <a:font script="Nkoo" typeface="Ebrima"/>
+        <a:font script="Olck" typeface="Nirmala UI"/>
+        <a:font script="Osma" typeface="Ebrima"/>
+        <a:font script="Phag" typeface="Phagspa"/>
+        <a:font script="Syrn" typeface="Estrangelo Edessa"/>
+        <a:font script="Syrj" typeface="Estrangelo Edessa"/>
+        <a:font script="Syre" typeface="Estrangelo Edessa"/>
+        <a:font script="Sora" typeface="Nirmala UI"/>
+        <a:font script="Tale" typeface="Microsoft Tai Le"/>
+        <a:font script="Talu" typeface="Microsoft New Tai Lue"/>
+        <a:font script="Tfng" typeface="Ebrima"/>
+      </a:majorFont>
+      <a:minorFont>
+        <a:latin typeface="Calibri" panose="020F0502020204030204"/>
+        <a:ea typeface=""/>
+        <a:cs typeface=""/>
+        <a:font script="Jpan" typeface="游ゴシック"/>
+        <a:font script="Hang" typeface="맑은 고딕"/>
+        <a:font script="Hans" typeface="等线"/>
+        <a:font script="Hant" typeface="新細明體"/>
+        <a:font script="Arab" typeface="Arial"/>
+        <a:font script="Hebr" typeface="Arial"/>
+        <a:font script="Thai" typeface="Cordia New"/>
+        <a:font script="Ethi" typeface="Nyala"/>
+        <a:font script="Beng" typeface="Vrinda"/>
+        <a:font script="Gujr" typeface="Shruti"/>
+        <a:font script="Khmr" typeface="DaunPenh"/>
+        <a:font script="Knda" typeface="Tunga"/>
+        <a:font script="Guru" typeface="Raavi"/>
+        <a:font script="Cans" typeface="Euphemia"/>
+        <a:font script="Cher" typeface="Plantagenet Cherokee"/>
+        <a:font script="Yiii" typeface="Microsoft Yi Baiti"/>
+        <a:font script="Tibt" typeface="Microsoft Himalaya"/>
+        <a:font script="Thaa" typeface="MV Boli"/>
+        <a:font script="Deva" typeface="Mangal"/>
+        <a:font script="Telu" typeface="Gautami"/>
+        <a:font script="Taml" typeface="Latha"/>
+        <a:font script="Syrc" typeface="Estrangelo Edessa"/>
+        <a:font script="Orya" typeface="Kalinga"/>
+        <a:font script="Mlym" typeface="Kartika"/>
+        <a:font script="Laoo" typeface="DokChampa"/>
+        <a:font script="Sinh" typeface="Iskoola Pota"/>
+        <a:font script="Mong" typeface="Mongolian Baiti"/>
+        <a:font script="Viet" typeface="Arial"/>
+        <a:font script="Uigh" typeface="Microsoft Uighur"/>
+        <a:font script="Geor" typeface="Sylfaen"/>
+        <a:font script="Armn" typeface="Arial"/>
+        <a:font script="Bugi" typeface="Leelawadee UI"/>
+        <a:font script="Bopo" typeface="Microsoft JhengHei"/>
+        <a:font script="Java" typeface="Javanese Text"/>
+        <a:font script="Lisu" typeface="Segoe UI"/>
+        <a:font script="Mymr" typeface="Myanmar Text"/>
+        <a:font script="Nkoo" typeface="Ebrima"/>
+        <a:font script="Olck" typeface="Nirmala UI"/>
+        <a:font script="Osma" typeface="Ebrima"/>
+        <a:font script="Phag" typeface="Phagspa"/>
+        <a:font script="Syrn" typeface="Estrangelo Edessa"/>
+        <a:font script="Syrj" typeface="Estrangelo Edessa"/>
+        <a:font script="Syre" typeface="Estrangelo Edessa"/>
+        <a:font script="Sora" typeface="Nirmala UI"/>
+        <a:font script="Tale" typeface="Microsoft Tai Le"/>
+        <a:font script="Talu" typeface="Microsoft New Tai Lue"/>
+        <a:font script="Tfng" typeface="Ebrima"/>
+      </a:minorFont>
+    </a:fontScheme>
+    <a:fmtScheme name="Office">
+      <a:fillStyleLst>
+        <a:solidFill>
+          <a:schemeClr val="phClr"/>
+        </a:solidFill>
+        <a:gradFill rotWithShape="1">
+          <a:gsLst>
+            <a:gs pos="0">
+              <a:schemeClr val="phClr">
+                <a:lumMod val="110000"/>
+                <a:satMod val="105000"/>
+                <a:tint val="67000"/>
+              </a:schemeClr>
+            </a:gs>
+            <a:gs pos="50000">
+              <a:schemeClr val="phClr">
+                <a:lumMod val="105000"/>
+                <a:satMod val="103000"/>
+                <a:tint val="73000"/>
+              </a:schemeClr>
+            </a:gs>
+            <a:gs pos="100000">
+              <a:schemeClr val="phClr">
+                <a:lumMod val="105000"/>
+                <a:satMod val="109000"/>
+                <a:tint val="81000"/>
+              </a:schemeClr>
+            </a:gs>
+          </a:gsLst>
+          <a:lin ang="5400000" scaled="0"/>
+        </a:gradFill>
+        <a:gradFill rotWithShape="1">
+          <a:gsLst>
+            <a:gs pos="0">
+              <a:schemeClr val="phClr">
+                <a:satMod val="103000"/>
+                <a:lumMod val="102000"/>
+                <a:tint val="94000"/>
+              </a:schemeClr>
+            </a:gs>
+            <a:gs pos="50000">
+              <a:schemeClr val="phClr">
+                <a:satMod val="110000"/>
+                <a:lumMod val="100000"/>
+                <a:shade val="100000"/>
+              </a:schemeClr>
+            </a:gs>
+            <a:gs pos="100000">
+              <a:schemeClr val="phClr">
+                <a:lumMod val="99000"/>
+                <a:satMod val="120000"/>
+                <a:shade val="78000"/>
+              </a:schemeClr>
+            </a:gs>
+          </a:gsLst>
+          <a:lin ang="5400000" scaled="0"/>
+        </a:gradFill>
+      </a:fillStyleLst>
+      <a:lnStyleLst>
+        <a:ln w="6350" cap="flat" cmpd="sng" algn="ctr">
+          <a:solidFill>
+            <a:schemeClr val="phClr"/>
+          </a:solidFill>
+          <a:prstDash val="solid"/>
+          <a:miter lim="800000"/>
+        </a:ln>
+        <a:ln w="12700" cap="flat" cmpd="sng" algn="ctr">
+          <a:solidFill>
+            <a:schemeClr val="phClr"/>
+          </a:solidFill>
+          <a:prstDash val="solid"/>
+          <a:miter lim="800000"/>
+        </a:ln>
+        <a:ln w="19050" cap="flat" cmpd="sng" algn="ctr">
+          <a:solidFill>
+            <a:schemeClr val="phClr"/>
+          </a:solidFill>
+          <a:prstDash val="solid"/>
+          <a:miter lim="800000"/>
+        </a:ln>
+      </a:lnStyleLst>
+      <a:effectStyleLst>
+        <a:effectStyle>
+          <a:effectLst/>
+        </a:effectStyle>
+        <a:effectStyle>
+          <a:effectLst/>
+        </a:effectStyle>
+        <a:effectStyle>
+          <a:effectLst>
+            <a:outerShdw blurRad="57150" dist="19050" dir="5400000" algn="ctr" rotWithShape="0">
+              <a:srgbClr val="000000">
+                <a:alpha val="63000"/>
+              </a:srgbClr>
+            </a:outerShdw>
+          </a:effectLst>
+        </a:effectStyle>
+      </a:effectStyleLst>
+      <a:bgFillStyleLst>
+        <a:solidFill>
+          <a:schemeClr val="phClr"/>
+        </a:solidFill>
+        <a:solidFill>
+          <a:schemeClr val="phClr">
+            <a:tint val="95000"/>
+            <a:satMod val="170000"/>
+          </a:schemeClr>
+        </a:solidFill>
+        <a:gradFill rotWithShape="1">
+          <a:gsLst>
+            <a:gs pos="0">
+              <a:schemeClr val="phClr">
+                <a:tint val="93000"/>
+                <a:satMod val="150000"/>
+                <a:shade val="98000"/>
+                <a:lumMod val="102000"/>
+              </a:schemeClr>
+            </a:gs>
+            <a:gs pos="50000">
+              <a:schemeClr val="phClr">
+                <a:tint val="98000"/>
+                <a:satMod val="130000"/>
+                <a:shade val="90000"/>
+                <a:lumMod val="103000"/>
+              </a:schemeClr>
+            </a:gs>
+            <a:gs pos="100000">
+              <a:schemeClr val="phClr">
+                <a:shade val="63000"/>
+                <a:satMod val="120000"/>
+              </a:schemeClr>
+            </a:gs>
+          </a:gsLst>
+          <a:lin ang="5400000" scaled="0"/>
+        </a:gradFill>
+      </a:bgFillStyleLst>
+    </a:fmtScheme>
+  </a:themeElements>
+  <a:objectDefaults/>
+  <a:extraClrSchemeLst/>
+  <a:extLst>
+    <a:ext uri="{05A4C25C-085E-4340-85A3-A5531E510DB2}">
+      <thm15:themeFamily xmlns:thm15="http://schemas.microsoft.com/office/thememl/2012/main" name="Office Theme" id="{62F939B6-93AF-4DB8-9C6B-D6C7DFDC589F}" vid="{4A3C46E8-61CC-4603-A589-7422A47A8E4A}"/>
+    </a:ext>
+  </a:extLst>
+</a:theme>
 </file>
--- a/Organisation/PR Software Engineering.pptx
+++ b/Organisation/PR Software Engineering.pptx
@@ -201,7 +201,7 @@
           <a:p>
             <a:fld id="{54DADA06-A761-416A-866D-7C33A70EA49B}" type="datetimeFigureOut">
               <a:rPr lang="de-AT" smtClean="0"/>
-              <a:t>14.03.2018</a:t>
+              <a:t>15.03.2018</a:t>
             </a:fld>
             <a:endParaRPr lang="de-AT"/>
           </a:p>
@@ -618,7 +618,7 @@
           <a:p>
             <a:fld id="{B75E5309-6C14-4BB8-9607-F4A4276E6E13}" type="datetime1">
               <a:rPr lang="de-AT" smtClean="0"/>
-              <a:t>14.03.2018</a:t>
+              <a:t>15.03.2018</a:t>
             </a:fld>
             <a:endParaRPr lang="de-AT"/>
           </a:p>
@@ -818,7 +818,7 @@
           <a:p>
             <a:fld id="{04BB0CA0-9FF0-4874-BD63-8CB97E6BC5F1}" type="datetime1">
               <a:rPr lang="de-AT" smtClean="0"/>
-              <a:t>14.03.2018</a:t>
+              <a:t>15.03.2018</a:t>
             </a:fld>
             <a:endParaRPr lang="de-AT"/>
           </a:p>
@@ -1028,7 +1028,7 @@
           <a:p>
             <a:fld id="{FF414B44-6A01-4CFA-AAB2-658CC9A2242E}" type="datetime1">
               <a:rPr lang="de-AT" smtClean="0"/>
-              <a:t>14.03.2018</a:t>
+              <a:t>15.03.2018</a:t>
             </a:fld>
             <a:endParaRPr lang="de-AT"/>
           </a:p>
@@ -1228,7 +1228,7 @@
           <a:p>
             <a:fld id="{3490E028-4DEC-43FD-9FCB-CB7ED9A08265}" type="datetime1">
               <a:rPr lang="de-AT" smtClean="0"/>
-              <a:t>14.03.2018</a:t>
+              <a:t>15.03.2018</a:t>
             </a:fld>
             <a:endParaRPr lang="de-AT"/>
           </a:p>
@@ -1504,7 +1504,7 @@
           <a:p>
             <a:fld id="{30E71ED9-248B-45AD-8141-9FA7C7A4F1CD}" type="datetime1">
               <a:rPr lang="de-AT" smtClean="0"/>
-              <a:t>14.03.2018</a:t>
+              <a:t>15.03.2018</a:t>
             </a:fld>
             <a:endParaRPr lang="de-AT"/>
           </a:p>
@@ -1772,7 +1772,7 @@
           <a:p>
             <a:fld id="{A58FCAF6-FE72-45F6-B9F0-56ED21E3E8D7}" type="datetime1">
               <a:rPr lang="de-AT" smtClean="0"/>
-              <a:t>14.03.2018</a:t>
+              <a:t>15.03.2018</a:t>
             </a:fld>
             <a:endParaRPr lang="de-AT"/>
           </a:p>
@@ -2187,7 +2187,7 @@
           <a:p>
             <a:fld id="{241D67A6-23DC-4A4C-BF5C-E479BBB4C638}" type="datetime1">
               <a:rPr lang="de-AT" smtClean="0"/>
-              <a:t>14.03.2018</a:t>
+              <a:t>15.03.2018</a:t>
             </a:fld>
             <a:endParaRPr lang="de-AT"/>
           </a:p>
@@ -2329,7 +2329,7 @@
           <a:p>
             <a:fld id="{29959D3A-3204-48A2-8391-A4D08F313F1E}" type="datetime1">
               <a:rPr lang="de-AT" smtClean="0"/>
-              <a:t>14.03.2018</a:t>
+              <a:t>15.03.2018</a:t>
             </a:fld>
             <a:endParaRPr lang="de-AT"/>
           </a:p>
@@ -2442,7 +2442,7 @@
           <a:p>
             <a:fld id="{8B022731-85C3-491D-97C7-3DB04F3D1295}" type="datetime1">
               <a:rPr lang="de-AT" smtClean="0"/>
-              <a:t>14.03.2018</a:t>
+              <a:t>15.03.2018</a:t>
             </a:fld>
             <a:endParaRPr lang="de-AT"/>
           </a:p>
@@ -2755,7 +2755,7 @@
           <a:p>
             <a:fld id="{FF103475-8A4C-4830-871D-D99E39D6C586}" type="datetime1">
               <a:rPr lang="de-AT" smtClean="0"/>
-              <a:t>14.03.2018</a:t>
+              <a:t>15.03.2018</a:t>
             </a:fld>
             <a:endParaRPr lang="de-AT"/>
           </a:p>
@@ -3044,7 +3044,7 @@
           <a:p>
             <a:fld id="{A4739DB2-DE6A-41EB-94FB-B2FA53D30FF0}" type="datetime1">
               <a:rPr lang="de-AT" smtClean="0"/>
-              <a:t>14.03.2018</a:t>
+              <a:t>15.03.2018</a:t>
             </a:fld>
             <a:endParaRPr lang="de-AT"/>
           </a:p>
@@ -3287,7 +3287,7 @@
           <a:p>
             <a:fld id="{AC3CA450-14AB-48E9-9645-B79A86DFA8B9}" type="datetime1">
               <a:rPr lang="de-AT" smtClean="0"/>
-              <a:t>14.03.2018</a:t>
+              <a:t>15.03.2018</a:t>
             </a:fld>
             <a:endParaRPr lang="de-AT"/>
           </a:p>
@@ -3834,7 +3834,7 @@
           <a:p>
             <a:fld id="{64870403-486B-45EE-9143-AE2CBEED4261}" type="datetime1">
               <a:rPr lang="de-AT" smtClean="0"/>
-              <a:t>14.03.2018</a:t>
+              <a:t>15.03.2018</a:t>
             </a:fld>
             <a:endParaRPr lang="de-AT"/>
           </a:p>
@@ -3975,8 +3975,9 @@
           </a:bodyPr>
           <a:lstStyle/>
           <a:p>
-            <a:pPr marL="0" indent="0">
-              <a:buNone/>
+            <a:pPr>
+              <a:buFont typeface="Wingdings" panose="05000000000000000000" pitchFamily="2" charset="2"/>
+              <a:buChar char="§"/>
             </a:pPr>
             <a:r>
               <a:rPr lang="de-AT" dirty="0"/>
@@ -3994,7 +3995,7 @@
             </a:pPr>
             <a:r>
               <a:rPr lang="de-AT" dirty="0"/>
-              <a:t>K01607605</a:t>
+              <a:t>   K01607605</a:t>
             </a:r>
           </a:p>
           <a:p>
@@ -4003,18 +4004,20 @@
             </a:pPr>
             <a:r>
               <a:rPr lang="de-AT" dirty="0"/>
-              <a:t>aistleithner.andrea97@gmx.at</a:t>
-            </a:r>
-          </a:p>
-          <a:p>
-            <a:pPr marL="0" indent="0">
-              <a:buNone/>
+              <a:t>   aistleithner.andrea97@gmx.at</a:t>
+            </a:r>
+          </a:p>
+          <a:p>
+            <a:pPr>
+              <a:buFont typeface="Wingdings" panose="05000000000000000000" pitchFamily="2" charset="2"/>
+              <a:buChar char="§"/>
             </a:pPr>
             <a:endParaRPr lang="de-AT" dirty="0"/>
           </a:p>
           <a:p>
-            <a:pPr marL="0" indent="0">
-              <a:buNone/>
+            <a:pPr>
+              <a:buFont typeface="Wingdings" panose="05000000000000000000" pitchFamily="2" charset="2"/>
+              <a:buChar char="§"/>
             </a:pPr>
             <a:r>
               <a:rPr lang="de-AT" dirty="0"/>
@@ -4035,24 +4038,29 @@
             </a:pPr>
             <a:r>
               <a:rPr lang="de-AT" dirty="0"/>
-              <a:t>K01256561</a:t>
+              <a:t>   K01256561</a:t>
             </a:r>
           </a:p>
           <a:p>
             <a:pPr marL="0" indent="0">
               <a:buNone/>
+            </a:pPr>
+            <a:r>
+              <a:rPr lang="de-AT" dirty="0"/>
+              <a:t>   majadusanic@gmail.com</a:t>
+            </a:r>
+          </a:p>
+          <a:p>
+            <a:pPr>
+              <a:buFont typeface="Wingdings" panose="05000000000000000000" pitchFamily="2" charset="2"/>
+              <a:buChar char="§"/>
             </a:pPr>
             <a:endParaRPr lang="de-AT" dirty="0"/>
           </a:p>
           <a:p>
-            <a:pPr marL="0" indent="0">
-              <a:buNone/>
-            </a:pPr>
-            <a:endParaRPr lang="de-AT" dirty="0"/>
-          </a:p>
-          <a:p>
-            <a:pPr marL="0" indent="0">
-              <a:buNone/>
+            <a:pPr>
+              <a:buFont typeface="Wingdings" panose="05000000000000000000" pitchFamily="2" charset="2"/>
+              <a:buChar char="§"/>
             </a:pPr>
             <a:r>
               <a:rPr lang="de-AT" dirty="0"/>
@@ -4065,7 +4073,7 @@
             </a:pPr>
             <a:r>
               <a:rPr lang="de-AT" dirty="0"/>
-              <a:t>K</a:t>
+              <a:t>   K01556377</a:t>
             </a:r>
           </a:p>
           <a:p>
@@ -4074,7 +4082,7 @@
             </a:pPr>
             <a:r>
               <a:rPr lang="de-AT" dirty="0"/>
-              <a:t>christoph.huber91@gmail.com</a:t>
+              <a:t>   christoph.huber91@gmail.com</a:t>
             </a:r>
           </a:p>
           <a:p>
@@ -4123,8 +4131,9 @@
           </a:bodyPr>
           <a:lstStyle/>
           <a:p>
-            <a:pPr marL="0" indent="0">
-              <a:buNone/>
+            <a:pPr>
+              <a:buFont typeface="Wingdings" panose="05000000000000000000" pitchFamily="2" charset="2"/>
+              <a:buChar char="§"/>
             </a:pPr>
             <a:r>
               <a:rPr lang="de-AT" dirty="0"/>
@@ -4145,7 +4154,7 @@
             </a:pPr>
             <a:r>
               <a:rPr lang="de-AT" dirty="0"/>
-              <a:t>K01356577</a:t>
+              <a:t>   K01356577</a:t>
             </a:r>
           </a:p>
           <a:p>
@@ -4154,7 +4163,7 @@
             </a:pPr>
             <a:r>
               <a:rPr lang="de-AT" dirty="0"/>
-              <a:t>a.teuchtmann@alteutech.at</a:t>
+              <a:t>   a.teuchtmann@alteutech.at</a:t>
             </a:r>
           </a:p>
           <a:p>
@@ -4164,8 +4173,9 @@
             <a:endParaRPr lang="de-AT" dirty="0"/>
           </a:p>
           <a:p>
-            <a:pPr marL="0" indent="0">
-              <a:buNone/>
+            <a:pPr>
+              <a:buFont typeface="Wingdings" panose="05000000000000000000" pitchFamily="2" charset="2"/>
+              <a:buChar char="§"/>
             </a:pPr>
             <a:r>
               <a:rPr lang="de-AT" dirty="0"/>
@@ -4178,7 +4188,7 @@
             </a:pPr>
             <a:r>
               <a:rPr lang="de-AT" dirty="0"/>
-              <a:t>K01356229</a:t>
+              <a:t>   K01356229</a:t>
             </a:r>
           </a:p>
           <a:p>
@@ -4187,7 +4197,7 @@
             </a:pPr>
             <a:r>
               <a:rPr lang="de-AT" dirty="0"/>
-              <a:t>tomicmilos94@yahoo.at</a:t>
+              <a:t>   tomicmilos94@yahoo.at</a:t>
             </a:r>
           </a:p>
           <a:p>
@@ -4260,7 +4270,7 @@
           <a:p>
             <a:fld id="{47DF5AD2-33AC-417D-8F4A-5B31FD477F96}" type="datetime1">
               <a:rPr lang="de-AT" smtClean="0"/>
-              <a:t>14.03.2018</a:t>
+              <a:t>15.03.2018</a:t>
             </a:fld>
             <a:endParaRPr lang="de-AT"/>
           </a:p>
@@ -4320,6 +4330,53 @@
           </a:p>
         </p:txBody>
       </p:sp>
+      <p:pic>
+        <p:nvPicPr>
+          <p:cNvPr id="1026" name="Picture 2" descr="Bildergebnis fÃ¼r team">
+            <a:extLst>
+              <a:ext uri="{FF2B5EF4-FFF2-40B4-BE49-F238E27FC236}">
+                <a16:creationId xmlns:a16="http://schemas.microsoft.com/office/drawing/2014/main" id="{465AC09D-0FA2-4397-A5FB-715395FE960C}"/>
+              </a:ext>
+            </a:extLst>
+          </p:cNvPr>
+          <p:cNvPicPr>
+            <a:picLocks noChangeAspect="1" noChangeArrowheads="1"/>
+          </p:cNvPicPr>
+          <p:nvPr/>
+        </p:nvPicPr>
+        <p:blipFill>
+          <a:blip r:embed="rId3">
+            <a:extLst>
+              <a:ext uri="{28A0092B-C50C-407E-A947-70E740481C1C}">
+                <a14:useLocalDpi xmlns:a14="http://schemas.microsoft.com/office/drawing/2010/main" val="0"/>
+              </a:ext>
+            </a:extLst>
+          </a:blip>
+          <a:srcRect/>
+          <a:stretch>
+            <a:fillRect/>
+          </a:stretch>
+        </p:blipFill>
+        <p:spPr bwMode="auto">
+          <a:xfrm>
+            <a:off x="8305800" y="4604219"/>
+            <a:ext cx="2920218" cy="1752131"/>
+          </a:xfrm>
+          <a:prstGeom prst="rect">
+            <a:avLst/>
+          </a:prstGeom>
+          <a:noFill/>
+          <a:extLst>
+            <a:ext uri="{909E8E84-426E-40DD-AFC4-6F175D3DCCD1}">
+              <a14:hiddenFill xmlns:a14="http://schemas.microsoft.com/office/drawing/2010/main">
+                <a:solidFill>
+                  <a:srgbClr val="FFFFFF"/>
+                </a:solidFill>
+              </a14:hiddenFill>
+            </a:ext>
+          </a:extLst>
+        </p:spPr>
+      </p:pic>
     </p:spTree>
     <p:extLst>
       <p:ext uri="{BB962C8B-B14F-4D97-AF65-F5344CB8AC3E}">
@@ -4417,6 +4474,10 @@
           </a:bodyPr>
           <a:lstStyle/>
           <a:p>
+            <a:pPr>
+              <a:buFont typeface="Wingdings" panose="05000000000000000000" pitchFamily="2" charset="2"/>
+              <a:buChar char="§"/>
+            </a:pPr>
             <a:r>
               <a:rPr lang="de-AT" dirty="0" err="1"/>
               <a:t>Requirements-und</a:t>
@@ -4435,26 +4496,37 @@
             </a:r>
           </a:p>
           <a:p>
-            <a:pPr lvl="1"/>
+            <a:pPr lvl="1">
+              <a:buFont typeface="Wingdings" panose="05000000000000000000" pitchFamily="2" charset="2"/>
+              <a:buChar char="§"/>
+            </a:pPr>
             <a:r>
               <a:rPr lang="de-AT" dirty="0"/>
               <a:t>Christoph Huber </a:t>
             </a:r>
           </a:p>
           <a:p>
-            <a:pPr marL="457200" lvl="1" indent="0">
-              <a:buNone/>
+            <a:pPr lvl="1">
+              <a:buFont typeface="Wingdings" panose="05000000000000000000" pitchFamily="2" charset="2"/>
+              <a:buChar char="§"/>
             </a:pPr>
             <a:endParaRPr lang="de-AT" dirty="0"/>
           </a:p>
           <a:p>
+            <a:pPr>
+              <a:buFont typeface="Wingdings" panose="05000000000000000000" pitchFamily="2" charset="2"/>
+              <a:buChar char="§"/>
+            </a:pPr>
             <a:r>
               <a:rPr lang="de-AT" dirty="0"/>
               <a:t>Source Code Repository</a:t>
             </a:r>
           </a:p>
           <a:p>
-            <a:pPr lvl="1"/>
+            <a:pPr lvl="1">
+              <a:buFont typeface="Wingdings" panose="05000000000000000000" pitchFamily="2" charset="2"/>
+              <a:buChar char="§"/>
+            </a:pPr>
             <a:r>
               <a:rPr lang="de-AT" dirty="0"/>
               <a:t>Maja </a:t>
@@ -4466,16 +4538,27 @@
             <a:endParaRPr lang="de-AT" dirty="0"/>
           </a:p>
           <a:p>
+            <a:pPr>
+              <a:buFont typeface="Wingdings" panose="05000000000000000000" pitchFamily="2" charset="2"/>
+              <a:buChar char="§"/>
+            </a:pPr>
             <a:endParaRPr lang="de-AT" dirty="0"/>
           </a:p>
           <a:p>
+            <a:pPr>
+              <a:buFont typeface="Wingdings" panose="05000000000000000000" pitchFamily="2" charset="2"/>
+              <a:buChar char="§"/>
+            </a:pPr>
             <a:r>
               <a:rPr lang="de-AT" dirty="0"/>
               <a:t>Qualität</a:t>
             </a:r>
           </a:p>
           <a:p>
-            <a:pPr lvl="1"/>
+            <a:pPr lvl="1">
+              <a:buFont typeface="Wingdings" panose="05000000000000000000" pitchFamily="2" charset="2"/>
+              <a:buChar char="§"/>
+            </a:pPr>
             <a:r>
               <a:rPr lang="de-AT" dirty="0"/>
               <a:t>Milos Tomic</a:t>
@@ -4529,13 +4612,20 @@
           </a:bodyPr>
           <a:lstStyle/>
           <a:p>
+            <a:pPr>
+              <a:buFont typeface="Wingdings" panose="05000000000000000000" pitchFamily="2" charset="2"/>
+              <a:buChar char="§"/>
+            </a:pPr>
             <a:r>
               <a:rPr lang="de-AT" dirty="0"/>
               <a:t>Testen</a:t>
             </a:r>
           </a:p>
           <a:p>
-            <a:pPr lvl="1"/>
+            <a:pPr lvl="1">
+              <a:buFont typeface="Wingdings" panose="05000000000000000000" pitchFamily="2" charset="2"/>
+              <a:buChar char="§"/>
+            </a:pPr>
             <a:r>
               <a:rPr lang="de-AT" dirty="0"/>
               <a:t>Andrea </a:t>
@@ -4547,17 +4637,27 @@
             <a:endParaRPr lang="de-AT" dirty="0"/>
           </a:p>
           <a:p>
-            <a:pPr lvl="1"/>
+            <a:pPr lvl="1">
+              <a:buFont typeface="Wingdings" panose="05000000000000000000" pitchFamily="2" charset="2"/>
+              <a:buChar char="§"/>
+            </a:pPr>
             <a:endParaRPr lang="de-AT" dirty="0"/>
           </a:p>
           <a:p>
+            <a:pPr>
+              <a:buFont typeface="Wingdings" panose="05000000000000000000" pitchFamily="2" charset="2"/>
+              <a:buChar char="§"/>
+            </a:pPr>
             <a:r>
               <a:rPr lang="de-AT" dirty="0"/>
               <a:t>Architektur und Dokumentation</a:t>
             </a:r>
           </a:p>
           <a:p>
-            <a:pPr lvl="1"/>
+            <a:pPr lvl="1">
+              <a:buFont typeface="Wingdings" panose="05000000000000000000" pitchFamily="2" charset="2"/>
+              <a:buChar char="§"/>
+            </a:pPr>
             <a:r>
               <a:rPr lang="de-AT" dirty="0"/>
               <a:t>Alexander </a:t>
@@ -4626,7 +4726,7 @@
           <a:p>
             <a:fld id="{69B698F4-D3D5-4170-A4CC-F5FF6B650D02}" type="datetime1">
               <a:rPr lang="de-AT" smtClean="0"/>
-              <a:t>14.03.2018</a:t>
+              <a:t>15.03.2018</a:t>
             </a:fld>
             <a:endParaRPr lang="de-AT"/>
           </a:p>
@@ -4779,62 +4879,101 @@
           </a:bodyPr>
           <a:lstStyle/>
           <a:p>
+            <a:pPr>
+              <a:buFont typeface="Wingdings" panose="05000000000000000000" pitchFamily="2" charset="2"/>
+              <a:buChar char="§"/>
+            </a:pPr>
             <a:r>
               <a:rPr lang="de-AT" dirty="0"/>
               <a:t>Kommunikation</a:t>
             </a:r>
           </a:p>
           <a:p>
-            <a:pPr lvl="1"/>
+            <a:pPr lvl="1">
+              <a:buFont typeface="Wingdings" panose="05000000000000000000" pitchFamily="2" charset="2"/>
+              <a:buChar char="§"/>
+            </a:pPr>
             <a:r>
               <a:rPr lang="de-AT" dirty="0"/>
               <a:t>WhatsApp Gruppe</a:t>
             </a:r>
           </a:p>
           <a:p>
-            <a:pPr lvl="1"/>
+            <a:pPr lvl="1">
+              <a:buFont typeface="Wingdings" panose="05000000000000000000" pitchFamily="2" charset="2"/>
+              <a:buChar char="§"/>
+            </a:pPr>
             <a:endParaRPr lang="de-AT" dirty="0"/>
           </a:p>
           <a:p>
+            <a:pPr>
+              <a:buFont typeface="Wingdings" panose="05000000000000000000" pitchFamily="2" charset="2"/>
+              <a:buChar char="§"/>
+            </a:pPr>
             <a:r>
               <a:rPr lang="de-AT" dirty="0"/>
               <a:t>Planung </a:t>
             </a:r>
           </a:p>
           <a:p>
-            <a:pPr lvl="1"/>
+            <a:pPr lvl="1">
+              <a:buFont typeface="Wingdings" panose="05000000000000000000" pitchFamily="2" charset="2"/>
+              <a:buChar char="§"/>
+            </a:pPr>
             <a:r>
               <a:rPr lang="de-AT" dirty="0"/>
               <a:t>Microsoft Excel Dokument</a:t>
             </a:r>
           </a:p>
           <a:p>
+            <a:pPr>
+              <a:buFont typeface="Wingdings" panose="05000000000000000000" pitchFamily="2" charset="2"/>
+              <a:buChar char="§"/>
+            </a:pPr>
             <a:endParaRPr lang="de-AT" dirty="0"/>
           </a:p>
           <a:p>
+            <a:pPr>
+              <a:buFont typeface="Wingdings" panose="05000000000000000000" pitchFamily="2" charset="2"/>
+              <a:buChar char="§"/>
+            </a:pPr>
             <a:r>
               <a:rPr lang="de-AT" dirty="0"/>
               <a:t>Projekttagebuch</a:t>
             </a:r>
           </a:p>
           <a:p>
-            <a:pPr lvl="1"/>
+            <a:pPr lvl="1">
+              <a:buFont typeface="Wingdings" panose="05000000000000000000" pitchFamily="2" charset="2"/>
+              <a:buChar char="§"/>
+            </a:pPr>
             <a:r>
               <a:rPr lang="de-AT" dirty="0"/>
               <a:t>Microsoft Word Dokument</a:t>
             </a:r>
           </a:p>
           <a:p>
+            <a:pPr>
+              <a:buFont typeface="Wingdings" panose="05000000000000000000" pitchFamily="2" charset="2"/>
+              <a:buChar char="§"/>
+            </a:pPr>
             <a:endParaRPr lang="de-AT" dirty="0"/>
           </a:p>
           <a:p>
+            <a:pPr>
+              <a:buFont typeface="Wingdings" panose="05000000000000000000" pitchFamily="2" charset="2"/>
+              <a:buChar char="§"/>
+            </a:pPr>
             <a:r>
               <a:rPr lang="de-AT" dirty="0"/>
               <a:t>Code Repository</a:t>
             </a:r>
           </a:p>
           <a:p>
-            <a:pPr lvl="1"/>
+            <a:pPr lvl="1">
+              <a:buFont typeface="Wingdings" panose="05000000000000000000" pitchFamily="2" charset="2"/>
+              <a:buChar char="§"/>
+            </a:pPr>
             <a:r>
               <a:rPr lang="de-AT" dirty="0" err="1"/>
               <a:t>Github</a:t>
@@ -4874,6 +5013,10 @@
           </a:bodyPr>
           <a:lstStyle/>
           <a:p>
+            <a:pPr>
+              <a:buFont typeface="Wingdings" panose="05000000000000000000" pitchFamily="2" charset="2"/>
+              <a:buChar char="§"/>
+            </a:pPr>
             <a:r>
               <a:rPr lang="de-AT" dirty="0" err="1"/>
               <a:t>Issue</a:t>
@@ -4884,7 +5027,10 @@
             </a:r>
           </a:p>
           <a:p>
-            <a:pPr lvl="1"/>
+            <a:pPr lvl="1">
+              <a:buFont typeface="Wingdings" panose="05000000000000000000" pitchFamily="2" charset="2"/>
+              <a:buChar char="§"/>
+            </a:pPr>
             <a:r>
               <a:rPr lang="de-AT" dirty="0" err="1"/>
               <a:t>Github</a:t>
@@ -4892,19 +5038,27 @@
             <a:endParaRPr lang="de-AT" dirty="0"/>
           </a:p>
           <a:p>
-            <a:pPr marL="0" indent="0">
-              <a:buNone/>
+            <a:pPr>
+              <a:buFont typeface="Wingdings" panose="05000000000000000000" pitchFamily="2" charset="2"/>
+              <a:buChar char="§"/>
             </a:pPr>
             <a:endParaRPr lang="de-AT" dirty="0"/>
           </a:p>
           <a:p>
+            <a:pPr>
+              <a:buFont typeface="Wingdings" panose="05000000000000000000" pitchFamily="2" charset="2"/>
+              <a:buChar char="§"/>
+            </a:pPr>
             <a:r>
               <a:rPr lang="de-AT" dirty="0"/>
               <a:t>Dokumentverwaltung</a:t>
             </a:r>
           </a:p>
           <a:p>
-            <a:pPr lvl="1"/>
+            <a:pPr lvl="1">
+              <a:buFont typeface="Wingdings" panose="05000000000000000000" pitchFamily="2" charset="2"/>
+              <a:buChar char="§"/>
+            </a:pPr>
             <a:r>
               <a:rPr lang="de-AT" dirty="0" err="1"/>
               <a:t>Github</a:t>
@@ -4912,7 +5066,10 @@
             <a:endParaRPr lang="de-AT" dirty="0"/>
           </a:p>
           <a:p>
-            <a:pPr lvl="1"/>
+            <a:pPr lvl="1">
+              <a:buFont typeface="Wingdings" panose="05000000000000000000" pitchFamily="2" charset="2"/>
+              <a:buChar char="§"/>
+            </a:pPr>
             <a:r>
               <a:rPr lang="de-AT" dirty="0"/>
               <a:t>Google Drive</a:t>
@@ -4976,7 +5133,7 @@
           <a:p>
             <a:fld id="{C1D68546-3865-4A7A-AF12-4C02636688A6}" type="datetime1">
               <a:rPr lang="de-AT" smtClean="0"/>
-              <a:t>14.03.2018</a:t>
+              <a:t>15.03.2018</a:t>
             </a:fld>
             <a:endParaRPr lang="de-AT"/>
           </a:p>
@@ -5036,6 +5193,81 @@
           </a:p>
         </p:txBody>
       </p:sp>
+      <p:pic>
+        <p:nvPicPr>
+          <p:cNvPr id="5" name="Grafik 4">
+            <a:extLst>
+              <a:ext uri="{FF2B5EF4-FFF2-40B4-BE49-F238E27FC236}">
+                <a16:creationId xmlns:a16="http://schemas.microsoft.com/office/drawing/2014/main" id="{0499051D-B5CB-4233-AA2A-D6F2B0071726}"/>
+              </a:ext>
+            </a:extLst>
+          </p:cNvPr>
+          <p:cNvPicPr>
+            <a:picLocks noChangeAspect="1"/>
+          </p:cNvPicPr>
+          <p:nvPr/>
+        </p:nvPicPr>
+        <p:blipFill>
+          <a:blip r:embed="rId3"/>
+          <a:stretch>
+            <a:fillRect/>
+          </a:stretch>
+        </p:blipFill>
+        <p:spPr>
+          <a:xfrm>
+            <a:off x="9630844" y="4065641"/>
+            <a:ext cx="2019595" cy="1060287"/>
+          </a:xfrm>
+          <a:prstGeom prst="rect">
+            <a:avLst/>
+          </a:prstGeom>
+        </p:spPr>
+      </p:pic>
+      <p:pic>
+        <p:nvPicPr>
+          <p:cNvPr id="2050" name="Picture 2" descr="Bildergebnis fÃ¼r whatsapp">
+            <a:extLst>
+              <a:ext uri="{FF2B5EF4-FFF2-40B4-BE49-F238E27FC236}">
+                <a16:creationId xmlns:a16="http://schemas.microsoft.com/office/drawing/2014/main" id="{DD7FF456-3057-4B1D-A4BA-1EBB6C6C0488}"/>
+              </a:ext>
+            </a:extLst>
+          </p:cNvPr>
+          <p:cNvPicPr>
+            <a:picLocks noChangeAspect="1" noChangeArrowheads="1"/>
+          </p:cNvPicPr>
+          <p:nvPr/>
+        </p:nvPicPr>
+        <p:blipFill rotWithShape="1">
+          <a:blip r:embed="rId4">
+            <a:extLst>
+              <a:ext uri="{28A0092B-C50C-407E-A947-70E740481C1C}">
+                <a14:useLocalDpi xmlns:a14="http://schemas.microsoft.com/office/drawing/2010/main" val="0"/>
+              </a:ext>
+            </a:extLst>
+          </a:blip>
+          <a:srcRect l="30818" r="25516" b="32594"/>
+          <a:stretch/>
+        </p:blipFill>
+        <p:spPr bwMode="auto">
+          <a:xfrm>
+            <a:off x="9061740" y="5192670"/>
+            <a:ext cx="1138210" cy="1060287"/>
+          </a:xfrm>
+          <a:prstGeom prst="rect">
+            <a:avLst/>
+          </a:prstGeom>
+          <a:noFill/>
+          <a:extLst>
+            <a:ext uri="{909E8E84-426E-40DD-AFC4-6F175D3DCCD1}">
+              <a14:hiddenFill xmlns:a14="http://schemas.microsoft.com/office/drawing/2010/main">
+                <a:solidFill>
+                  <a:srgbClr val="FFFFFF"/>
+                </a:solidFill>
+              </a14:hiddenFill>
+            </a:ext>
+          </a:extLst>
+        </p:spPr>
+      </p:pic>
     </p:spTree>
     <p:extLst>
       <p:ext uri="{BB962C8B-B14F-4D97-AF65-F5344CB8AC3E}">
@@ -5117,30 +5349,47 @@
           <a:bodyPr/>
           <a:lstStyle/>
           <a:p>
+            <a:pPr>
+              <a:buFont typeface="Wingdings" panose="05000000000000000000" pitchFamily="2" charset="2"/>
+              <a:buChar char="§"/>
+            </a:pPr>
             <a:r>
               <a:rPr lang="de-AT" dirty="0"/>
               <a:t>Programmiersprache </a:t>
             </a:r>
           </a:p>
           <a:p>
-            <a:pPr lvl="1"/>
+            <a:pPr lvl="1">
+              <a:buFont typeface="Wingdings" panose="05000000000000000000" pitchFamily="2" charset="2"/>
+              <a:buChar char="§"/>
+            </a:pPr>
             <a:r>
               <a:rPr lang="de-AT" dirty="0"/>
               <a:t>Java 1.8</a:t>
             </a:r>
           </a:p>
           <a:p>
-            <a:pPr lvl="1"/>
+            <a:pPr lvl="1">
+              <a:buFont typeface="Wingdings" panose="05000000000000000000" pitchFamily="2" charset="2"/>
+              <a:buChar char="§"/>
+            </a:pPr>
             <a:endParaRPr lang="de-AT" dirty="0"/>
           </a:p>
           <a:p>
+            <a:pPr>
+              <a:buFont typeface="Wingdings" panose="05000000000000000000" pitchFamily="2" charset="2"/>
+              <a:buChar char="§"/>
+            </a:pPr>
             <a:r>
               <a:rPr lang="de-AT" dirty="0"/>
               <a:t>Entwicklungsumgebung</a:t>
             </a:r>
           </a:p>
           <a:p>
-            <a:pPr lvl="1"/>
+            <a:pPr lvl="1">
+              <a:buFont typeface="Wingdings" panose="05000000000000000000" pitchFamily="2" charset="2"/>
+              <a:buChar char="§"/>
+            </a:pPr>
             <a:r>
               <a:rPr lang="de-AT" dirty="0" err="1"/>
               <a:t>Eclipse</a:t>
@@ -5148,17 +5397,27 @@
             <a:endParaRPr lang="de-AT" dirty="0"/>
           </a:p>
           <a:p>
-            <a:pPr lvl="1"/>
+            <a:pPr lvl="1">
+              <a:buFont typeface="Wingdings" panose="05000000000000000000" pitchFamily="2" charset="2"/>
+              <a:buChar char="§"/>
+            </a:pPr>
             <a:endParaRPr lang="de-AT" dirty="0"/>
           </a:p>
           <a:p>
+            <a:pPr>
+              <a:buFont typeface="Wingdings" panose="05000000000000000000" pitchFamily="2" charset="2"/>
+              <a:buChar char="§"/>
+            </a:pPr>
             <a:r>
               <a:rPr lang="de-AT" dirty="0"/>
               <a:t>Implementierung GUI</a:t>
             </a:r>
           </a:p>
           <a:p>
-            <a:pPr lvl="1"/>
+            <a:pPr lvl="1">
+              <a:buFont typeface="Wingdings" panose="05000000000000000000" pitchFamily="2" charset="2"/>
+              <a:buChar char="§"/>
+            </a:pPr>
             <a:r>
               <a:rPr lang="de-AT" dirty="0"/>
               <a:t>Swing (Java)</a:t>
@@ -5187,20 +5446,30 @@
           <a:bodyPr/>
           <a:lstStyle/>
           <a:p>
+            <a:pPr>
+              <a:buFont typeface="Wingdings" panose="05000000000000000000" pitchFamily="2" charset="2"/>
+              <a:buChar char="§"/>
+            </a:pPr>
             <a:r>
               <a:rPr lang="de-AT" dirty="0"/>
               <a:t>Prototyp</a:t>
             </a:r>
           </a:p>
           <a:p>
-            <a:pPr lvl="1"/>
+            <a:pPr lvl="1">
+              <a:buFont typeface="Wingdings" panose="05000000000000000000" pitchFamily="2" charset="2"/>
+              <a:buChar char="§"/>
+            </a:pPr>
             <a:r>
               <a:rPr lang="de-AT" dirty="0"/>
               <a:t>Wiederverwendbarer Prototyp </a:t>
             </a:r>
           </a:p>
           <a:p>
-            <a:pPr lvl="1"/>
+            <a:pPr lvl="1">
+              <a:buFont typeface="Wingdings" panose="05000000000000000000" pitchFamily="2" charset="2"/>
+              <a:buChar char="§"/>
+            </a:pPr>
             <a:r>
               <a:rPr lang="de-AT" dirty="0"/>
               <a:t>Swing (Java)</a:t>
@@ -5264,9 +5533,9 @@
           <a:p>
             <a:fld id="{10C267F7-EEBF-42F3-B386-70F97705F1BC}" type="datetime1">
               <a:rPr lang="de-AT" smtClean="0"/>
-              <a:t>14.03.2018</a:t>
+              <a:t>15.03.2018</a:t>
             </a:fld>
-            <a:endParaRPr lang="de-AT"/>
+            <a:endParaRPr lang="de-AT" dirty="0"/>
           </a:p>
         </p:txBody>
       </p:sp>
@@ -5324,6 +5593,64 @@
           </a:p>
         </p:txBody>
       </p:sp>
+      <p:pic>
+        <p:nvPicPr>
+          <p:cNvPr id="9" name="Grafik 8">
+            <a:extLst>
+              <a:ext uri="{FF2B5EF4-FFF2-40B4-BE49-F238E27FC236}">
+                <a16:creationId xmlns:a16="http://schemas.microsoft.com/office/drawing/2014/main" id="{438BE532-FB8E-4F59-8C39-3BF63382AC89}"/>
+              </a:ext>
+            </a:extLst>
+          </p:cNvPr>
+          <p:cNvPicPr>
+            <a:picLocks noChangeAspect="1"/>
+          </p:cNvPicPr>
+          <p:nvPr/>
+        </p:nvPicPr>
+        <p:blipFill rotWithShape="1">
+          <a:blip r:embed="rId3"/>
+          <a:srcRect t="30261" b="34947"/>
+          <a:stretch/>
+        </p:blipFill>
+        <p:spPr>
+          <a:xfrm>
+            <a:off x="6772084" y="5102087"/>
+            <a:ext cx="2290849" cy="797025"/>
+          </a:xfrm>
+          <a:prstGeom prst="rect">
+            <a:avLst/>
+          </a:prstGeom>
+        </p:spPr>
+      </p:pic>
+      <p:pic>
+        <p:nvPicPr>
+          <p:cNvPr id="10" name="Grafik 9">
+            <a:extLst>
+              <a:ext uri="{FF2B5EF4-FFF2-40B4-BE49-F238E27FC236}">
+                <a16:creationId xmlns:a16="http://schemas.microsoft.com/office/drawing/2014/main" id="{BCC93D7B-878C-4489-AB1E-363472404745}"/>
+              </a:ext>
+            </a:extLst>
+          </p:cNvPr>
+          <p:cNvPicPr>
+            <a:picLocks noChangeAspect="1"/>
+          </p:cNvPicPr>
+          <p:nvPr/>
+        </p:nvPicPr>
+        <p:blipFill rotWithShape="1">
+          <a:blip r:embed="rId4"/>
+          <a:srcRect l="22964" r="24223"/>
+          <a:stretch/>
+        </p:blipFill>
+        <p:spPr>
+          <a:xfrm>
+            <a:off x="9443454" y="3516935"/>
+            <a:ext cx="1476338" cy="1677232"/>
+          </a:xfrm>
+          <a:prstGeom prst="rect">
+            <a:avLst/>
+          </a:prstGeom>
+        </p:spPr>
+      </p:pic>
     </p:spTree>
     <p:extLst>
       <p:ext uri="{BB962C8B-B14F-4D97-AF65-F5344CB8AC3E}">
